--- a/Poster Draft.pptx
+++ b/Poster Draft.pptx
@@ -109,7 +109,7 @@
   </p:defaultTextStyle>
   <p:extLst>
     <p:ext uri="{EFAFB233-063F-42B5-8137-9DF3F51BA10A}">
-      <p15:sldGuideLst xmlns:p15="http://schemas.microsoft.com/office/powerpoint/2012/main">
+      <p15:sldGuideLst xmlns:p15="http://schemas.microsoft.com/office/powerpoint/2012/main" xmlns="">
         <p15:guide id="1" orient="horz" pos="6912" userDrawn="1">
           <p15:clr>
             <a:srgbClr val="A4A3A4"/>
@@ -3413,8 +3413,8 @@
         </p:nvSpPr>
         <p:spPr>
           <a:xfrm>
-            <a:off x="1188720" y="685800"/>
-            <a:ext cx="11430000" cy="2367443"/>
+            <a:off x="8166852" y="685800"/>
+            <a:ext cx="16584696" cy="2367417"/>
           </a:xfrm>
           <a:prstGeom prst="rect">
             <a:avLst/>
@@ -3427,12 +3427,17 @@
           </a:bodyPr>
           <a:lstStyle/>
           <a:p>
-            <a:r>
-              <a:rPr lang="en-US" sz="9600" b="1" dirty="0" smtClean="0"/>
+            <a:pPr algn="ctr"/>
+            <a:r>
+              <a:rPr lang="en-US" sz="9600" b="1" dirty="0" smtClean="0">
+                <a:latin typeface="Century Gothic"/>
+                <a:cs typeface="Century Gothic"/>
+              </a:rPr>
               <a:t>Rebound and Recycle</a:t>
             </a:r>
           </a:p>
           <a:p>
+            <a:pPr algn="ctr"/>
             <a:r>
               <a:rPr lang="en-US" dirty="0" smtClean="0"/>
               <a:t>Incentivizing recycling to reduce waste</a:t>
@@ -3449,8 +3454,8 @@
         </p:nvSpPr>
         <p:spPr>
           <a:xfrm>
-            <a:off x="8226928" y="3543324"/>
-            <a:ext cx="7685457" cy="7017306"/>
+            <a:off x="8226928" y="3853297"/>
+            <a:ext cx="7685457" cy="6263253"/>
           </a:xfrm>
           <a:prstGeom prst="rect">
             <a:avLst/>
@@ -3466,24 +3471,29 @@
           </a:bodyPr>
           <a:lstStyle/>
           <a:p>
-            <a:endParaRPr lang="en-US" sz="8800" b="1" dirty="0" smtClean="0"/>
-          </a:p>
-          <a:p>
-            <a:pPr>
+            <a:pPr marL="571500" indent="-571500">
               <a:spcBef>
                 <a:spcPts val="600"/>
               </a:spcBef>
+              <a:buFont typeface="Arial"/>
+              <a:buChar char="•"/>
             </a:pPr>
             <a:r>
               <a:rPr lang="en-US" sz="4400" dirty="0" smtClean="0"/>
-              <a:t>Without a direct incentive, some people may be unwilling to put forth the effort to recycle</a:t>
-            </a:r>
-          </a:p>
-          <a:p>
-            <a:pPr>
+              <a:t>Without </a:t>
+            </a:r>
+            <a:r>
+              <a:rPr lang="en-US" sz="4400" dirty="0" smtClean="0"/>
+              <a:t>a direct incentive, some people may be unwilling to put forth the effort to recycle</a:t>
+            </a:r>
+          </a:p>
+          <a:p>
+            <a:pPr marL="571500" indent="-571500">
               <a:spcBef>
                 <a:spcPts val="600"/>
               </a:spcBef>
+              <a:buFont typeface="Arial"/>
+              <a:buChar char="•"/>
             </a:pPr>
             <a:r>
               <a:rPr lang="en-US" sz="4400" dirty="0" smtClean="0"/>
@@ -3523,12 +3533,20 @@
             </a:r>
           </a:p>
           <a:p>
+            <a:pPr marL="571500" indent="-571500">
+              <a:buFont typeface="Arial"/>
+              <a:buChar char="•"/>
+            </a:pPr>
             <a:r>
               <a:rPr lang="en-US" sz="4400" dirty="0" smtClean="0"/>
               <a:t>The amount of recycling in a normal recycling bin after two days was compared to the amount in the Rebound and Recycle after two days</a:t>
             </a:r>
           </a:p>
           <a:p>
+            <a:pPr marL="571500" indent="-571500">
+              <a:buFont typeface="Arial"/>
+              <a:buChar char="•"/>
+            </a:pPr>
             <a:r>
               <a:rPr lang="en-US" sz="4400" dirty="0" smtClean="0"/>
               <a:t>Participants in the Forest dormitory were entered into a raffle for a Starbucks gift card once the goal weight was reached</a:t>
@@ -3537,7 +3555,15 @@
           <a:p>
             <a:r>
               <a:rPr lang="en-US" sz="7200" dirty="0" smtClean="0"/>
-              <a:t>Recycling increased by X amount</a:t>
+              <a:t>Recycling </a:t>
+            </a:r>
+            <a:r>
+              <a:rPr lang="en-US" sz="7200" dirty="0" smtClean="0"/>
+              <a:t>changed by </a:t>
+            </a:r>
+            <a:r>
+              <a:rPr lang="en-US" sz="7200" dirty="0" smtClean="0"/>
+              <a:t>X amount</a:t>
             </a:r>
             <a:endParaRPr lang="en-US" sz="7200" dirty="0"/>
           </a:p>
@@ -3552,7 +3578,7 @@
         <p:spPr>
           <a:xfrm>
             <a:off x="1349830" y="12060610"/>
-            <a:ext cx="7815855" cy="6417141"/>
+            <a:ext cx="7815855" cy="5663088"/>
           </a:xfrm>
           <a:prstGeom prst="rect">
             <a:avLst/>
@@ -3574,10 +3600,12 @@
             </a:r>
           </a:p>
           <a:p>
-            <a:pPr>
+            <a:pPr marL="571500" indent="-571500">
               <a:spcBef>
                 <a:spcPts val="600"/>
               </a:spcBef>
+              <a:buFont typeface="Arial"/>
+              <a:buChar char="•"/>
             </a:pPr>
             <a:r>
               <a:rPr lang="en-US" sz="4400" dirty="0" smtClean="0"/>
@@ -3585,26 +3613,34 @@
             </a:r>
           </a:p>
           <a:p>
-            <a:pPr>
+            <a:pPr marL="571500" indent="-571500">
               <a:spcBef>
                 <a:spcPts val="600"/>
               </a:spcBef>
+              <a:buFont typeface="Arial"/>
+              <a:buChar char="•"/>
             </a:pPr>
             <a:r>
               <a:rPr lang="en-US" sz="4400" dirty="0" smtClean="0"/>
-              <a:t>RGB LEDs gradually shift from red to green as more weight is added to the bin</a:t>
-            </a:r>
-          </a:p>
-          <a:p>
-            <a:pPr>
-              <a:spcBef>
-                <a:spcPts val="600"/>
-              </a:spcBef>
-            </a:pPr>
+              <a:t>Score is displayed by RGB </a:t>
+            </a:r>
             <a:r>
               <a:rPr lang="en-US" sz="4400" dirty="0" smtClean="0"/>
-              <a:t>Goal weight can be set to any value</a:t>
-            </a:r>
+              <a:t>LEDs gradually </a:t>
+            </a:r>
+            <a:r>
+              <a:rPr lang="en-US" sz="4400" dirty="0" smtClean="0"/>
+              <a:t>shifting </a:t>
+            </a:r>
+            <a:r>
+              <a:rPr lang="en-US" sz="4400" dirty="0" smtClean="0"/>
+              <a:t>from red to green </a:t>
+            </a:r>
+            <a:r>
+              <a:rPr lang="en-US" sz="4400" dirty="0" smtClean="0"/>
+              <a:t>as weight approaches final value</a:t>
+            </a:r>
+            <a:endParaRPr lang="en-US" sz="4400" dirty="0"/>
           </a:p>
         </p:txBody>
       </p:sp>
@@ -3970,9 +4006,17 @@
             </a:r>
           </a:p>
           <a:p>
+            <a:pPr marL="571500" indent="-571500">
+              <a:buFont typeface="Arial"/>
+              <a:buChar char="•"/>
+            </a:pPr>
             <a:r>
               <a:rPr lang="en-US" sz="4400" dirty="0" smtClean="0"/>
-              <a:t>Create a more diverse line-up of recycling games that could encourage recycling in a diverse collection of offices and classrooms</a:t>
+              <a:t>Create a more diverse line-up of recycling games that could encourage recycling </a:t>
+            </a:r>
+            <a:r>
+              <a:rPr lang="en-US" sz="4400" dirty="0" smtClean="0"/>
+              <a:t>in specific environments </a:t>
             </a:r>
             <a:endParaRPr lang="en-US" sz="4400" dirty="0"/>
           </a:p>
@@ -4009,10 +4053,12 @@
             </a:r>
           </a:p>
           <a:p>
-            <a:pPr>
+            <a:pPr marL="571500" indent="-571500">
               <a:spcBef>
                 <a:spcPts val="600"/>
               </a:spcBef>
+              <a:buFont typeface="Arial"/>
+              <a:buChar char="•"/>
             </a:pPr>
             <a:r>
               <a:rPr lang="en-US" sz="4400" dirty="0" smtClean="0"/>
@@ -4020,10 +4066,12 @@
             </a:r>
           </a:p>
           <a:p>
-            <a:pPr>
+            <a:pPr marL="571500" indent="-571500">
               <a:spcBef>
                 <a:spcPts val="600"/>
               </a:spcBef>
+              <a:buFont typeface="Arial"/>
+              <a:buChar char="•"/>
             </a:pPr>
             <a:r>
               <a:rPr lang="en-US" sz="4400" dirty="0" smtClean="0"/>
@@ -4031,21 +4079,33 @@
             </a:r>
           </a:p>
           <a:p>
-            <a:pPr>
+            <a:pPr marL="571500" indent="-571500">
               <a:spcBef>
                 <a:spcPts val="600"/>
               </a:spcBef>
+              <a:buFont typeface="Arial"/>
+              <a:buChar char="•"/>
             </a:pPr>
             <a:r>
               <a:rPr lang="en-US" sz="4400" dirty="0" smtClean="0"/>
-              <a:t>Offices and classrooms could award prizes when certain recycling goals are met</a:t>
-            </a:r>
-          </a:p>
-          <a:p>
-            <a:pPr>
+              <a:t>Offices and classrooms </a:t>
+            </a:r>
+            <a:r>
+              <a:rPr lang="en-US" sz="4400" dirty="0" smtClean="0"/>
+              <a:t>could </a:t>
+            </a:r>
+            <a:r>
+              <a:rPr lang="en-US" sz="4400" dirty="0" smtClean="0"/>
+              <a:t>award prizes when certain recycling goals are met</a:t>
+            </a:r>
+          </a:p>
+          <a:p>
+            <a:pPr marL="571500" indent="-571500">
               <a:spcBef>
                 <a:spcPts val="600"/>
               </a:spcBef>
+              <a:buFont typeface="Arial"/>
+              <a:buChar char="•"/>
             </a:pPr>
             <a:r>
               <a:rPr lang="en-US" sz="4400" dirty="0" smtClean="0"/>
@@ -4065,7 +4125,7 @@
         </p:nvSpPr>
         <p:spPr>
           <a:xfrm>
-            <a:off x="1556401" y="3791733"/>
+            <a:off x="1556401" y="3575529"/>
             <a:ext cx="6194905" cy="1446550"/>
           </a:xfrm>
           <a:prstGeom prst="rect">
@@ -4100,7 +4160,7 @@
   <p:timing>
     <p:tnLst>
       <p:par>
-        <p:cTn id="1" dur="indefinite" restart="never" nodeType="tmRoot"/>
+        <p:cTn xmlns:p14="http://schemas.microsoft.com/office/powerpoint/2010/main" id="1" dur="indefinite" restart="never" nodeType="tmRoot"/>
       </p:par>
     </p:tnLst>
   </p:timing>
@@ -4150,7 +4210,7 @@
     </a:clrScheme>
     <a:fontScheme name="Office Theme">
       <a:majorFont>
-        <a:latin typeface="Calibri Light" panose="020F0302020204030204"/>
+        <a:latin typeface="Calibri Light"/>
         <a:ea typeface=""/>
         <a:cs typeface=""/>
         <a:font script="Jpan" typeface="ＭＳ Ｐゴシック"/>
@@ -4185,7 +4245,7 @@
         <a:font script="Geor" typeface="Sylfaen"/>
       </a:majorFont>
       <a:minorFont>
-        <a:latin typeface="Calibri" panose="020F0502020204030204"/>
+        <a:latin typeface="Calibri"/>
         <a:ea typeface=""/>
         <a:cs typeface=""/>
         <a:font script="Jpan" typeface="ＭＳ Ｐゴシック"/>
@@ -4362,7 +4422,7 @@
   <a:extraClrSchemeLst/>
   <a:extLst>
     <a:ext uri="{05A4C25C-085E-4340-85A3-A5531E510DB2}">
-      <thm15:themeFamily xmlns:thm15="http://schemas.microsoft.com/office/thememl/2012/main" name="Office Theme" id="{62F939B6-93AF-4DB8-9C6B-D6C7DFDC589F}" vid="{4A3C46E8-61CC-4603-A589-7422A47A8E4A}"/>
+      <thm15:themeFamily xmlns:thm15="http://schemas.microsoft.com/office/thememl/2012/main" xmlns="" name="Office Theme" id="{62F939B6-93AF-4DB8-9C6B-D6C7DFDC589F}" vid="{4A3C46E8-61CC-4603-A589-7422A47A8E4A}"/>
     </a:ext>
   </a:extLst>
 </a:theme>
@@ -4411,7 +4471,7 @@
     </a:clrScheme>
     <a:fontScheme name="Office">
       <a:majorFont>
-        <a:latin typeface="Calibri Light" panose="020F0302020204030204"/>
+        <a:latin typeface="Calibri Light"/>
         <a:ea typeface=""/>
         <a:cs typeface=""/>
         <a:font script="Jpan" typeface="Yu Gothic Light"/>
@@ -4446,7 +4506,7 @@
         <a:font script="Geor" typeface="Sylfaen"/>
       </a:majorFont>
       <a:minorFont>
-        <a:latin typeface="Calibri" panose="020F0502020204030204"/>
+        <a:latin typeface="Calibri"/>
         <a:ea typeface=""/>
         <a:cs typeface=""/>
         <a:font script="Jpan" typeface="Yu Gothic"/>
@@ -4623,7 +4683,7 @@
   <a:extraClrSchemeLst/>
   <a:extLst>
     <a:ext uri="{05A4C25C-085E-4340-85A3-A5531E510DB2}">
-      <thm15:themeFamily xmlns:thm15="http://schemas.microsoft.com/office/thememl/2012/main" name="Office Theme" id="{62F939B6-93AF-4DB8-9C6B-D6C7DFDC589F}" vid="{4A3C46E8-61CC-4603-A589-7422A47A8E4A}"/>
+      <thm15:themeFamily xmlns:thm15="http://schemas.microsoft.com/office/thememl/2012/main" xmlns="" name="Office Theme" id="{62F939B6-93AF-4DB8-9C6B-D6C7DFDC589F}" vid="{4A3C46E8-61CC-4603-A589-7422A47A8E4A}"/>
     </a:ext>
   </a:extLst>
 </a:theme>

--- a/Poster Draft.pptx
+++ b/Poster Draft.pptx
@@ -109,7 +109,7 @@
   </p:defaultTextStyle>
   <p:extLst>
     <p:ext uri="{EFAFB233-063F-42B5-8137-9DF3F51BA10A}">
-      <p15:sldGuideLst xmlns:p15="http://schemas.microsoft.com/office/powerpoint/2012/main" xmlns="">
+      <p15:sldGuideLst xmlns:p15="http://schemas.microsoft.com/office/powerpoint/2012/main">
         <p15:guide id="1" orient="horz" pos="6912" userDrawn="1">
           <p15:clr>
             <a:srgbClr val="A4A3A4"/>
@@ -124,6 +124,4673 @@
     </p:ext>
   </p:extLst>
 </p:presentation>
+</file>
+
+<file path=ppt/diagrams/colors1.xml><?xml version="1.0" encoding="utf-8"?>
+<dgm:colorsDef xmlns:dgm="http://schemas.openxmlformats.org/drawingml/2006/diagram" xmlns:a="http://schemas.openxmlformats.org/drawingml/2006/main" uniqueId="urn:microsoft.com/office/officeart/2005/8/colors/accent1_2">
+  <dgm:title val=""/>
+  <dgm:desc val=""/>
+  <dgm:catLst>
+    <dgm:cat type="accent1" pri="11200"/>
+  </dgm:catLst>
+  <dgm:styleLbl name="node0">
+    <dgm:fillClrLst meth="repeat">
+      <a:schemeClr val="accent1"/>
+    </dgm:fillClrLst>
+    <dgm:linClrLst meth="repeat">
+      <a:schemeClr val="lt1"/>
+    </dgm:linClrLst>
+    <dgm:effectClrLst/>
+    <dgm:txLinClrLst/>
+    <dgm:txFillClrLst/>
+    <dgm:txEffectClrLst/>
+  </dgm:styleLbl>
+  <dgm:styleLbl name="alignNode1">
+    <dgm:fillClrLst meth="repeat">
+      <a:schemeClr val="accent1"/>
+    </dgm:fillClrLst>
+    <dgm:linClrLst meth="repeat">
+      <a:schemeClr val="accent1"/>
+    </dgm:linClrLst>
+    <dgm:effectClrLst/>
+    <dgm:txLinClrLst/>
+    <dgm:txFillClrLst/>
+    <dgm:txEffectClrLst/>
+  </dgm:styleLbl>
+  <dgm:styleLbl name="node1">
+    <dgm:fillClrLst meth="repeat">
+      <a:schemeClr val="accent1"/>
+    </dgm:fillClrLst>
+    <dgm:linClrLst meth="repeat">
+      <a:schemeClr val="lt1"/>
+    </dgm:linClrLst>
+    <dgm:effectClrLst/>
+    <dgm:txLinClrLst/>
+    <dgm:txFillClrLst/>
+    <dgm:txEffectClrLst/>
+  </dgm:styleLbl>
+  <dgm:styleLbl name="lnNode1">
+    <dgm:fillClrLst meth="repeat">
+      <a:schemeClr val="accent1"/>
+    </dgm:fillClrLst>
+    <dgm:linClrLst meth="repeat">
+      <a:schemeClr val="lt1"/>
+    </dgm:linClrLst>
+    <dgm:effectClrLst/>
+    <dgm:txLinClrLst/>
+    <dgm:txFillClrLst/>
+    <dgm:txEffectClrLst/>
+  </dgm:styleLbl>
+  <dgm:styleLbl name="vennNode1">
+    <dgm:fillClrLst meth="repeat">
+      <a:schemeClr val="accent1">
+        <a:alpha val="50000"/>
+      </a:schemeClr>
+    </dgm:fillClrLst>
+    <dgm:linClrLst meth="repeat">
+      <a:schemeClr val="lt1"/>
+    </dgm:linClrLst>
+    <dgm:effectClrLst/>
+    <dgm:txLinClrLst/>
+    <dgm:txFillClrLst/>
+    <dgm:txEffectClrLst/>
+  </dgm:styleLbl>
+  <dgm:styleLbl name="node2">
+    <dgm:fillClrLst meth="repeat">
+      <a:schemeClr val="accent1"/>
+    </dgm:fillClrLst>
+    <dgm:linClrLst meth="repeat">
+      <a:schemeClr val="lt1"/>
+    </dgm:linClrLst>
+    <dgm:effectClrLst/>
+    <dgm:txLinClrLst/>
+    <dgm:txFillClrLst/>
+    <dgm:txEffectClrLst/>
+  </dgm:styleLbl>
+  <dgm:styleLbl name="node3">
+    <dgm:fillClrLst meth="repeat">
+      <a:schemeClr val="accent1"/>
+    </dgm:fillClrLst>
+    <dgm:linClrLst meth="repeat">
+      <a:schemeClr val="lt1"/>
+    </dgm:linClrLst>
+    <dgm:effectClrLst/>
+    <dgm:txLinClrLst/>
+    <dgm:txFillClrLst/>
+    <dgm:txEffectClrLst/>
+  </dgm:styleLbl>
+  <dgm:styleLbl name="node4">
+    <dgm:fillClrLst meth="repeat">
+      <a:schemeClr val="accent1"/>
+    </dgm:fillClrLst>
+    <dgm:linClrLst meth="repeat">
+      <a:schemeClr val="lt1"/>
+    </dgm:linClrLst>
+    <dgm:effectClrLst/>
+    <dgm:txLinClrLst/>
+    <dgm:txFillClrLst/>
+    <dgm:txEffectClrLst/>
+  </dgm:styleLbl>
+  <dgm:styleLbl name="fgImgPlace1">
+    <dgm:fillClrLst meth="repeat">
+      <a:schemeClr val="accent1">
+        <a:tint val="50000"/>
+      </a:schemeClr>
+    </dgm:fillClrLst>
+    <dgm:linClrLst meth="repeat">
+      <a:schemeClr val="lt1"/>
+    </dgm:linClrLst>
+    <dgm:effectClrLst/>
+    <dgm:txLinClrLst/>
+    <dgm:txFillClrLst meth="repeat">
+      <a:schemeClr val="lt1"/>
+    </dgm:txFillClrLst>
+    <dgm:txEffectClrLst/>
+  </dgm:styleLbl>
+  <dgm:styleLbl name="alignImgPlace1">
+    <dgm:fillClrLst meth="repeat">
+      <a:schemeClr val="accent1">
+        <a:tint val="50000"/>
+      </a:schemeClr>
+    </dgm:fillClrLst>
+    <dgm:linClrLst meth="repeat">
+      <a:schemeClr val="lt1"/>
+    </dgm:linClrLst>
+    <dgm:effectClrLst/>
+    <dgm:txLinClrLst/>
+    <dgm:txFillClrLst meth="repeat">
+      <a:schemeClr val="lt1"/>
+    </dgm:txFillClrLst>
+    <dgm:txEffectClrLst/>
+  </dgm:styleLbl>
+  <dgm:styleLbl name="bgImgPlace1">
+    <dgm:fillClrLst meth="repeat">
+      <a:schemeClr val="accent1">
+        <a:tint val="50000"/>
+      </a:schemeClr>
+    </dgm:fillClrLst>
+    <dgm:linClrLst meth="repeat">
+      <a:schemeClr val="lt1"/>
+    </dgm:linClrLst>
+    <dgm:effectClrLst/>
+    <dgm:txLinClrLst/>
+    <dgm:txFillClrLst meth="repeat">
+      <a:schemeClr val="lt1"/>
+    </dgm:txFillClrLst>
+    <dgm:txEffectClrLst/>
+  </dgm:styleLbl>
+  <dgm:styleLbl name="sibTrans2D1">
+    <dgm:fillClrLst meth="repeat">
+      <a:schemeClr val="accent1">
+        <a:tint val="60000"/>
+      </a:schemeClr>
+    </dgm:fillClrLst>
+    <dgm:linClrLst meth="repeat">
+      <a:schemeClr val="accent1">
+        <a:tint val="60000"/>
+      </a:schemeClr>
+    </dgm:linClrLst>
+    <dgm:effectClrLst/>
+    <dgm:txLinClrLst/>
+    <dgm:txFillClrLst/>
+    <dgm:txEffectClrLst/>
+  </dgm:styleLbl>
+  <dgm:styleLbl name="fgSibTrans2D1">
+    <dgm:fillClrLst meth="repeat">
+      <a:schemeClr val="accent1">
+        <a:tint val="60000"/>
+      </a:schemeClr>
+    </dgm:fillClrLst>
+    <dgm:linClrLst meth="repeat">
+      <a:schemeClr val="accent1">
+        <a:tint val="60000"/>
+      </a:schemeClr>
+    </dgm:linClrLst>
+    <dgm:effectClrLst/>
+    <dgm:txLinClrLst/>
+    <dgm:txFillClrLst/>
+    <dgm:txEffectClrLst/>
+  </dgm:styleLbl>
+  <dgm:styleLbl name="bgSibTrans2D1">
+    <dgm:fillClrLst meth="repeat">
+      <a:schemeClr val="accent1">
+        <a:tint val="60000"/>
+      </a:schemeClr>
+    </dgm:fillClrLst>
+    <dgm:linClrLst meth="repeat">
+      <a:schemeClr val="accent1">
+        <a:tint val="60000"/>
+      </a:schemeClr>
+    </dgm:linClrLst>
+    <dgm:effectClrLst/>
+    <dgm:txLinClrLst/>
+    <dgm:txFillClrLst/>
+    <dgm:txEffectClrLst/>
+  </dgm:styleLbl>
+  <dgm:styleLbl name="sibTrans1D1">
+    <dgm:fillClrLst meth="repeat">
+      <a:schemeClr val="accent1"/>
+    </dgm:fillClrLst>
+    <dgm:linClrLst meth="repeat">
+      <a:schemeClr val="accent1"/>
+    </dgm:linClrLst>
+    <dgm:effectClrLst/>
+    <dgm:txLinClrLst/>
+    <dgm:txFillClrLst meth="repeat">
+      <a:schemeClr val="tx1"/>
+    </dgm:txFillClrLst>
+    <dgm:txEffectClrLst/>
+  </dgm:styleLbl>
+  <dgm:styleLbl name="callout">
+    <dgm:fillClrLst meth="repeat">
+      <a:schemeClr val="accent1"/>
+    </dgm:fillClrLst>
+    <dgm:linClrLst meth="repeat">
+      <a:schemeClr val="accent1">
+        <a:tint val="50000"/>
+      </a:schemeClr>
+    </dgm:linClrLst>
+    <dgm:effectClrLst/>
+    <dgm:txLinClrLst/>
+    <dgm:txFillClrLst meth="repeat">
+      <a:schemeClr val="tx1"/>
+    </dgm:txFillClrLst>
+    <dgm:txEffectClrLst/>
+  </dgm:styleLbl>
+  <dgm:styleLbl name="asst0">
+    <dgm:fillClrLst meth="repeat">
+      <a:schemeClr val="accent1"/>
+    </dgm:fillClrLst>
+    <dgm:linClrLst meth="repeat">
+      <a:schemeClr val="lt1"/>
+    </dgm:linClrLst>
+    <dgm:effectClrLst/>
+    <dgm:txLinClrLst/>
+    <dgm:txFillClrLst/>
+    <dgm:txEffectClrLst/>
+  </dgm:styleLbl>
+  <dgm:styleLbl name="asst1">
+    <dgm:fillClrLst meth="repeat">
+      <a:schemeClr val="accent1"/>
+    </dgm:fillClrLst>
+    <dgm:linClrLst meth="repeat">
+      <a:schemeClr val="lt1"/>
+    </dgm:linClrLst>
+    <dgm:effectClrLst/>
+    <dgm:txLinClrLst/>
+    <dgm:txFillClrLst/>
+    <dgm:txEffectClrLst/>
+  </dgm:styleLbl>
+  <dgm:styleLbl name="asst2">
+    <dgm:fillClrLst meth="repeat">
+      <a:schemeClr val="accent1"/>
+    </dgm:fillClrLst>
+    <dgm:linClrLst meth="repeat">
+      <a:schemeClr val="lt1"/>
+    </dgm:linClrLst>
+    <dgm:effectClrLst/>
+    <dgm:txLinClrLst/>
+    <dgm:txFillClrLst/>
+    <dgm:txEffectClrLst/>
+  </dgm:styleLbl>
+  <dgm:styleLbl name="asst3">
+    <dgm:fillClrLst meth="repeat">
+      <a:schemeClr val="accent1"/>
+    </dgm:fillClrLst>
+    <dgm:linClrLst meth="repeat">
+      <a:schemeClr val="lt1"/>
+    </dgm:linClrLst>
+    <dgm:effectClrLst/>
+    <dgm:txLinClrLst/>
+    <dgm:txFillClrLst/>
+    <dgm:txEffectClrLst/>
+  </dgm:styleLbl>
+  <dgm:styleLbl name="asst4">
+    <dgm:fillClrLst meth="repeat">
+      <a:schemeClr val="accent1"/>
+    </dgm:fillClrLst>
+    <dgm:linClrLst meth="repeat">
+      <a:schemeClr val="lt1"/>
+    </dgm:linClrLst>
+    <dgm:effectClrLst/>
+    <dgm:txLinClrLst/>
+    <dgm:txFillClrLst/>
+    <dgm:txEffectClrLst/>
+  </dgm:styleLbl>
+  <dgm:styleLbl name="parChTrans2D1">
+    <dgm:fillClrLst meth="repeat">
+      <a:schemeClr val="accent1">
+        <a:tint val="60000"/>
+      </a:schemeClr>
+    </dgm:fillClrLst>
+    <dgm:linClrLst meth="repeat">
+      <a:schemeClr val="accent1">
+        <a:tint val="60000"/>
+      </a:schemeClr>
+    </dgm:linClrLst>
+    <dgm:effectClrLst/>
+    <dgm:txLinClrLst/>
+    <dgm:txFillClrLst meth="repeat">
+      <a:schemeClr val="lt1"/>
+    </dgm:txFillClrLst>
+    <dgm:txEffectClrLst/>
+  </dgm:styleLbl>
+  <dgm:styleLbl name="parChTrans2D2">
+    <dgm:fillClrLst meth="repeat">
+      <a:schemeClr val="accent1"/>
+    </dgm:fillClrLst>
+    <dgm:linClrLst meth="repeat">
+      <a:schemeClr val="accent1"/>
+    </dgm:linClrLst>
+    <dgm:effectClrLst/>
+    <dgm:txLinClrLst/>
+    <dgm:txFillClrLst meth="repeat">
+      <a:schemeClr val="lt1"/>
+    </dgm:txFillClrLst>
+    <dgm:txEffectClrLst/>
+  </dgm:styleLbl>
+  <dgm:styleLbl name="parChTrans2D3">
+    <dgm:fillClrLst meth="repeat">
+      <a:schemeClr val="accent1"/>
+    </dgm:fillClrLst>
+    <dgm:linClrLst meth="repeat">
+      <a:schemeClr val="accent1"/>
+    </dgm:linClrLst>
+    <dgm:effectClrLst/>
+    <dgm:txLinClrLst/>
+    <dgm:txFillClrLst meth="repeat">
+      <a:schemeClr val="lt1"/>
+    </dgm:txFillClrLst>
+    <dgm:txEffectClrLst/>
+  </dgm:styleLbl>
+  <dgm:styleLbl name="parChTrans2D4">
+    <dgm:fillClrLst meth="repeat">
+      <a:schemeClr val="accent1"/>
+    </dgm:fillClrLst>
+    <dgm:linClrLst meth="repeat">
+      <a:schemeClr val="accent1"/>
+    </dgm:linClrLst>
+    <dgm:effectClrLst/>
+    <dgm:txLinClrLst/>
+    <dgm:txFillClrLst meth="repeat">
+      <a:schemeClr val="lt1"/>
+    </dgm:txFillClrLst>
+    <dgm:txEffectClrLst/>
+  </dgm:styleLbl>
+  <dgm:styleLbl name="parChTrans1D1">
+    <dgm:fillClrLst meth="repeat">
+      <a:schemeClr val="accent1"/>
+    </dgm:fillClrLst>
+    <dgm:linClrLst meth="repeat">
+      <a:schemeClr val="accent1">
+        <a:shade val="60000"/>
+      </a:schemeClr>
+    </dgm:linClrLst>
+    <dgm:effectClrLst/>
+    <dgm:txLinClrLst/>
+    <dgm:txFillClrLst meth="repeat">
+      <a:schemeClr val="tx1"/>
+    </dgm:txFillClrLst>
+    <dgm:txEffectClrLst/>
+  </dgm:styleLbl>
+  <dgm:styleLbl name="parChTrans1D2">
+    <dgm:fillClrLst meth="repeat">
+      <a:schemeClr val="accent1"/>
+    </dgm:fillClrLst>
+    <dgm:linClrLst meth="repeat">
+      <a:schemeClr val="accent1">
+        <a:shade val="60000"/>
+      </a:schemeClr>
+    </dgm:linClrLst>
+    <dgm:effectClrLst/>
+    <dgm:txLinClrLst/>
+    <dgm:txFillClrLst meth="repeat">
+      <a:schemeClr val="tx1"/>
+    </dgm:txFillClrLst>
+    <dgm:txEffectClrLst/>
+  </dgm:styleLbl>
+  <dgm:styleLbl name="parChTrans1D3">
+    <dgm:fillClrLst meth="repeat">
+      <a:schemeClr val="accent1"/>
+    </dgm:fillClrLst>
+    <dgm:linClrLst meth="repeat">
+      <a:schemeClr val="accent1">
+        <a:shade val="80000"/>
+      </a:schemeClr>
+    </dgm:linClrLst>
+    <dgm:effectClrLst/>
+    <dgm:txLinClrLst/>
+    <dgm:txFillClrLst meth="repeat">
+      <a:schemeClr val="tx1"/>
+    </dgm:txFillClrLst>
+    <dgm:txEffectClrLst/>
+  </dgm:styleLbl>
+  <dgm:styleLbl name="parChTrans1D4">
+    <dgm:fillClrLst meth="repeat">
+      <a:schemeClr val="accent1"/>
+    </dgm:fillClrLst>
+    <dgm:linClrLst meth="repeat">
+      <a:schemeClr val="accent1">
+        <a:shade val="80000"/>
+      </a:schemeClr>
+    </dgm:linClrLst>
+    <dgm:effectClrLst/>
+    <dgm:txLinClrLst/>
+    <dgm:txFillClrLst meth="repeat">
+      <a:schemeClr val="tx1"/>
+    </dgm:txFillClrLst>
+    <dgm:txEffectClrLst/>
+  </dgm:styleLbl>
+  <dgm:styleLbl name="fgAcc1">
+    <dgm:fillClrLst meth="repeat">
+      <a:schemeClr val="lt1">
+        <a:alpha val="90000"/>
+      </a:schemeClr>
+    </dgm:fillClrLst>
+    <dgm:linClrLst meth="repeat">
+      <a:schemeClr val="accent1"/>
+    </dgm:linClrLst>
+    <dgm:effectClrLst/>
+    <dgm:txLinClrLst/>
+    <dgm:txFillClrLst meth="repeat">
+      <a:schemeClr val="dk1"/>
+    </dgm:txFillClrLst>
+    <dgm:txEffectClrLst/>
+  </dgm:styleLbl>
+  <dgm:styleLbl name="conFgAcc1">
+    <dgm:fillClrLst meth="repeat">
+      <a:schemeClr val="lt1">
+        <a:alpha val="90000"/>
+      </a:schemeClr>
+    </dgm:fillClrLst>
+    <dgm:linClrLst meth="repeat">
+      <a:schemeClr val="accent1"/>
+    </dgm:linClrLst>
+    <dgm:effectClrLst/>
+    <dgm:txLinClrLst/>
+    <dgm:txFillClrLst meth="repeat">
+      <a:schemeClr val="dk1"/>
+    </dgm:txFillClrLst>
+    <dgm:txEffectClrLst/>
+  </dgm:styleLbl>
+  <dgm:styleLbl name="alignAcc1">
+    <dgm:fillClrLst meth="repeat">
+      <a:schemeClr val="lt1">
+        <a:alpha val="90000"/>
+      </a:schemeClr>
+    </dgm:fillClrLst>
+    <dgm:linClrLst meth="repeat">
+      <a:schemeClr val="accent1"/>
+    </dgm:linClrLst>
+    <dgm:effectClrLst/>
+    <dgm:txLinClrLst/>
+    <dgm:txFillClrLst meth="repeat">
+      <a:schemeClr val="dk1"/>
+    </dgm:txFillClrLst>
+    <dgm:txEffectClrLst/>
+  </dgm:styleLbl>
+  <dgm:styleLbl name="trAlignAcc1">
+    <dgm:fillClrLst meth="repeat">
+      <a:schemeClr val="lt1">
+        <a:alpha val="40000"/>
+      </a:schemeClr>
+    </dgm:fillClrLst>
+    <dgm:linClrLst meth="repeat">
+      <a:schemeClr val="accent1"/>
+    </dgm:linClrLst>
+    <dgm:effectClrLst/>
+    <dgm:txLinClrLst/>
+    <dgm:txFillClrLst meth="repeat">
+      <a:schemeClr val="dk1"/>
+    </dgm:txFillClrLst>
+    <dgm:txEffectClrLst/>
+  </dgm:styleLbl>
+  <dgm:styleLbl name="bgAcc1">
+    <dgm:fillClrLst meth="repeat">
+      <a:schemeClr val="lt1">
+        <a:alpha val="90000"/>
+      </a:schemeClr>
+    </dgm:fillClrLst>
+    <dgm:linClrLst meth="repeat">
+      <a:schemeClr val="accent1"/>
+    </dgm:linClrLst>
+    <dgm:effectClrLst/>
+    <dgm:txLinClrLst/>
+    <dgm:txFillClrLst meth="repeat">
+      <a:schemeClr val="dk1"/>
+    </dgm:txFillClrLst>
+    <dgm:txEffectClrLst/>
+  </dgm:styleLbl>
+  <dgm:styleLbl name="solidFgAcc1">
+    <dgm:fillClrLst meth="repeat">
+      <a:schemeClr val="lt1"/>
+    </dgm:fillClrLst>
+    <dgm:linClrLst meth="repeat">
+      <a:schemeClr val="accent1"/>
+    </dgm:linClrLst>
+    <dgm:effectClrLst/>
+    <dgm:txLinClrLst/>
+    <dgm:txFillClrLst meth="repeat">
+      <a:schemeClr val="dk1"/>
+    </dgm:txFillClrLst>
+    <dgm:txEffectClrLst/>
+  </dgm:styleLbl>
+  <dgm:styleLbl name="solidAlignAcc1">
+    <dgm:fillClrLst meth="repeat">
+      <a:schemeClr val="lt1"/>
+    </dgm:fillClrLst>
+    <dgm:linClrLst meth="repeat">
+      <a:schemeClr val="accent1"/>
+    </dgm:linClrLst>
+    <dgm:effectClrLst/>
+    <dgm:txLinClrLst/>
+    <dgm:txFillClrLst meth="repeat">
+      <a:schemeClr val="dk1"/>
+    </dgm:txFillClrLst>
+    <dgm:txEffectClrLst/>
+  </dgm:styleLbl>
+  <dgm:styleLbl name="solidBgAcc1">
+    <dgm:fillClrLst meth="repeat">
+      <a:schemeClr val="lt1"/>
+    </dgm:fillClrLst>
+    <dgm:linClrLst meth="repeat">
+      <a:schemeClr val="accent1"/>
+    </dgm:linClrLst>
+    <dgm:effectClrLst/>
+    <dgm:txLinClrLst/>
+    <dgm:txFillClrLst meth="repeat">
+      <a:schemeClr val="dk1"/>
+    </dgm:txFillClrLst>
+    <dgm:txEffectClrLst/>
+  </dgm:styleLbl>
+  <dgm:styleLbl name="fgAccFollowNode1">
+    <dgm:fillClrLst meth="repeat">
+      <a:schemeClr val="accent1">
+        <a:alpha val="90000"/>
+        <a:tint val="40000"/>
+      </a:schemeClr>
+    </dgm:fillClrLst>
+    <dgm:linClrLst meth="repeat">
+      <a:schemeClr val="accent1">
+        <a:alpha val="90000"/>
+        <a:tint val="40000"/>
+      </a:schemeClr>
+    </dgm:linClrLst>
+    <dgm:effectClrLst/>
+    <dgm:txLinClrLst/>
+    <dgm:txFillClrLst meth="repeat">
+      <a:schemeClr val="dk1"/>
+    </dgm:txFillClrLst>
+    <dgm:txEffectClrLst/>
+  </dgm:styleLbl>
+  <dgm:styleLbl name="alignAccFollowNode1">
+    <dgm:fillClrLst meth="repeat">
+      <a:schemeClr val="accent1">
+        <a:alpha val="90000"/>
+        <a:tint val="40000"/>
+      </a:schemeClr>
+    </dgm:fillClrLst>
+    <dgm:linClrLst meth="repeat">
+      <a:schemeClr val="accent1">
+        <a:alpha val="90000"/>
+        <a:tint val="40000"/>
+      </a:schemeClr>
+    </dgm:linClrLst>
+    <dgm:effectClrLst/>
+    <dgm:txLinClrLst/>
+    <dgm:txFillClrLst meth="repeat">
+      <a:schemeClr val="dk1"/>
+    </dgm:txFillClrLst>
+    <dgm:txEffectClrLst/>
+  </dgm:styleLbl>
+  <dgm:styleLbl name="bgAccFollowNode1">
+    <dgm:fillClrLst meth="repeat">
+      <a:schemeClr val="accent1">
+        <a:alpha val="90000"/>
+        <a:tint val="40000"/>
+      </a:schemeClr>
+    </dgm:fillClrLst>
+    <dgm:linClrLst meth="repeat">
+      <a:schemeClr val="accent1">
+        <a:alpha val="90000"/>
+        <a:tint val="40000"/>
+      </a:schemeClr>
+    </dgm:linClrLst>
+    <dgm:effectClrLst/>
+    <dgm:txLinClrLst/>
+    <dgm:txFillClrLst meth="repeat">
+      <a:schemeClr val="dk1"/>
+    </dgm:txFillClrLst>
+    <dgm:txEffectClrLst/>
+  </dgm:styleLbl>
+  <dgm:styleLbl name="fgAcc0">
+    <dgm:fillClrLst meth="repeat">
+      <a:schemeClr val="lt1">
+        <a:alpha val="90000"/>
+      </a:schemeClr>
+    </dgm:fillClrLst>
+    <dgm:linClrLst meth="repeat">
+      <a:schemeClr val="accent1"/>
+    </dgm:linClrLst>
+    <dgm:effectClrLst/>
+    <dgm:txLinClrLst/>
+    <dgm:txFillClrLst meth="repeat">
+      <a:schemeClr val="dk1"/>
+    </dgm:txFillClrLst>
+    <dgm:txEffectClrLst/>
+  </dgm:styleLbl>
+  <dgm:styleLbl name="fgAcc2">
+    <dgm:fillClrLst meth="repeat">
+      <a:schemeClr val="lt1">
+        <a:alpha val="90000"/>
+      </a:schemeClr>
+    </dgm:fillClrLst>
+    <dgm:linClrLst meth="repeat">
+      <a:schemeClr val="accent1"/>
+    </dgm:linClrLst>
+    <dgm:effectClrLst/>
+    <dgm:txLinClrLst/>
+    <dgm:txFillClrLst meth="repeat">
+      <a:schemeClr val="dk1"/>
+    </dgm:txFillClrLst>
+    <dgm:txEffectClrLst/>
+  </dgm:styleLbl>
+  <dgm:styleLbl name="fgAcc3">
+    <dgm:fillClrLst meth="repeat">
+      <a:schemeClr val="lt1">
+        <a:alpha val="90000"/>
+      </a:schemeClr>
+    </dgm:fillClrLst>
+    <dgm:linClrLst meth="repeat">
+      <a:schemeClr val="accent1"/>
+    </dgm:linClrLst>
+    <dgm:effectClrLst/>
+    <dgm:txLinClrLst/>
+    <dgm:txFillClrLst meth="repeat">
+      <a:schemeClr val="dk1"/>
+    </dgm:txFillClrLst>
+    <dgm:txEffectClrLst/>
+  </dgm:styleLbl>
+  <dgm:styleLbl name="fgAcc4">
+    <dgm:fillClrLst meth="repeat">
+      <a:schemeClr val="lt1">
+        <a:alpha val="90000"/>
+      </a:schemeClr>
+    </dgm:fillClrLst>
+    <dgm:linClrLst meth="repeat">
+      <a:schemeClr val="accent1"/>
+    </dgm:linClrLst>
+    <dgm:effectClrLst/>
+    <dgm:txLinClrLst/>
+    <dgm:txFillClrLst meth="repeat">
+      <a:schemeClr val="dk1"/>
+    </dgm:txFillClrLst>
+    <dgm:txEffectClrLst/>
+  </dgm:styleLbl>
+  <dgm:styleLbl name="bgShp">
+    <dgm:fillClrLst meth="repeat">
+      <a:schemeClr val="accent1">
+        <a:tint val="40000"/>
+      </a:schemeClr>
+    </dgm:fillClrLst>
+    <dgm:linClrLst meth="repeat">
+      <a:schemeClr val="accent1"/>
+    </dgm:linClrLst>
+    <dgm:effectClrLst/>
+    <dgm:txLinClrLst/>
+    <dgm:txFillClrLst meth="repeat">
+      <a:schemeClr val="dk1"/>
+    </dgm:txFillClrLst>
+    <dgm:txEffectClrLst/>
+  </dgm:styleLbl>
+  <dgm:styleLbl name="dkBgShp">
+    <dgm:fillClrLst meth="repeat">
+      <a:schemeClr val="accent1">
+        <a:shade val="80000"/>
+      </a:schemeClr>
+    </dgm:fillClrLst>
+    <dgm:linClrLst meth="repeat">
+      <a:schemeClr val="accent1"/>
+    </dgm:linClrLst>
+    <dgm:effectClrLst/>
+    <dgm:txLinClrLst/>
+    <dgm:txFillClrLst meth="repeat">
+      <a:schemeClr val="lt1"/>
+    </dgm:txFillClrLst>
+    <dgm:txEffectClrLst/>
+  </dgm:styleLbl>
+  <dgm:styleLbl name="trBgShp">
+    <dgm:fillClrLst meth="repeat">
+      <a:schemeClr val="accent1">
+        <a:tint val="50000"/>
+        <a:alpha val="40000"/>
+      </a:schemeClr>
+    </dgm:fillClrLst>
+    <dgm:linClrLst meth="repeat">
+      <a:schemeClr val="accent1"/>
+    </dgm:linClrLst>
+    <dgm:effectClrLst/>
+    <dgm:txLinClrLst/>
+    <dgm:txFillClrLst meth="repeat">
+      <a:schemeClr val="lt1"/>
+    </dgm:txFillClrLst>
+    <dgm:txEffectClrLst/>
+  </dgm:styleLbl>
+  <dgm:styleLbl name="fgShp">
+    <dgm:fillClrLst meth="repeat">
+      <a:schemeClr val="accent1">
+        <a:tint val="60000"/>
+      </a:schemeClr>
+    </dgm:fillClrLst>
+    <dgm:linClrLst meth="repeat">
+      <a:schemeClr val="lt1"/>
+    </dgm:linClrLst>
+    <dgm:effectClrLst/>
+    <dgm:txLinClrLst/>
+    <dgm:txFillClrLst meth="repeat">
+      <a:schemeClr val="dk1"/>
+    </dgm:txFillClrLst>
+    <dgm:txEffectClrLst/>
+  </dgm:styleLbl>
+  <dgm:styleLbl name="revTx">
+    <dgm:fillClrLst meth="repeat">
+      <a:schemeClr val="lt1">
+        <a:alpha val="0"/>
+      </a:schemeClr>
+    </dgm:fillClrLst>
+    <dgm:linClrLst meth="repeat">
+      <a:schemeClr val="dk1">
+        <a:alpha val="0"/>
+      </a:schemeClr>
+    </dgm:linClrLst>
+    <dgm:effectClrLst/>
+    <dgm:txLinClrLst/>
+    <dgm:txFillClrLst meth="repeat">
+      <a:schemeClr val="tx1"/>
+    </dgm:txFillClrLst>
+    <dgm:txEffectClrLst/>
+  </dgm:styleLbl>
+</dgm:colorsDef>
+</file>
+
+<file path=ppt/diagrams/data1.xml><?xml version="1.0" encoding="utf-8"?>
+<dgm:dataModel xmlns:dgm="http://schemas.openxmlformats.org/drawingml/2006/diagram" xmlns:a="http://schemas.openxmlformats.org/drawingml/2006/main">
+  <dgm:ptLst>
+    <dgm:pt modelId="{4CC7BD0E-A661-FF43-A678-046CB84F678C}" type="doc">
+      <dgm:prSet loTypeId="urn:microsoft.com/office/officeart/2005/8/layout/orgChart1" loCatId="" qsTypeId="urn:microsoft.com/office/officeart/2005/8/quickstyle/simple4" qsCatId="simple" csTypeId="urn:microsoft.com/office/officeart/2005/8/colors/accent1_2" csCatId="accent1" phldr="1"/>
+      <dgm:spPr/>
+      <dgm:t>
+        <a:bodyPr/>
+        <a:lstStyle/>
+        <a:p>
+          <a:endParaRPr lang="en-US"/>
+        </a:p>
+      </dgm:t>
+    </dgm:pt>
+    <dgm:pt modelId="{18235B5F-6781-C84C-8EBB-8EED75DAAEA9}">
+      <dgm:prSet phldrT="[Text]" custT="1"/>
+      <dgm:spPr/>
+      <dgm:t>
+        <a:bodyPr/>
+        <a:lstStyle/>
+        <a:p>
+          <a:r>
+            <a:rPr lang="en-US" sz="2200" dirty="0" smtClean="0"/>
+            <a:t>Load Sensors Measure Weight</a:t>
+          </a:r>
+          <a:endParaRPr lang="en-US" sz="2200" dirty="0"/>
+        </a:p>
+      </dgm:t>
+    </dgm:pt>
+    <dgm:pt modelId="{E0D6B5E0-7C64-F74D-9146-B427F4821BA7}" type="parTrans" cxnId="{5BAAD9AD-8F8E-9E46-BB4E-00DC32F33CBF}">
+      <dgm:prSet/>
+      <dgm:spPr/>
+      <dgm:t>
+        <a:bodyPr/>
+        <a:lstStyle/>
+        <a:p>
+          <a:endParaRPr lang="en-US" sz="2200"/>
+        </a:p>
+      </dgm:t>
+    </dgm:pt>
+    <dgm:pt modelId="{4483687E-11E3-0E48-9D80-F30DC9E58008}" type="sibTrans" cxnId="{5BAAD9AD-8F8E-9E46-BB4E-00DC32F33CBF}">
+      <dgm:prSet/>
+      <dgm:spPr/>
+      <dgm:t>
+        <a:bodyPr/>
+        <a:lstStyle/>
+        <a:p>
+          <a:endParaRPr lang="en-US" sz="2200"/>
+        </a:p>
+      </dgm:t>
+    </dgm:pt>
+    <dgm:pt modelId="{8B8A69BB-F8BD-AE48-9A00-040BD2BE26D3}">
+      <dgm:prSet phldrT="[Text]" custT="1"/>
+      <dgm:spPr/>
+      <dgm:t>
+        <a:bodyPr/>
+        <a:lstStyle/>
+        <a:p>
+          <a:r>
+            <a:rPr lang="en-US" sz="2200" dirty="0" smtClean="0"/>
+            <a:t>Weight below 0 </a:t>
+          </a:r>
+          <a:r>
+            <a:rPr lang="en-US" sz="2200" dirty="0" err="1" smtClean="0"/>
+            <a:t>lbs</a:t>
+          </a:r>
+          <a:endParaRPr lang="en-US" sz="2200" dirty="0"/>
+        </a:p>
+      </dgm:t>
+    </dgm:pt>
+    <dgm:pt modelId="{51AE34FB-9F54-4840-AAE9-70F1E8411325}" type="parTrans" cxnId="{5E108326-00FB-8340-8372-1CE4D44E817B}">
+      <dgm:prSet/>
+      <dgm:spPr/>
+      <dgm:t>
+        <a:bodyPr/>
+        <a:lstStyle/>
+        <a:p>
+          <a:endParaRPr lang="en-US" sz="2200"/>
+        </a:p>
+      </dgm:t>
+    </dgm:pt>
+    <dgm:pt modelId="{5677BF38-612C-7D48-ACAA-C283E51E73B4}" type="sibTrans" cxnId="{5E108326-00FB-8340-8372-1CE4D44E817B}">
+      <dgm:prSet/>
+      <dgm:spPr/>
+      <dgm:t>
+        <a:bodyPr/>
+        <a:lstStyle/>
+        <a:p>
+          <a:endParaRPr lang="en-US" sz="2200"/>
+        </a:p>
+      </dgm:t>
+    </dgm:pt>
+    <dgm:pt modelId="{CD9A292F-839B-E743-964C-AC936C2BC482}">
+      <dgm:prSet phldrT="[Text]" custT="1"/>
+      <dgm:spPr/>
+      <dgm:t>
+        <a:bodyPr/>
+        <a:lstStyle/>
+        <a:p>
+          <a:r>
+            <a:rPr lang="en-US" sz="2200" dirty="0" smtClean="0"/>
+            <a:t>Weight between 0-20 </a:t>
+          </a:r>
+          <a:r>
+            <a:rPr lang="en-US" sz="2200" dirty="0" err="1" smtClean="0"/>
+            <a:t>lbs</a:t>
+          </a:r>
+          <a:endParaRPr lang="en-US" sz="2200" dirty="0"/>
+        </a:p>
+      </dgm:t>
+    </dgm:pt>
+    <dgm:pt modelId="{17269A35-1A23-014A-8143-D91D4AC3596C}" type="parTrans" cxnId="{4E8289BE-2E6E-1C43-86E5-C843E4675F2C}">
+      <dgm:prSet/>
+      <dgm:spPr/>
+      <dgm:t>
+        <a:bodyPr/>
+        <a:lstStyle/>
+        <a:p>
+          <a:endParaRPr lang="en-US" sz="2200"/>
+        </a:p>
+      </dgm:t>
+    </dgm:pt>
+    <dgm:pt modelId="{3529A044-444A-7D49-A67B-1F1A334B35B7}" type="sibTrans" cxnId="{4E8289BE-2E6E-1C43-86E5-C843E4675F2C}">
+      <dgm:prSet/>
+      <dgm:spPr/>
+      <dgm:t>
+        <a:bodyPr/>
+        <a:lstStyle/>
+        <a:p>
+          <a:endParaRPr lang="en-US" sz="2200"/>
+        </a:p>
+      </dgm:t>
+    </dgm:pt>
+    <dgm:pt modelId="{BDEA1471-3E7B-2F45-BAFA-4D0BE5547828}">
+      <dgm:prSet phldrT="[Text]" custT="1"/>
+      <dgm:spPr/>
+      <dgm:t>
+        <a:bodyPr/>
+        <a:lstStyle/>
+        <a:p>
+          <a:r>
+            <a:rPr lang="en-US" sz="2200" dirty="0" smtClean="0"/>
+            <a:t>Weight above 20 </a:t>
+          </a:r>
+          <a:r>
+            <a:rPr lang="en-US" sz="2200" dirty="0" err="1" smtClean="0"/>
+            <a:t>lbs</a:t>
+          </a:r>
+          <a:endParaRPr lang="en-US" sz="2200" dirty="0"/>
+        </a:p>
+      </dgm:t>
+    </dgm:pt>
+    <dgm:pt modelId="{752F6B76-0B3C-9F4B-BD8E-7BAB77AE3B70}" type="parTrans" cxnId="{8A836A1B-AF12-5449-A643-3DF45D50BA37}">
+      <dgm:prSet/>
+      <dgm:spPr/>
+      <dgm:t>
+        <a:bodyPr/>
+        <a:lstStyle/>
+        <a:p>
+          <a:endParaRPr lang="en-US" sz="2200"/>
+        </a:p>
+      </dgm:t>
+    </dgm:pt>
+    <dgm:pt modelId="{EEC56199-FCB3-2C49-B8D9-9014923F2761}" type="sibTrans" cxnId="{8A836A1B-AF12-5449-A643-3DF45D50BA37}">
+      <dgm:prSet/>
+      <dgm:spPr/>
+      <dgm:t>
+        <a:bodyPr/>
+        <a:lstStyle/>
+        <a:p>
+          <a:endParaRPr lang="en-US" sz="2200"/>
+        </a:p>
+      </dgm:t>
+    </dgm:pt>
+    <dgm:pt modelId="{CF898143-9CFB-0243-8169-E42BB2AE0EC6}">
+      <dgm:prSet custT="1"/>
+      <dgm:spPr/>
+      <dgm:t>
+        <a:bodyPr/>
+        <a:lstStyle/>
+        <a:p>
+          <a:r>
+            <a:rPr lang="en-US" sz="2200" dirty="0" smtClean="0"/>
+            <a:t>Set color to red</a:t>
+          </a:r>
+          <a:endParaRPr lang="en-US" sz="2200" dirty="0"/>
+        </a:p>
+      </dgm:t>
+    </dgm:pt>
+    <dgm:pt modelId="{584A4E2F-5DEA-BD4A-A3DD-111E300FBAEB}" type="parTrans" cxnId="{8EB5FE19-F693-034A-9705-D3E1B30B1727}">
+      <dgm:prSet/>
+      <dgm:spPr/>
+      <dgm:t>
+        <a:bodyPr/>
+        <a:lstStyle/>
+        <a:p>
+          <a:endParaRPr lang="en-US" sz="2200"/>
+        </a:p>
+      </dgm:t>
+    </dgm:pt>
+    <dgm:pt modelId="{72997162-9EFB-8B4D-9406-03F54E2F1D61}" type="sibTrans" cxnId="{8EB5FE19-F693-034A-9705-D3E1B30B1727}">
+      <dgm:prSet/>
+      <dgm:spPr/>
+      <dgm:t>
+        <a:bodyPr/>
+        <a:lstStyle/>
+        <a:p>
+          <a:endParaRPr lang="en-US" sz="2200"/>
+        </a:p>
+      </dgm:t>
+    </dgm:pt>
+    <dgm:pt modelId="{0DDD5901-C2CC-F645-871B-6453EB84FF48}">
+      <dgm:prSet custT="1"/>
+      <dgm:spPr/>
+      <dgm:t>
+        <a:bodyPr/>
+        <a:lstStyle/>
+        <a:p>
+          <a:r>
+            <a:rPr lang="en-US" sz="2200" dirty="0" smtClean="0"/>
+            <a:t>As weight increases: ↑green intensity ↓red intensity</a:t>
+          </a:r>
+          <a:endParaRPr lang="en-US" sz="2200" dirty="0"/>
+        </a:p>
+      </dgm:t>
+    </dgm:pt>
+    <dgm:pt modelId="{EADD7972-D20E-9845-A799-BD830D3AB393}" type="parTrans" cxnId="{4F49148E-595E-F84D-AF19-0E9692194BB4}">
+      <dgm:prSet/>
+      <dgm:spPr/>
+      <dgm:t>
+        <a:bodyPr/>
+        <a:lstStyle/>
+        <a:p>
+          <a:endParaRPr lang="en-US" sz="2200"/>
+        </a:p>
+      </dgm:t>
+    </dgm:pt>
+    <dgm:pt modelId="{0E33D30C-E7CA-A542-9FE5-A77B95F2B9FD}" type="sibTrans" cxnId="{4F49148E-595E-F84D-AF19-0E9692194BB4}">
+      <dgm:prSet/>
+      <dgm:spPr/>
+      <dgm:t>
+        <a:bodyPr/>
+        <a:lstStyle/>
+        <a:p>
+          <a:endParaRPr lang="en-US" sz="2200"/>
+        </a:p>
+      </dgm:t>
+    </dgm:pt>
+    <dgm:pt modelId="{ABE105DA-8412-FC4C-AD4C-EB3D9656EBCA}">
+      <dgm:prSet custT="1"/>
+      <dgm:spPr/>
+      <dgm:t>
+        <a:bodyPr/>
+        <a:lstStyle/>
+        <a:p>
+          <a:r>
+            <a:rPr lang="en-US" sz="2200" dirty="0" smtClean="0"/>
+            <a:t>Set color to green</a:t>
+          </a:r>
+          <a:endParaRPr lang="en-US" sz="2200" dirty="0"/>
+        </a:p>
+      </dgm:t>
+    </dgm:pt>
+    <dgm:pt modelId="{FE03DD31-49E7-8C49-83F3-4A7BE3B8DCEE}" type="parTrans" cxnId="{AF635EF2-DFDC-1944-A1DC-8B84150D33F3}">
+      <dgm:prSet/>
+      <dgm:spPr/>
+      <dgm:t>
+        <a:bodyPr/>
+        <a:lstStyle/>
+        <a:p>
+          <a:endParaRPr lang="en-US" sz="2200"/>
+        </a:p>
+      </dgm:t>
+    </dgm:pt>
+    <dgm:pt modelId="{620EC56C-3798-F44B-B1C2-F8599C0234DF}" type="sibTrans" cxnId="{AF635EF2-DFDC-1944-A1DC-8B84150D33F3}">
+      <dgm:prSet/>
+      <dgm:spPr/>
+      <dgm:t>
+        <a:bodyPr/>
+        <a:lstStyle/>
+        <a:p>
+          <a:endParaRPr lang="en-US" sz="2200"/>
+        </a:p>
+      </dgm:t>
+    </dgm:pt>
+    <dgm:pt modelId="{437CEA64-7B20-3E4B-B1CD-7315F64DCD16}" type="pres">
+      <dgm:prSet presAssocID="{4CC7BD0E-A661-FF43-A678-046CB84F678C}" presName="hierChild1" presStyleCnt="0">
+        <dgm:presLayoutVars>
+          <dgm:orgChart val="1"/>
+          <dgm:chPref val="1"/>
+          <dgm:dir/>
+          <dgm:animOne val="branch"/>
+          <dgm:animLvl val="lvl"/>
+          <dgm:resizeHandles/>
+        </dgm:presLayoutVars>
+      </dgm:prSet>
+      <dgm:spPr/>
+    </dgm:pt>
+    <dgm:pt modelId="{4E5C75F9-ABE0-7A42-98C3-37AD42979EF2}" type="pres">
+      <dgm:prSet presAssocID="{18235B5F-6781-C84C-8EBB-8EED75DAAEA9}" presName="hierRoot1" presStyleCnt="0">
+        <dgm:presLayoutVars>
+          <dgm:hierBranch val="init"/>
+        </dgm:presLayoutVars>
+      </dgm:prSet>
+      <dgm:spPr/>
+    </dgm:pt>
+    <dgm:pt modelId="{73D0218B-DF42-0348-8EFA-66C700134890}" type="pres">
+      <dgm:prSet presAssocID="{18235B5F-6781-C84C-8EBB-8EED75DAAEA9}" presName="rootComposite1" presStyleCnt="0"/>
+      <dgm:spPr/>
+    </dgm:pt>
+    <dgm:pt modelId="{8E005FF5-9F42-AC49-AAB5-193518D9675D}" type="pres">
+      <dgm:prSet presAssocID="{18235B5F-6781-C84C-8EBB-8EED75DAAEA9}" presName="rootText1" presStyleLbl="node0" presStyleIdx="0" presStyleCnt="1">
+        <dgm:presLayoutVars>
+          <dgm:chPref val="3"/>
+        </dgm:presLayoutVars>
+      </dgm:prSet>
+      <dgm:spPr/>
+      <dgm:t>
+        <a:bodyPr/>
+        <a:lstStyle/>
+        <a:p>
+          <a:endParaRPr lang="en-US"/>
+        </a:p>
+      </dgm:t>
+    </dgm:pt>
+    <dgm:pt modelId="{AC15DE5C-43DC-D542-BDEE-A44FF74ABB23}" type="pres">
+      <dgm:prSet presAssocID="{18235B5F-6781-C84C-8EBB-8EED75DAAEA9}" presName="rootConnector1" presStyleLbl="node1" presStyleIdx="0" presStyleCnt="0"/>
+      <dgm:spPr/>
+    </dgm:pt>
+    <dgm:pt modelId="{BCC66081-432C-484D-9CC8-6C8B1F3932BA}" type="pres">
+      <dgm:prSet presAssocID="{18235B5F-6781-C84C-8EBB-8EED75DAAEA9}" presName="hierChild2" presStyleCnt="0"/>
+      <dgm:spPr/>
+    </dgm:pt>
+    <dgm:pt modelId="{0169ED94-A2DE-E748-BB23-8F7AFA4206E9}" type="pres">
+      <dgm:prSet presAssocID="{51AE34FB-9F54-4840-AAE9-70F1E8411325}" presName="Name37" presStyleLbl="parChTrans1D2" presStyleIdx="0" presStyleCnt="3"/>
+      <dgm:spPr/>
+    </dgm:pt>
+    <dgm:pt modelId="{82066A9B-0B1F-1A46-85C3-3FE04B083B43}" type="pres">
+      <dgm:prSet presAssocID="{8B8A69BB-F8BD-AE48-9A00-040BD2BE26D3}" presName="hierRoot2" presStyleCnt="0">
+        <dgm:presLayoutVars>
+          <dgm:hierBranch val="init"/>
+        </dgm:presLayoutVars>
+      </dgm:prSet>
+      <dgm:spPr/>
+    </dgm:pt>
+    <dgm:pt modelId="{C4D4BD77-D99D-CA4E-BFA6-DD7635BCF343}" type="pres">
+      <dgm:prSet presAssocID="{8B8A69BB-F8BD-AE48-9A00-040BD2BE26D3}" presName="rootComposite" presStyleCnt="0"/>
+      <dgm:spPr/>
+    </dgm:pt>
+    <dgm:pt modelId="{47E35F00-3704-3A4F-AFB3-F4FB186C5F61}" type="pres">
+      <dgm:prSet presAssocID="{8B8A69BB-F8BD-AE48-9A00-040BD2BE26D3}" presName="rootText" presStyleLbl="node2" presStyleIdx="0" presStyleCnt="3" custScaleX="112887">
+        <dgm:presLayoutVars>
+          <dgm:chPref val="3"/>
+        </dgm:presLayoutVars>
+      </dgm:prSet>
+      <dgm:spPr/>
+    </dgm:pt>
+    <dgm:pt modelId="{25F7D65F-0EF2-7240-A3AB-6397E01C11C6}" type="pres">
+      <dgm:prSet presAssocID="{8B8A69BB-F8BD-AE48-9A00-040BD2BE26D3}" presName="rootConnector" presStyleLbl="node2" presStyleIdx="0" presStyleCnt="3"/>
+      <dgm:spPr/>
+    </dgm:pt>
+    <dgm:pt modelId="{85C9925C-4A6F-1649-B298-E8792E221C84}" type="pres">
+      <dgm:prSet presAssocID="{8B8A69BB-F8BD-AE48-9A00-040BD2BE26D3}" presName="hierChild4" presStyleCnt="0"/>
+      <dgm:spPr/>
+    </dgm:pt>
+    <dgm:pt modelId="{6BFF558B-2086-964E-8D0F-72A59F1A70D7}" type="pres">
+      <dgm:prSet presAssocID="{584A4E2F-5DEA-BD4A-A3DD-111E300FBAEB}" presName="Name37" presStyleLbl="parChTrans1D3" presStyleIdx="0" presStyleCnt="3"/>
+      <dgm:spPr/>
+    </dgm:pt>
+    <dgm:pt modelId="{3193415D-F959-5D48-9DB7-676F72ED00E2}" type="pres">
+      <dgm:prSet presAssocID="{CF898143-9CFB-0243-8169-E42BB2AE0EC6}" presName="hierRoot2" presStyleCnt="0">
+        <dgm:presLayoutVars>
+          <dgm:hierBranch val="init"/>
+        </dgm:presLayoutVars>
+      </dgm:prSet>
+      <dgm:spPr/>
+    </dgm:pt>
+    <dgm:pt modelId="{C51403CC-94EF-8346-BFF4-1FE14934FBC4}" type="pres">
+      <dgm:prSet presAssocID="{CF898143-9CFB-0243-8169-E42BB2AE0EC6}" presName="rootComposite" presStyleCnt="0"/>
+      <dgm:spPr/>
+    </dgm:pt>
+    <dgm:pt modelId="{367FC038-8CD1-304B-8687-EA5EB5854621}" type="pres">
+      <dgm:prSet presAssocID="{CF898143-9CFB-0243-8169-E42BB2AE0EC6}" presName="rootText" presStyleLbl="node3" presStyleIdx="0" presStyleCnt="3" custLinFactNeighborX="-16150" custLinFactNeighborY="-3800">
+        <dgm:presLayoutVars>
+          <dgm:chPref val="3"/>
+        </dgm:presLayoutVars>
+      </dgm:prSet>
+      <dgm:spPr/>
+      <dgm:t>
+        <a:bodyPr/>
+        <a:lstStyle/>
+        <a:p>
+          <a:endParaRPr lang="en-US"/>
+        </a:p>
+      </dgm:t>
+    </dgm:pt>
+    <dgm:pt modelId="{8D639D61-4CD0-6745-9D46-BF7594FAE343}" type="pres">
+      <dgm:prSet presAssocID="{CF898143-9CFB-0243-8169-E42BB2AE0EC6}" presName="rootConnector" presStyleLbl="node3" presStyleIdx="0" presStyleCnt="3"/>
+      <dgm:spPr/>
+    </dgm:pt>
+    <dgm:pt modelId="{2DCEA616-E267-6042-A030-0165D05DC711}" type="pres">
+      <dgm:prSet presAssocID="{CF898143-9CFB-0243-8169-E42BB2AE0EC6}" presName="hierChild4" presStyleCnt="0"/>
+      <dgm:spPr/>
+    </dgm:pt>
+    <dgm:pt modelId="{553EA20D-0C7C-3948-9F18-9F2137BC7496}" type="pres">
+      <dgm:prSet presAssocID="{CF898143-9CFB-0243-8169-E42BB2AE0EC6}" presName="hierChild5" presStyleCnt="0"/>
+      <dgm:spPr/>
+    </dgm:pt>
+    <dgm:pt modelId="{A9126F23-9C2D-5948-A02B-E2331E7C59B0}" type="pres">
+      <dgm:prSet presAssocID="{8B8A69BB-F8BD-AE48-9A00-040BD2BE26D3}" presName="hierChild5" presStyleCnt="0"/>
+      <dgm:spPr/>
+    </dgm:pt>
+    <dgm:pt modelId="{0C2E3BE9-3595-0B48-9AD8-2CCB4FE010D3}" type="pres">
+      <dgm:prSet presAssocID="{17269A35-1A23-014A-8143-D91D4AC3596C}" presName="Name37" presStyleLbl="parChTrans1D2" presStyleIdx="1" presStyleCnt="3"/>
+      <dgm:spPr/>
+    </dgm:pt>
+    <dgm:pt modelId="{8F178C13-A7D9-E74E-BF04-A368D3A893C3}" type="pres">
+      <dgm:prSet presAssocID="{CD9A292F-839B-E743-964C-AC936C2BC482}" presName="hierRoot2" presStyleCnt="0">
+        <dgm:presLayoutVars>
+          <dgm:hierBranch val="init"/>
+        </dgm:presLayoutVars>
+      </dgm:prSet>
+      <dgm:spPr/>
+    </dgm:pt>
+    <dgm:pt modelId="{20487B37-4BA2-DA43-B5C8-C5497F2074F0}" type="pres">
+      <dgm:prSet presAssocID="{CD9A292F-839B-E743-964C-AC936C2BC482}" presName="rootComposite" presStyleCnt="0"/>
+      <dgm:spPr/>
+    </dgm:pt>
+    <dgm:pt modelId="{BDCD61E5-77FF-1E42-B3EA-6598F513C4E7}" type="pres">
+      <dgm:prSet presAssocID="{CD9A292F-839B-E743-964C-AC936C2BC482}" presName="rootText" presStyleLbl="node2" presStyleIdx="1" presStyleCnt="3" custLinFactNeighborX="16891" custLinFactNeighborY="-3614">
+        <dgm:presLayoutVars>
+          <dgm:chPref val="3"/>
+        </dgm:presLayoutVars>
+      </dgm:prSet>
+      <dgm:spPr/>
+    </dgm:pt>
+    <dgm:pt modelId="{28D4CCBD-ECCC-E347-8796-E7E3F13F0010}" type="pres">
+      <dgm:prSet presAssocID="{CD9A292F-839B-E743-964C-AC936C2BC482}" presName="rootConnector" presStyleLbl="node2" presStyleIdx="1" presStyleCnt="3"/>
+      <dgm:spPr/>
+    </dgm:pt>
+    <dgm:pt modelId="{6ABB1E02-D734-6A4A-88FB-68FA9062BADF}" type="pres">
+      <dgm:prSet presAssocID="{CD9A292F-839B-E743-964C-AC936C2BC482}" presName="hierChild4" presStyleCnt="0"/>
+      <dgm:spPr/>
+    </dgm:pt>
+    <dgm:pt modelId="{A991B8BF-1199-7D43-A57A-6F90F286A02A}" type="pres">
+      <dgm:prSet presAssocID="{EADD7972-D20E-9845-A799-BD830D3AB393}" presName="Name37" presStyleLbl="parChTrans1D3" presStyleIdx="1" presStyleCnt="3"/>
+      <dgm:spPr/>
+    </dgm:pt>
+    <dgm:pt modelId="{F596CC38-190B-B041-8EED-63DAD4EF087A}" type="pres">
+      <dgm:prSet presAssocID="{0DDD5901-C2CC-F645-871B-6453EB84FF48}" presName="hierRoot2" presStyleCnt="0">
+        <dgm:presLayoutVars>
+          <dgm:hierBranch val="init"/>
+        </dgm:presLayoutVars>
+      </dgm:prSet>
+      <dgm:spPr/>
+    </dgm:pt>
+    <dgm:pt modelId="{791FDF7B-80E3-5645-9817-B8FBFFC937E7}" type="pres">
+      <dgm:prSet presAssocID="{0DDD5901-C2CC-F645-871B-6453EB84FF48}" presName="rootComposite" presStyleCnt="0"/>
+      <dgm:spPr/>
+    </dgm:pt>
+    <dgm:pt modelId="{B55F7674-9DCB-ED4F-858E-2A02ED599294}" type="pres">
+      <dgm:prSet presAssocID="{0DDD5901-C2CC-F645-871B-6453EB84FF48}" presName="rootText" presStyleLbl="node3" presStyleIdx="1" presStyleCnt="3" custScaleX="142433" custLinFactNeighborX="-25409" custLinFactNeighborY="-6159">
+        <dgm:presLayoutVars>
+          <dgm:chPref val="3"/>
+        </dgm:presLayoutVars>
+      </dgm:prSet>
+      <dgm:spPr/>
+      <dgm:t>
+        <a:bodyPr/>
+        <a:lstStyle/>
+        <a:p>
+          <a:endParaRPr lang="en-US"/>
+        </a:p>
+      </dgm:t>
+    </dgm:pt>
+    <dgm:pt modelId="{B19EFEEE-5EE0-FF42-8E6A-AD6A243DA927}" type="pres">
+      <dgm:prSet presAssocID="{0DDD5901-C2CC-F645-871B-6453EB84FF48}" presName="rootConnector" presStyleLbl="node3" presStyleIdx="1" presStyleCnt="3"/>
+      <dgm:spPr/>
+    </dgm:pt>
+    <dgm:pt modelId="{09427CD1-87CF-8740-96F4-6B344BF9B39A}" type="pres">
+      <dgm:prSet presAssocID="{0DDD5901-C2CC-F645-871B-6453EB84FF48}" presName="hierChild4" presStyleCnt="0"/>
+      <dgm:spPr/>
+    </dgm:pt>
+    <dgm:pt modelId="{E166B67B-067E-A64E-AF50-C47CDD8F0DE5}" type="pres">
+      <dgm:prSet presAssocID="{0DDD5901-C2CC-F645-871B-6453EB84FF48}" presName="hierChild5" presStyleCnt="0"/>
+      <dgm:spPr/>
+    </dgm:pt>
+    <dgm:pt modelId="{C0C30DC0-8F6E-D74D-A4B6-A1DAB8E10916}" type="pres">
+      <dgm:prSet presAssocID="{CD9A292F-839B-E743-964C-AC936C2BC482}" presName="hierChild5" presStyleCnt="0"/>
+      <dgm:spPr/>
+    </dgm:pt>
+    <dgm:pt modelId="{3D03C8FA-F3F3-3D4F-B405-3185945FBC2D}" type="pres">
+      <dgm:prSet presAssocID="{752F6B76-0B3C-9F4B-BD8E-7BAB77AE3B70}" presName="Name37" presStyleLbl="parChTrans1D2" presStyleIdx="2" presStyleCnt="3"/>
+      <dgm:spPr/>
+    </dgm:pt>
+    <dgm:pt modelId="{87E2B653-25E4-D843-91E3-F769CA88168E}" type="pres">
+      <dgm:prSet presAssocID="{BDEA1471-3E7B-2F45-BAFA-4D0BE5547828}" presName="hierRoot2" presStyleCnt="0">
+        <dgm:presLayoutVars>
+          <dgm:hierBranch val="init"/>
+        </dgm:presLayoutVars>
+      </dgm:prSet>
+      <dgm:spPr/>
+    </dgm:pt>
+    <dgm:pt modelId="{71CFC7C9-9B9E-964E-B1A9-812B6D2B027A}" type="pres">
+      <dgm:prSet presAssocID="{BDEA1471-3E7B-2F45-BAFA-4D0BE5547828}" presName="rootComposite" presStyleCnt="0"/>
+      <dgm:spPr/>
+    </dgm:pt>
+    <dgm:pt modelId="{A24A5000-A4A2-D54C-B624-8109FD6E7E8E}" type="pres">
+      <dgm:prSet presAssocID="{BDEA1471-3E7B-2F45-BAFA-4D0BE5547828}" presName="rootText" presStyleLbl="node2" presStyleIdx="2" presStyleCnt="3" custScaleX="104675">
+        <dgm:presLayoutVars>
+          <dgm:chPref val="3"/>
+        </dgm:presLayoutVars>
+      </dgm:prSet>
+      <dgm:spPr/>
+    </dgm:pt>
+    <dgm:pt modelId="{FF76E6EF-CCDB-994D-9737-E130EA4C8371}" type="pres">
+      <dgm:prSet presAssocID="{BDEA1471-3E7B-2F45-BAFA-4D0BE5547828}" presName="rootConnector" presStyleLbl="node2" presStyleIdx="2" presStyleCnt="3"/>
+      <dgm:spPr/>
+    </dgm:pt>
+    <dgm:pt modelId="{F35A9426-4D4A-4445-8C49-AC2973477974}" type="pres">
+      <dgm:prSet presAssocID="{BDEA1471-3E7B-2F45-BAFA-4D0BE5547828}" presName="hierChild4" presStyleCnt="0"/>
+      <dgm:spPr/>
+    </dgm:pt>
+    <dgm:pt modelId="{DECB1839-5458-9D4D-8AE8-5F6C63288C59}" type="pres">
+      <dgm:prSet presAssocID="{FE03DD31-49E7-8C49-83F3-4A7BE3B8DCEE}" presName="Name37" presStyleLbl="parChTrans1D3" presStyleIdx="2" presStyleCnt="3"/>
+      <dgm:spPr/>
+    </dgm:pt>
+    <dgm:pt modelId="{53D1FD35-3455-4644-824A-05BCDA48D372}" type="pres">
+      <dgm:prSet presAssocID="{ABE105DA-8412-FC4C-AD4C-EB3D9656EBCA}" presName="hierRoot2" presStyleCnt="0">
+        <dgm:presLayoutVars>
+          <dgm:hierBranch val="init"/>
+        </dgm:presLayoutVars>
+      </dgm:prSet>
+      <dgm:spPr/>
+    </dgm:pt>
+    <dgm:pt modelId="{6A863AB7-516D-4947-B5C9-B4CFE16D3D76}" type="pres">
+      <dgm:prSet presAssocID="{ABE105DA-8412-FC4C-AD4C-EB3D9656EBCA}" presName="rootComposite" presStyleCnt="0"/>
+      <dgm:spPr/>
+    </dgm:pt>
+    <dgm:pt modelId="{8B105FA3-B699-F34A-9CF5-B3013489DDED}" type="pres">
+      <dgm:prSet presAssocID="{ABE105DA-8412-FC4C-AD4C-EB3D9656EBCA}" presName="rootText" presStyleLbl="node3" presStyleIdx="2" presStyleCnt="3">
+        <dgm:presLayoutVars>
+          <dgm:chPref val="3"/>
+        </dgm:presLayoutVars>
+      </dgm:prSet>
+      <dgm:spPr/>
+      <dgm:t>
+        <a:bodyPr/>
+        <a:lstStyle/>
+        <a:p>
+          <a:endParaRPr lang="en-US"/>
+        </a:p>
+      </dgm:t>
+    </dgm:pt>
+    <dgm:pt modelId="{1F5B748E-D642-F547-BC98-B11DEFB81C90}" type="pres">
+      <dgm:prSet presAssocID="{ABE105DA-8412-FC4C-AD4C-EB3D9656EBCA}" presName="rootConnector" presStyleLbl="node3" presStyleIdx="2" presStyleCnt="3"/>
+      <dgm:spPr/>
+    </dgm:pt>
+    <dgm:pt modelId="{218E7F05-7CA0-7846-BD48-13EFB73AEC79}" type="pres">
+      <dgm:prSet presAssocID="{ABE105DA-8412-FC4C-AD4C-EB3D9656EBCA}" presName="hierChild4" presStyleCnt="0"/>
+      <dgm:spPr/>
+    </dgm:pt>
+    <dgm:pt modelId="{1BAE0106-01D8-4741-8F49-08B6C17C1781}" type="pres">
+      <dgm:prSet presAssocID="{ABE105DA-8412-FC4C-AD4C-EB3D9656EBCA}" presName="hierChild5" presStyleCnt="0"/>
+      <dgm:spPr/>
+    </dgm:pt>
+    <dgm:pt modelId="{88B07572-01ED-7149-8810-61EDE1A1D51D}" type="pres">
+      <dgm:prSet presAssocID="{BDEA1471-3E7B-2F45-BAFA-4D0BE5547828}" presName="hierChild5" presStyleCnt="0"/>
+      <dgm:spPr/>
+    </dgm:pt>
+    <dgm:pt modelId="{DCEE6335-9AB3-FA4E-9D02-CD6A76C0858E}" type="pres">
+      <dgm:prSet presAssocID="{18235B5F-6781-C84C-8EBB-8EED75DAAEA9}" presName="hierChild3" presStyleCnt="0"/>
+      <dgm:spPr/>
+    </dgm:pt>
+  </dgm:ptLst>
+  <dgm:cxnLst>
+    <dgm:cxn modelId="{EFA91F1E-950A-0C4D-A090-8657631A406E}" type="presOf" srcId="{8B8A69BB-F8BD-AE48-9A00-040BD2BE26D3}" destId="{25F7D65F-0EF2-7240-A3AB-6397E01C11C6}" srcOrd="1" destOrd="0" presId="urn:microsoft.com/office/officeart/2005/8/layout/orgChart1"/>
+    <dgm:cxn modelId="{1A9FE969-B4AE-3241-9753-AA790DA15E4C}" type="presOf" srcId="{FE03DD31-49E7-8C49-83F3-4A7BE3B8DCEE}" destId="{DECB1839-5458-9D4D-8AE8-5F6C63288C59}" srcOrd="0" destOrd="0" presId="urn:microsoft.com/office/officeart/2005/8/layout/orgChart1"/>
+    <dgm:cxn modelId="{0AAFEB28-4691-A640-8975-FBF3DBA10BB3}" type="presOf" srcId="{ABE105DA-8412-FC4C-AD4C-EB3D9656EBCA}" destId="{1F5B748E-D642-F547-BC98-B11DEFB81C90}" srcOrd="1" destOrd="0" presId="urn:microsoft.com/office/officeart/2005/8/layout/orgChart1"/>
+    <dgm:cxn modelId="{8045E8A7-1FA2-2649-AB0B-C87B5BBDBD2B}" type="presOf" srcId="{18235B5F-6781-C84C-8EBB-8EED75DAAEA9}" destId="{8E005FF5-9F42-AC49-AAB5-193518D9675D}" srcOrd="0" destOrd="0" presId="urn:microsoft.com/office/officeart/2005/8/layout/orgChart1"/>
+    <dgm:cxn modelId="{7CB954A2-0C3C-434D-8CBE-6D70E8A071E7}" type="presOf" srcId="{BDEA1471-3E7B-2F45-BAFA-4D0BE5547828}" destId="{A24A5000-A4A2-D54C-B624-8109FD6E7E8E}" srcOrd="0" destOrd="0" presId="urn:microsoft.com/office/officeart/2005/8/layout/orgChart1"/>
+    <dgm:cxn modelId="{E94AC88C-4C7D-F242-A705-E0314ED21909}" type="presOf" srcId="{51AE34FB-9F54-4840-AAE9-70F1E8411325}" destId="{0169ED94-A2DE-E748-BB23-8F7AFA4206E9}" srcOrd="0" destOrd="0" presId="urn:microsoft.com/office/officeart/2005/8/layout/orgChart1"/>
+    <dgm:cxn modelId="{5DC7A644-D41A-3E47-88A9-C973F85158C4}" type="presOf" srcId="{EADD7972-D20E-9845-A799-BD830D3AB393}" destId="{A991B8BF-1199-7D43-A57A-6F90F286A02A}" srcOrd="0" destOrd="0" presId="urn:microsoft.com/office/officeart/2005/8/layout/orgChart1"/>
+    <dgm:cxn modelId="{4EB8E196-DCFB-7B46-AF73-24CFC82BC496}" type="presOf" srcId="{CD9A292F-839B-E743-964C-AC936C2BC482}" destId="{BDCD61E5-77FF-1E42-B3EA-6598F513C4E7}" srcOrd="0" destOrd="0" presId="urn:microsoft.com/office/officeart/2005/8/layout/orgChart1"/>
+    <dgm:cxn modelId="{5A25A289-6CEB-AF4D-BC85-393E71954A02}" type="presOf" srcId="{18235B5F-6781-C84C-8EBB-8EED75DAAEA9}" destId="{AC15DE5C-43DC-D542-BDEE-A44FF74ABB23}" srcOrd="1" destOrd="0" presId="urn:microsoft.com/office/officeart/2005/8/layout/orgChart1"/>
+    <dgm:cxn modelId="{F72CC142-7B37-1541-AE3C-047D955F5174}" type="presOf" srcId="{CF898143-9CFB-0243-8169-E42BB2AE0EC6}" destId="{8D639D61-4CD0-6745-9D46-BF7594FAE343}" srcOrd="1" destOrd="0" presId="urn:microsoft.com/office/officeart/2005/8/layout/orgChart1"/>
+    <dgm:cxn modelId="{AF635EF2-DFDC-1944-A1DC-8B84150D33F3}" srcId="{BDEA1471-3E7B-2F45-BAFA-4D0BE5547828}" destId="{ABE105DA-8412-FC4C-AD4C-EB3D9656EBCA}" srcOrd="0" destOrd="0" parTransId="{FE03DD31-49E7-8C49-83F3-4A7BE3B8DCEE}" sibTransId="{620EC56C-3798-F44B-B1C2-F8599C0234DF}"/>
+    <dgm:cxn modelId="{CEB19AC7-5F16-734F-B7F7-F6A7FC52FFA9}" type="presOf" srcId="{17269A35-1A23-014A-8143-D91D4AC3596C}" destId="{0C2E3BE9-3595-0B48-9AD8-2CCB4FE010D3}" srcOrd="0" destOrd="0" presId="urn:microsoft.com/office/officeart/2005/8/layout/orgChart1"/>
+    <dgm:cxn modelId="{FDBEE602-A379-344F-95EE-5598B1EEF20D}" type="presOf" srcId="{4CC7BD0E-A661-FF43-A678-046CB84F678C}" destId="{437CEA64-7B20-3E4B-B1CD-7315F64DCD16}" srcOrd="0" destOrd="0" presId="urn:microsoft.com/office/officeart/2005/8/layout/orgChart1"/>
+    <dgm:cxn modelId="{4E533C15-13C6-F148-B8F6-455E84FD6F39}" type="presOf" srcId="{584A4E2F-5DEA-BD4A-A3DD-111E300FBAEB}" destId="{6BFF558B-2086-964E-8D0F-72A59F1A70D7}" srcOrd="0" destOrd="0" presId="urn:microsoft.com/office/officeart/2005/8/layout/orgChart1"/>
+    <dgm:cxn modelId="{E29372FB-7685-C646-8AFB-7987AB68B3AB}" type="presOf" srcId="{ABE105DA-8412-FC4C-AD4C-EB3D9656EBCA}" destId="{8B105FA3-B699-F34A-9CF5-B3013489DDED}" srcOrd="0" destOrd="0" presId="urn:microsoft.com/office/officeart/2005/8/layout/orgChart1"/>
+    <dgm:cxn modelId="{4E8289BE-2E6E-1C43-86E5-C843E4675F2C}" srcId="{18235B5F-6781-C84C-8EBB-8EED75DAAEA9}" destId="{CD9A292F-839B-E743-964C-AC936C2BC482}" srcOrd="1" destOrd="0" parTransId="{17269A35-1A23-014A-8143-D91D4AC3596C}" sibTransId="{3529A044-444A-7D49-A67B-1F1A334B35B7}"/>
+    <dgm:cxn modelId="{8A836A1B-AF12-5449-A643-3DF45D50BA37}" srcId="{18235B5F-6781-C84C-8EBB-8EED75DAAEA9}" destId="{BDEA1471-3E7B-2F45-BAFA-4D0BE5547828}" srcOrd="2" destOrd="0" parTransId="{752F6B76-0B3C-9F4B-BD8E-7BAB77AE3B70}" sibTransId="{EEC56199-FCB3-2C49-B8D9-9014923F2761}"/>
+    <dgm:cxn modelId="{F7030D6B-F29D-E548-8502-740A274F7CA5}" type="presOf" srcId="{0DDD5901-C2CC-F645-871B-6453EB84FF48}" destId="{B55F7674-9DCB-ED4F-858E-2A02ED599294}" srcOrd="0" destOrd="0" presId="urn:microsoft.com/office/officeart/2005/8/layout/orgChart1"/>
+    <dgm:cxn modelId="{4F49148E-595E-F84D-AF19-0E9692194BB4}" srcId="{CD9A292F-839B-E743-964C-AC936C2BC482}" destId="{0DDD5901-C2CC-F645-871B-6453EB84FF48}" srcOrd="0" destOrd="0" parTransId="{EADD7972-D20E-9845-A799-BD830D3AB393}" sibTransId="{0E33D30C-E7CA-A542-9FE5-A77B95F2B9FD}"/>
+    <dgm:cxn modelId="{5E108326-00FB-8340-8372-1CE4D44E817B}" srcId="{18235B5F-6781-C84C-8EBB-8EED75DAAEA9}" destId="{8B8A69BB-F8BD-AE48-9A00-040BD2BE26D3}" srcOrd="0" destOrd="0" parTransId="{51AE34FB-9F54-4840-AAE9-70F1E8411325}" sibTransId="{5677BF38-612C-7D48-ACAA-C283E51E73B4}"/>
+    <dgm:cxn modelId="{FC453DE5-FEA3-5A4F-BD81-0FFA10FADA06}" type="presOf" srcId="{CF898143-9CFB-0243-8169-E42BB2AE0EC6}" destId="{367FC038-8CD1-304B-8687-EA5EB5854621}" srcOrd="0" destOrd="0" presId="urn:microsoft.com/office/officeart/2005/8/layout/orgChart1"/>
+    <dgm:cxn modelId="{8EB5FE19-F693-034A-9705-D3E1B30B1727}" srcId="{8B8A69BB-F8BD-AE48-9A00-040BD2BE26D3}" destId="{CF898143-9CFB-0243-8169-E42BB2AE0EC6}" srcOrd="0" destOrd="0" parTransId="{584A4E2F-5DEA-BD4A-A3DD-111E300FBAEB}" sibTransId="{72997162-9EFB-8B4D-9406-03F54E2F1D61}"/>
+    <dgm:cxn modelId="{8AAE8E37-9DCE-E143-9293-C153CC08B08F}" type="presOf" srcId="{CD9A292F-839B-E743-964C-AC936C2BC482}" destId="{28D4CCBD-ECCC-E347-8796-E7E3F13F0010}" srcOrd="1" destOrd="0" presId="urn:microsoft.com/office/officeart/2005/8/layout/orgChart1"/>
+    <dgm:cxn modelId="{5BA43C02-CABC-EF44-8BAD-301A397E094B}" type="presOf" srcId="{0DDD5901-C2CC-F645-871B-6453EB84FF48}" destId="{B19EFEEE-5EE0-FF42-8E6A-AD6A243DA927}" srcOrd="1" destOrd="0" presId="urn:microsoft.com/office/officeart/2005/8/layout/orgChart1"/>
+    <dgm:cxn modelId="{5BAAD9AD-8F8E-9E46-BB4E-00DC32F33CBF}" srcId="{4CC7BD0E-A661-FF43-A678-046CB84F678C}" destId="{18235B5F-6781-C84C-8EBB-8EED75DAAEA9}" srcOrd="0" destOrd="0" parTransId="{E0D6B5E0-7C64-F74D-9146-B427F4821BA7}" sibTransId="{4483687E-11E3-0E48-9D80-F30DC9E58008}"/>
+    <dgm:cxn modelId="{8521968D-3E25-7C4C-9954-5167869808F6}" type="presOf" srcId="{8B8A69BB-F8BD-AE48-9A00-040BD2BE26D3}" destId="{47E35F00-3704-3A4F-AFB3-F4FB186C5F61}" srcOrd="0" destOrd="0" presId="urn:microsoft.com/office/officeart/2005/8/layout/orgChart1"/>
+    <dgm:cxn modelId="{82CADBFC-B27A-FF42-82F6-AC4BF111D402}" type="presOf" srcId="{752F6B76-0B3C-9F4B-BD8E-7BAB77AE3B70}" destId="{3D03C8FA-F3F3-3D4F-B405-3185945FBC2D}" srcOrd="0" destOrd="0" presId="urn:microsoft.com/office/officeart/2005/8/layout/orgChart1"/>
+    <dgm:cxn modelId="{C26D6F4B-D674-6948-8986-AC71AC411A29}" type="presOf" srcId="{BDEA1471-3E7B-2F45-BAFA-4D0BE5547828}" destId="{FF76E6EF-CCDB-994D-9737-E130EA4C8371}" srcOrd="1" destOrd="0" presId="urn:microsoft.com/office/officeart/2005/8/layout/orgChart1"/>
+    <dgm:cxn modelId="{562EAB2D-E1DF-7A42-8DBA-B9515FE4F551}" type="presParOf" srcId="{437CEA64-7B20-3E4B-B1CD-7315F64DCD16}" destId="{4E5C75F9-ABE0-7A42-98C3-37AD42979EF2}" srcOrd="0" destOrd="0" presId="urn:microsoft.com/office/officeart/2005/8/layout/orgChart1"/>
+    <dgm:cxn modelId="{3994E7E1-B960-3944-B4E1-D468855420D9}" type="presParOf" srcId="{4E5C75F9-ABE0-7A42-98C3-37AD42979EF2}" destId="{73D0218B-DF42-0348-8EFA-66C700134890}" srcOrd="0" destOrd="0" presId="urn:microsoft.com/office/officeart/2005/8/layout/orgChart1"/>
+    <dgm:cxn modelId="{AF8767A7-2AE9-CC42-9350-7D230091E949}" type="presParOf" srcId="{73D0218B-DF42-0348-8EFA-66C700134890}" destId="{8E005FF5-9F42-AC49-AAB5-193518D9675D}" srcOrd="0" destOrd="0" presId="urn:microsoft.com/office/officeart/2005/8/layout/orgChart1"/>
+    <dgm:cxn modelId="{BA135AF8-97CB-5447-B09D-8612999BD03B}" type="presParOf" srcId="{73D0218B-DF42-0348-8EFA-66C700134890}" destId="{AC15DE5C-43DC-D542-BDEE-A44FF74ABB23}" srcOrd="1" destOrd="0" presId="urn:microsoft.com/office/officeart/2005/8/layout/orgChart1"/>
+    <dgm:cxn modelId="{403018C8-CB38-3D43-8977-76F44A3F2367}" type="presParOf" srcId="{4E5C75F9-ABE0-7A42-98C3-37AD42979EF2}" destId="{BCC66081-432C-484D-9CC8-6C8B1F3932BA}" srcOrd="1" destOrd="0" presId="urn:microsoft.com/office/officeart/2005/8/layout/orgChart1"/>
+    <dgm:cxn modelId="{EF52B74D-D9CA-8743-94F9-F84C822AA8C4}" type="presParOf" srcId="{BCC66081-432C-484D-9CC8-6C8B1F3932BA}" destId="{0169ED94-A2DE-E748-BB23-8F7AFA4206E9}" srcOrd="0" destOrd="0" presId="urn:microsoft.com/office/officeart/2005/8/layout/orgChart1"/>
+    <dgm:cxn modelId="{02A4BA18-B102-0D41-A652-5F7C4089E42F}" type="presParOf" srcId="{BCC66081-432C-484D-9CC8-6C8B1F3932BA}" destId="{82066A9B-0B1F-1A46-85C3-3FE04B083B43}" srcOrd="1" destOrd="0" presId="urn:microsoft.com/office/officeart/2005/8/layout/orgChart1"/>
+    <dgm:cxn modelId="{C8936E85-BC88-B841-A721-DA9EA847F1C7}" type="presParOf" srcId="{82066A9B-0B1F-1A46-85C3-3FE04B083B43}" destId="{C4D4BD77-D99D-CA4E-BFA6-DD7635BCF343}" srcOrd="0" destOrd="0" presId="urn:microsoft.com/office/officeart/2005/8/layout/orgChart1"/>
+    <dgm:cxn modelId="{1E306E86-CA4A-3B47-8406-6AE2188244EF}" type="presParOf" srcId="{C4D4BD77-D99D-CA4E-BFA6-DD7635BCF343}" destId="{47E35F00-3704-3A4F-AFB3-F4FB186C5F61}" srcOrd="0" destOrd="0" presId="urn:microsoft.com/office/officeart/2005/8/layout/orgChart1"/>
+    <dgm:cxn modelId="{BBDE44CB-1FAF-1C4E-994D-F739CEDEB201}" type="presParOf" srcId="{C4D4BD77-D99D-CA4E-BFA6-DD7635BCF343}" destId="{25F7D65F-0EF2-7240-A3AB-6397E01C11C6}" srcOrd="1" destOrd="0" presId="urn:microsoft.com/office/officeart/2005/8/layout/orgChart1"/>
+    <dgm:cxn modelId="{458DC0DC-370F-064F-8EFD-96E8F96178C7}" type="presParOf" srcId="{82066A9B-0B1F-1A46-85C3-3FE04B083B43}" destId="{85C9925C-4A6F-1649-B298-E8792E221C84}" srcOrd="1" destOrd="0" presId="urn:microsoft.com/office/officeart/2005/8/layout/orgChart1"/>
+    <dgm:cxn modelId="{AC980E85-FA21-004C-BD07-DFC47C0DD250}" type="presParOf" srcId="{85C9925C-4A6F-1649-B298-E8792E221C84}" destId="{6BFF558B-2086-964E-8D0F-72A59F1A70D7}" srcOrd="0" destOrd="0" presId="urn:microsoft.com/office/officeart/2005/8/layout/orgChart1"/>
+    <dgm:cxn modelId="{9B830D7E-06A0-5940-A9A0-EEC5D3C2405F}" type="presParOf" srcId="{85C9925C-4A6F-1649-B298-E8792E221C84}" destId="{3193415D-F959-5D48-9DB7-676F72ED00E2}" srcOrd="1" destOrd="0" presId="urn:microsoft.com/office/officeart/2005/8/layout/orgChart1"/>
+    <dgm:cxn modelId="{26BC7DB6-3602-0445-9976-C521E8A05986}" type="presParOf" srcId="{3193415D-F959-5D48-9DB7-676F72ED00E2}" destId="{C51403CC-94EF-8346-BFF4-1FE14934FBC4}" srcOrd="0" destOrd="0" presId="urn:microsoft.com/office/officeart/2005/8/layout/orgChart1"/>
+    <dgm:cxn modelId="{6AF52143-35B0-0A4F-9C14-985DAEEB0837}" type="presParOf" srcId="{C51403CC-94EF-8346-BFF4-1FE14934FBC4}" destId="{367FC038-8CD1-304B-8687-EA5EB5854621}" srcOrd="0" destOrd="0" presId="urn:microsoft.com/office/officeart/2005/8/layout/orgChart1"/>
+    <dgm:cxn modelId="{C38E4CD5-0969-2F49-8D78-680E24507162}" type="presParOf" srcId="{C51403CC-94EF-8346-BFF4-1FE14934FBC4}" destId="{8D639D61-4CD0-6745-9D46-BF7594FAE343}" srcOrd="1" destOrd="0" presId="urn:microsoft.com/office/officeart/2005/8/layout/orgChart1"/>
+    <dgm:cxn modelId="{D08A7608-72A6-D246-86C1-7E464ED2B747}" type="presParOf" srcId="{3193415D-F959-5D48-9DB7-676F72ED00E2}" destId="{2DCEA616-E267-6042-A030-0165D05DC711}" srcOrd="1" destOrd="0" presId="urn:microsoft.com/office/officeart/2005/8/layout/orgChart1"/>
+    <dgm:cxn modelId="{922DD30A-9FA3-5C43-8D3A-CC87DB9743CD}" type="presParOf" srcId="{3193415D-F959-5D48-9DB7-676F72ED00E2}" destId="{553EA20D-0C7C-3948-9F18-9F2137BC7496}" srcOrd="2" destOrd="0" presId="urn:microsoft.com/office/officeart/2005/8/layout/orgChart1"/>
+    <dgm:cxn modelId="{E1EC468F-2CD5-5D4B-88D4-E2EF61D7F8FC}" type="presParOf" srcId="{82066A9B-0B1F-1A46-85C3-3FE04B083B43}" destId="{A9126F23-9C2D-5948-A02B-E2331E7C59B0}" srcOrd="2" destOrd="0" presId="urn:microsoft.com/office/officeart/2005/8/layout/orgChart1"/>
+    <dgm:cxn modelId="{979A1387-DE3D-E245-95C2-74AF38CCACF6}" type="presParOf" srcId="{BCC66081-432C-484D-9CC8-6C8B1F3932BA}" destId="{0C2E3BE9-3595-0B48-9AD8-2CCB4FE010D3}" srcOrd="2" destOrd="0" presId="urn:microsoft.com/office/officeart/2005/8/layout/orgChart1"/>
+    <dgm:cxn modelId="{A49B0B79-4F39-4448-BBEE-487468254237}" type="presParOf" srcId="{BCC66081-432C-484D-9CC8-6C8B1F3932BA}" destId="{8F178C13-A7D9-E74E-BF04-A368D3A893C3}" srcOrd="3" destOrd="0" presId="urn:microsoft.com/office/officeart/2005/8/layout/orgChart1"/>
+    <dgm:cxn modelId="{9204416D-0F29-6245-A78B-DDD06F112E29}" type="presParOf" srcId="{8F178C13-A7D9-E74E-BF04-A368D3A893C3}" destId="{20487B37-4BA2-DA43-B5C8-C5497F2074F0}" srcOrd="0" destOrd="0" presId="urn:microsoft.com/office/officeart/2005/8/layout/orgChart1"/>
+    <dgm:cxn modelId="{5DB82D2C-1EA9-6543-AFEC-C5872932006F}" type="presParOf" srcId="{20487B37-4BA2-DA43-B5C8-C5497F2074F0}" destId="{BDCD61E5-77FF-1E42-B3EA-6598F513C4E7}" srcOrd="0" destOrd="0" presId="urn:microsoft.com/office/officeart/2005/8/layout/orgChart1"/>
+    <dgm:cxn modelId="{044AEA21-3463-5E46-AF5B-C2799B259E3A}" type="presParOf" srcId="{20487B37-4BA2-DA43-B5C8-C5497F2074F0}" destId="{28D4CCBD-ECCC-E347-8796-E7E3F13F0010}" srcOrd="1" destOrd="0" presId="urn:microsoft.com/office/officeart/2005/8/layout/orgChart1"/>
+    <dgm:cxn modelId="{459D522A-7E50-3A4E-AD2C-E6496BC11CCF}" type="presParOf" srcId="{8F178C13-A7D9-E74E-BF04-A368D3A893C3}" destId="{6ABB1E02-D734-6A4A-88FB-68FA9062BADF}" srcOrd="1" destOrd="0" presId="urn:microsoft.com/office/officeart/2005/8/layout/orgChart1"/>
+    <dgm:cxn modelId="{1070B003-7FFE-9149-8C6C-8943C4944172}" type="presParOf" srcId="{6ABB1E02-D734-6A4A-88FB-68FA9062BADF}" destId="{A991B8BF-1199-7D43-A57A-6F90F286A02A}" srcOrd="0" destOrd="0" presId="urn:microsoft.com/office/officeart/2005/8/layout/orgChart1"/>
+    <dgm:cxn modelId="{A869E65C-36C5-CE4B-8E1E-966E1F139796}" type="presParOf" srcId="{6ABB1E02-D734-6A4A-88FB-68FA9062BADF}" destId="{F596CC38-190B-B041-8EED-63DAD4EF087A}" srcOrd="1" destOrd="0" presId="urn:microsoft.com/office/officeart/2005/8/layout/orgChart1"/>
+    <dgm:cxn modelId="{DF01DF9F-3491-5D43-8114-437112F37DCD}" type="presParOf" srcId="{F596CC38-190B-B041-8EED-63DAD4EF087A}" destId="{791FDF7B-80E3-5645-9817-B8FBFFC937E7}" srcOrd="0" destOrd="0" presId="urn:microsoft.com/office/officeart/2005/8/layout/orgChart1"/>
+    <dgm:cxn modelId="{4912FD6F-1F57-2F43-B512-59BBAC61B5BD}" type="presParOf" srcId="{791FDF7B-80E3-5645-9817-B8FBFFC937E7}" destId="{B55F7674-9DCB-ED4F-858E-2A02ED599294}" srcOrd="0" destOrd="0" presId="urn:microsoft.com/office/officeart/2005/8/layout/orgChart1"/>
+    <dgm:cxn modelId="{9383A5F0-3F6A-A946-874C-6835CB2A5DC8}" type="presParOf" srcId="{791FDF7B-80E3-5645-9817-B8FBFFC937E7}" destId="{B19EFEEE-5EE0-FF42-8E6A-AD6A243DA927}" srcOrd="1" destOrd="0" presId="urn:microsoft.com/office/officeart/2005/8/layout/orgChart1"/>
+    <dgm:cxn modelId="{7D094324-C2CB-C04A-9DEF-FE55619614FA}" type="presParOf" srcId="{F596CC38-190B-B041-8EED-63DAD4EF087A}" destId="{09427CD1-87CF-8740-96F4-6B344BF9B39A}" srcOrd="1" destOrd="0" presId="urn:microsoft.com/office/officeart/2005/8/layout/orgChart1"/>
+    <dgm:cxn modelId="{A582A77E-158D-4F4A-A151-205CBD57DE91}" type="presParOf" srcId="{F596CC38-190B-B041-8EED-63DAD4EF087A}" destId="{E166B67B-067E-A64E-AF50-C47CDD8F0DE5}" srcOrd="2" destOrd="0" presId="urn:microsoft.com/office/officeart/2005/8/layout/orgChart1"/>
+    <dgm:cxn modelId="{CB67A097-0A80-5243-9AE7-CCA6ADA34F35}" type="presParOf" srcId="{8F178C13-A7D9-E74E-BF04-A368D3A893C3}" destId="{C0C30DC0-8F6E-D74D-A4B6-A1DAB8E10916}" srcOrd="2" destOrd="0" presId="urn:microsoft.com/office/officeart/2005/8/layout/orgChart1"/>
+    <dgm:cxn modelId="{AA0BCFDC-9E8A-0440-80F3-5D6414274CCE}" type="presParOf" srcId="{BCC66081-432C-484D-9CC8-6C8B1F3932BA}" destId="{3D03C8FA-F3F3-3D4F-B405-3185945FBC2D}" srcOrd="4" destOrd="0" presId="urn:microsoft.com/office/officeart/2005/8/layout/orgChart1"/>
+    <dgm:cxn modelId="{B0C884B4-AD12-BB42-A5DF-F65889075BED}" type="presParOf" srcId="{BCC66081-432C-484D-9CC8-6C8B1F3932BA}" destId="{87E2B653-25E4-D843-91E3-F769CA88168E}" srcOrd="5" destOrd="0" presId="urn:microsoft.com/office/officeart/2005/8/layout/orgChart1"/>
+    <dgm:cxn modelId="{BFD1DD22-3D90-3C4F-93D1-1BB83C129704}" type="presParOf" srcId="{87E2B653-25E4-D843-91E3-F769CA88168E}" destId="{71CFC7C9-9B9E-964E-B1A9-812B6D2B027A}" srcOrd="0" destOrd="0" presId="urn:microsoft.com/office/officeart/2005/8/layout/orgChart1"/>
+    <dgm:cxn modelId="{921DE56A-16D8-B141-8C38-35701C913A53}" type="presParOf" srcId="{71CFC7C9-9B9E-964E-B1A9-812B6D2B027A}" destId="{A24A5000-A4A2-D54C-B624-8109FD6E7E8E}" srcOrd="0" destOrd="0" presId="urn:microsoft.com/office/officeart/2005/8/layout/orgChart1"/>
+    <dgm:cxn modelId="{560BC550-9F7F-864E-AB3D-367B33DD08AD}" type="presParOf" srcId="{71CFC7C9-9B9E-964E-B1A9-812B6D2B027A}" destId="{FF76E6EF-CCDB-994D-9737-E130EA4C8371}" srcOrd="1" destOrd="0" presId="urn:microsoft.com/office/officeart/2005/8/layout/orgChart1"/>
+    <dgm:cxn modelId="{8602A38D-081B-6847-A936-929F96754614}" type="presParOf" srcId="{87E2B653-25E4-D843-91E3-F769CA88168E}" destId="{F35A9426-4D4A-4445-8C49-AC2973477974}" srcOrd="1" destOrd="0" presId="urn:microsoft.com/office/officeart/2005/8/layout/orgChart1"/>
+    <dgm:cxn modelId="{87C177AB-3BFC-C94E-B6A8-C5B8AB2FFA6B}" type="presParOf" srcId="{F35A9426-4D4A-4445-8C49-AC2973477974}" destId="{DECB1839-5458-9D4D-8AE8-5F6C63288C59}" srcOrd="0" destOrd="0" presId="urn:microsoft.com/office/officeart/2005/8/layout/orgChart1"/>
+    <dgm:cxn modelId="{9F3F68AF-75C3-D042-AAEB-2850A696586C}" type="presParOf" srcId="{F35A9426-4D4A-4445-8C49-AC2973477974}" destId="{53D1FD35-3455-4644-824A-05BCDA48D372}" srcOrd="1" destOrd="0" presId="urn:microsoft.com/office/officeart/2005/8/layout/orgChart1"/>
+    <dgm:cxn modelId="{A2F52401-268E-B94B-8327-2AF0A2E7A2D2}" type="presParOf" srcId="{53D1FD35-3455-4644-824A-05BCDA48D372}" destId="{6A863AB7-516D-4947-B5C9-B4CFE16D3D76}" srcOrd="0" destOrd="0" presId="urn:microsoft.com/office/officeart/2005/8/layout/orgChart1"/>
+    <dgm:cxn modelId="{A2E5D2E8-6127-FF4F-A8CE-E846DCFB84FE}" type="presParOf" srcId="{6A863AB7-516D-4947-B5C9-B4CFE16D3D76}" destId="{8B105FA3-B699-F34A-9CF5-B3013489DDED}" srcOrd="0" destOrd="0" presId="urn:microsoft.com/office/officeart/2005/8/layout/orgChart1"/>
+    <dgm:cxn modelId="{5FDB7B59-15AA-0C43-91B1-0D67342C49C4}" type="presParOf" srcId="{6A863AB7-516D-4947-B5C9-B4CFE16D3D76}" destId="{1F5B748E-D642-F547-BC98-B11DEFB81C90}" srcOrd="1" destOrd="0" presId="urn:microsoft.com/office/officeart/2005/8/layout/orgChart1"/>
+    <dgm:cxn modelId="{1ED79842-A89B-354B-BD7E-2182F9A8A801}" type="presParOf" srcId="{53D1FD35-3455-4644-824A-05BCDA48D372}" destId="{218E7F05-7CA0-7846-BD48-13EFB73AEC79}" srcOrd="1" destOrd="0" presId="urn:microsoft.com/office/officeart/2005/8/layout/orgChart1"/>
+    <dgm:cxn modelId="{6576B3A1-9265-7044-919F-E21C8E4DB2FA}" type="presParOf" srcId="{53D1FD35-3455-4644-824A-05BCDA48D372}" destId="{1BAE0106-01D8-4741-8F49-08B6C17C1781}" srcOrd="2" destOrd="0" presId="urn:microsoft.com/office/officeart/2005/8/layout/orgChart1"/>
+    <dgm:cxn modelId="{1D607DED-3D5D-E149-981B-ADFBCE8B0F02}" type="presParOf" srcId="{87E2B653-25E4-D843-91E3-F769CA88168E}" destId="{88B07572-01ED-7149-8810-61EDE1A1D51D}" srcOrd="2" destOrd="0" presId="urn:microsoft.com/office/officeart/2005/8/layout/orgChart1"/>
+    <dgm:cxn modelId="{75B1A34A-6722-8840-8947-EF2D7C0D07DD}" type="presParOf" srcId="{4E5C75F9-ABE0-7A42-98C3-37AD42979EF2}" destId="{DCEE6335-9AB3-FA4E-9D02-CD6A76C0858E}" srcOrd="2" destOrd="0" presId="urn:microsoft.com/office/officeart/2005/8/layout/orgChart1"/>
+  </dgm:cxnLst>
+  <dgm:bg/>
+  <dgm:whole/>
+  <dgm:extLst>
+    <a:ext uri="http://schemas.microsoft.com/office/drawing/2008/diagram">
+      <dsp:dataModelExt xmlns:dsp="http://schemas.microsoft.com/office/drawing/2008/diagram" relId="rId10" minVer="http://schemas.openxmlformats.org/drawingml/2006/diagram"/>
+    </a:ext>
+  </dgm:extLst>
+</dgm:dataModel>
+</file>
+
+<file path=ppt/diagrams/drawing1.xml><?xml version="1.0" encoding="utf-8"?>
+<dsp:drawing xmlns:dgm="http://schemas.openxmlformats.org/drawingml/2006/diagram" xmlns:dsp="http://schemas.microsoft.com/office/drawing/2008/diagram" xmlns:a="http://schemas.openxmlformats.org/drawingml/2006/main">
+  <dsp:spTree>
+    <dsp:nvGrpSpPr>
+      <dsp:cNvPr id="0" name=""/>
+      <dsp:cNvGrpSpPr/>
+    </dsp:nvGrpSpPr>
+    <dsp:grpSpPr/>
+    <dsp:sp modelId="{DECB1839-5458-9D4D-8AE8-5F6C63288C59}">
+      <dsp:nvSpPr>
+        <dsp:cNvPr id="0" name=""/>
+        <dsp:cNvSpPr/>
+      </dsp:nvSpPr>
+      <dsp:spPr>
+        <a:xfrm>
+          <a:off x="5266154" y="2045013"/>
+          <a:ext cx="265108" cy="776688"/>
+        </a:xfrm>
+        <a:custGeom>
+          <a:avLst/>
+          <a:gdLst/>
+          <a:ahLst/>
+          <a:cxnLst/>
+          <a:rect l="0" t="0" r="0" b="0"/>
+          <a:pathLst>
+            <a:path>
+              <a:moveTo>
+                <a:pt x="0" y="0"/>
+              </a:moveTo>
+              <a:lnTo>
+                <a:pt x="0" y="776688"/>
+              </a:lnTo>
+              <a:lnTo>
+                <a:pt x="265108" y="776688"/>
+              </a:lnTo>
+            </a:path>
+          </a:pathLst>
+        </a:custGeom>
+        <a:noFill/>
+        <a:ln w="6350" cap="flat" cmpd="sng" algn="ctr">
+          <a:solidFill>
+            <a:schemeClr val="accent1">
+              <a:shade val="80000"/>
+              <a:hueOff val="0"/>
+              <a:satOff val="0"/>
+              <a:lumOff val="0"/>
+              <a:alphaOff val="0"/>
+            </a:schemeClr>
+          </a:solidFill>
+          <a:prstDash val="solid"/>
+          <a:miter lim="800000"/>
+        </a:ln>
+        <a:effectLst/>
+      </dsp:spPr>
+      <dsp:style>
+        <a:lnRef idx="1">
+          <a:scrgbClr r="0" g="0" b="0"/>
+        </a:lnRef>
+        <a:fillRef idx="0">
+          <a:scrgbClr r="0" g="0" b="0"/>
+        </a:fillRef>
+        <a:effectRef idx="0">
+          <a:scrgbClr r="0" g="0" b="0"/>
+        </a:effectRef>
+        <a:fontRef idx="minor"/>
+      </dsp:style>
+    </dsp:sp>
+    <dsp:sp modelId="{3D03C8FA-F3F3-3D4F-B405-3185945FBC2D}">
+      <dsp:nvSpPr>
+        <dsp:cNvPr id="0" name=""/>
+        <dsp:cNvSpPr/>
+      </dsp:nvSpPr>
+      <dsp:spPr>
+        <a:xfrm>
+          <a:off x="3472920" y="846211"/>
+          <a:ext cx="2500189" cy="354575"/>
+        </a:xfrm>
+        <a:custGeom>
+          <a:avLst/>
+          <a:gdLst/>
+          <a:ahLst/>
+          <a:cxnLst/>
+          <a:rect l="0" t="0" r="0" b="0"/>
+          <a:pathLst>
+            <a:path>
+              <a:moveTo>
+                <a:pt x="0" y="0"/>
+              </a:moveTo>
+              <a:lnTo>
+                <a:pt x="0" y="177287"/>
+              </a:lnTo>
+              <a:lnTo>
+                <a:pt x="2500189" y="177287"/>
+              </a:lnTo>
+              <a:lnTo>
+                <a:pt x="2500189" y="354575"/>
+              </a:lnTo>
+            </a:path>
+          </a:pathLst>
+        </a:custGeom>
+        <a:noFill/>
+        <a:ln w="6350" cap="flat" cmpd="sng" algn="ctr">
+          <a:solidFill>
+            <a:schemeClr val="accent1">
+              <a:shade val="60000"/>
+              <a:hueOff val="0"/>
+              <a:satOff val="0"/>
+              <a:lumOff val="0"/>
+              <a:alphaOff val="0"/>
+            </a:schemeClr>
+          </a:solidFill>
+          <a:prstDash val="solid"/>
+          <a:miter lim="800000"/>
+        </a:ln>
+        <a:effectLst/>
+      </dsp:spPr>
+      <dsp:style>
+        <a:lnRef idx="1">
+          <a:scrgbClr r="0" g="0" b="0"/>
+        </a:lnRef>
+        <a:fillRef idx="0">
+          <a:scrgbClr r="0" g="0" b="0"/>
+        </a:fillRef>
+        <a:effectRef idx="0">
+          <a:scrgbClr r="0" g="0" b="0"/>
+        </a:effectRef>
+        <a:fontRef idx="minor"/>
+      </dsp:style>
+    </dsp:sp>
+    <dsp:sp modelId="{A991B8BF-1199-7D43-A57A-6F90F286A02A}">
+      <dsp:nvSpPr>
+        <dsp:cNvPr id="0" name=""/>
+        <dsp:cNvSpPr/>
+      </dsp:nvSpPr>
+      <dsp:spPr>
+        <a:xfrm>
+          <a:off x="2342751" y="2014503"/>
+          <a:ext cx="460948" cy="755203"/>
+        </a:xfrm>
+        <a:custGeom>
+          <a:avLst/>
+          <a:gdLst/>
+          <a:ahLst/>
+          <a:cxnLst/>
+          <a:rect l="0" t="0" r="0" b="0"/>
+          <a:pathLst>
+            <a:path>
+              <a:moveTo>
+                <a:pt x="460948" y="0"/>
+              </a:moveTo>
+              <a:lnTo>
+                <a:pt x="0" y="755203"/>
+              </a:lnTo>
+            </a:path>
+          </a:pathLst>
+        </a:custGeom>
+        <a:noFill/>
+        <a:ln w="6350" cap="flat" cmpd="sng" algn="ctr">
+          <a:solidFill>
+            <a:schemeClr val="accent1">
+              <a:shade val="80000"/>
+              <a:hueOff val="0"/>
+              <a:satOff val="0"/>
+              <a:lumOff val="0"/>
+              <a:alphaOff val="0"/>
+            </a:schemeClr>
+          </a:solidFill>
+          <a:prstDash val="solid"/>
+          <a:miter lim="800000"/>
+        </a:ln>
+        <a:effectLst/>
+      </dsp:spPr>
+      <dsp:style>
+        <a:lnRef idx="1">
+          <a:scrgbClr r="0" g="0" b="0"/>
+        </a:lnRef>
+        <a:fillRef idx="0">
+          <a:scrgbClr r="0" g="0" b="0"/>
+        </a:fillRef>
+        <a:effectRef idx="0">
+          <a:scrgbClr r="0" g="0" b="0"/>
+        </a:effectRef>
+        <a:fontRef idx="minor"/>
+      </dsp:style>
+    </dsp:sp>
+    <dsp:sp modelId="{0C2E3BE9-3595-0B48-9AD8-2CCB4FE010D3}">
+      <dsp:nvSpPr>
+        <dsp:cNvPr id="0" name=""/>
+        <dsp:cNvSpPr/>
+      </dsp:nvSpPr>
+      <dsp:spPr>
+        <a:xfrm>
+          <a:off x="3427200" y="846211"/>
+          <a:ext cx="91440" cy="324065"/>
+        </a:xfrm>
+        <a:custGeom>
+          <a:avLst/>
+          <a:gdLst/>
+          <a:ahLst/>
+          <a:cxnLst/>
+          <a:rect l="0" t="0" r="0" b="0"/>
+          <a:pathLst>
+            <a:path>
+              <a:moveTo>
+                <a:pt x="45720" y="0"/>
+              </a:moveTo>
+              <a:lnTo>
+                <a:pt x="45720" y="146777"/>
+              </a:lnTo>
+              <a:lnTo>
+                <a:pt x="51880" y="146777"/>
+              </a:lnTo>
+              <a:lnTo>
+                <a:pt x="51880" y="324065"/>
+              </a:lnTo>
+            </a:path>
+          </a:pathLst>
+        </a:custGeom>
+        <a:noFill/>
+        <a:ln w="6350" cap="flat" cmpd="sng" algn="ctr">
+          <a:solidFill>
+            <a:schemeClr val="accent1">
+              <a:shade val="60000"/>
+              <a:hueOff val="0"/>
+              <a:satOff val="0"/>
+              <a:lumOff val="0"/>
+              <a:alphaOff val="0"/>
+            </a:schemeClr>
+          </a:solidFill>
+          <a:prstDash val="solid"/>
+          <a:miter lim="800000"/>
+        </a:ln>
+        <a:effectLst/>
+      </dsp:spPr>
+      <dsp:style>
+        <a:lnRef idx="1">
+          <a:scrgbClr r="0" g="0" b="0"/>
+        </a:lnRef>
+        <a:fillRef idx="0">
+          <a:scrgbClr r="0" g="0" b="0"/>
+        </a:fillRef>
+        <a:effectRef idx="0">
+          <a:scrgbClr r="0" g="0" b="0"/>
+        </a:effectRef>
+        <a:fontRef idx="minor"/>
+      </dsp:style>
+    </dsp:sp>
+    <dsp:sp modelId="{6BFF558B-2086-964E-8D0F-72A59F1A70D7}">
+      <dsp:nvSpPr>
+        <dsp:cNvPr id="0" name=""/>
+        <dsp:cNvSpPr/>
+      </dsp:nvSpPr>
+      <dsp:spPr>
+        <a:xfrm>
+          <a:off x="233921" y="2045013"/>
+          <a:ext cx="91440" cy="744608"/>
+        </a:xfrm>
+        <a:custGeom>
+          <a:avLst/>
+          <a:gdLst/>
+          <a:ahLst/>
+          <a:cxnLst/>
+          <a:rect l="0" t="0" r="0" b="0"/>
+          <a:pathLst>
+            <a:path>
+              <a:moveTo>
+                <a:pt x="45720" y="0"/>
+              </a:moveTo>
+              <a:lnTo>
+                <a:pt x="45720" y="744608"/>
+              </a:lnTo>
+              <a:lnTo>
+                <a:pt x="58941" y="744608"/>
+              </a:lnTo>
+            </a:path>
+          </a:pathLst>
+        </a:custGeom>
+        <a:noFill/>
+        <a:ln w="6350" cap="flat" cmpd="sng" algn="ctr">
+          <a:solidFill>
+            <a:schemeClr val="accent1">
+              <a:shade val="80000"/>
+              <a:hueOff val="0"/>
+              <a:satOff val="0"/>
+              <a:lumOff val="0"/>
+              <a:alphaOff val="0"/>
+            </a:schemeClr>
+          </a:solidFill>
+          <a:prstDash val="solid"/>
+          <a:miter lim="800000"/>
+        </a:ln>
+        <a:effectLst/>
+      </dsp:spPr>
+      <dsp:style>
+        <a:lnRef idx="1">
+          <a:scrgbClr r="0" g="0" b="0"/>
+        </a:lnRef>
+        <a:fillRef idx="0">
+          <a:scrgbClr r="0" g="0" b="0"/>
+        </a:fillRef>
+        <a:effectRef idx="0">
+          <a:scrgbClr r="0" g="0" b="0"/>
+        </a:effectRef>
+        <a:fontRef idx="minor"/>
+      </dsp:style>
+    </dsp:sp>
+    <dsp:sp modelId="{0169ED94-A2DE-E748-BB23-8F7AFA4206E9}">
+      <dsp:nvSpPr>
+        <dsp:cNvPr id="0" name=""/>
+        <dsp:cNvSpPr/>
+      </dsp:nvSpPr>
+      <dsp:spPr>
+        <a:xfrm>
+          <a:off x="1042059" y="846211"/>
+          <a:ext cx="2430861" cy="354575"/>
+        </a:xfrm>
+        <a:custGeom>
+          <a:avLst/>
+          <a:gdLst/>
+          <a:ahLst/>
+          <a:cxnLst/>
+          <a:rect l="0" t="0" r="0" b="0"/>
+          <a:pathLst>
+            <a:path>
+              <a:moveTo>
+                <a:pt x="2430861" y="0"/>
+              </a:moveTo>
+              <a:lnTo>
+                <a:pt x="2430861" y="177287"/>
+              </a:lnTo>
+              <a:lnTo>
+                <a:pt x="0" y="177287"/>
+              </a:lnTo>
+              <a:lnTo>
+                <a:pt x="0" y="354575"/>
+              </a:lnTo>
+            </a:path>
+          </a:pathLst>
+        </a:custGeom>
+        <a:noFill/>
+        <a:ln w="6350" cap="flat" cmpd="sng" algn="ctr">
+          <a:solidFill>
+            <a:schemeClr val="accent1">
+              <a:shade val="60000"/>
+              <a:hueOff val="0"/>
+              <a:satOff val="0"/>
+              <a:lumOff val="0"/>
+              <a:alphaOff val="0"/>
+            </a:schemeClr>
+          </a:solidFill>
+          <a:prstDash val="solid"/>
+          <a:miter lim="800000"/>
+        </a:ln>
+        <a:effectLst/>
+      </dsp:spPr>
+      <dsp:style>
+        <a:lnRef idx="1">
+          <a:scrgbClr r="0" g="0" b="0"/>
+        </a:lnRef>
+        <a:fillRef idx="0">
+          <a:scrgbClr r="0" g="0" b="0"/>
+        </a:fillRef>
+        <a:effectRef idx="0">
+          <a:scrgbClr r="0" g="0" b="0"/>
+        </a:effectRef>
+        <a:fontRef idx="minor"/>
+      </dsp:style>
+    </dsp:sp>
+    <dsp:sp modelId="{8E005FF5-9F42-AC49-AAB5-193518D9675D}">
+      <dsp:nvSpPr>
+        <dsp:cNvPr id="0" name=""/>
+        <dsp:cNvSpPr/>
+      </dsp:nvSpPr>
+      <dsp:spPr>
+        <a:xfrm>
+          <a:off x="2628693" y="1983"/>
+          <a:ext cx="1688454" cy="844227"/>
+        </a:xfrm>
+        <a:prstGeom prst="rect">
+          <a:avLst/>
+        </a:prstGeom>
+        <a:gradFill rotWithShape="0">
+          <a:gsLst>
+            <a:gs pos="0">
+              <a:schemeClr val="accent1">
+                <a:hueOff val="0"/>
+                <a:satOff val="0"/>
+                <a:lumOff val="0"/>
+                <a:alphaOff val="0"/>
+                <a:satMod val="103000"/>
+                <a:lumMod val="102000"/>
+                <a:tint val="94000"/>
+              </a:schemeClr>
+            </a:gs>
+            <a:gs pos="50000">
+              <a:schemeClr val="accent1">
+                <a:hueOff val="0"/>
+                <a:satOff val="0"/>
+                <a:lumOff val="0"/>
+                <a:alphaOff val="0"/>
+                <a:satMod val="110000"/>
+                <a:lumMod val="100000"/>
+                <a:shade val="100000"/>
+              </a:schemeClr>
+            </a:gs>
+            <a:gs pos="100000">
+              <a:schemeClr val="accent1">
+                <a:hueOff val="0"/>
+                <a:satOff val="0"/>
+                <a:lumOff val="0"/>
+                <a:alphaOff val="0"/>
+                <a:lumMod val="99000"/>
+                <a:satMod val="120000"/>
+                <a:shade val="78000"/>
+              </a:schemeClr>
+            </a:gs>
+          </a:gsLst>
+          <a:lin ang="5400000" scaled="0"/>
+        </a:gradFill>
+        <a:ln>
+          <a:noFill/>
+        </a:ln>
+        <a:effectLst/>
+      </dsp:spPr>
+      <dsp:style>
+        <a:lnRef idx="0">
+          <a:scrgbClr r="0" g="0" b="0"/>
+        </a:lnRef>
+        <a:fillRef idx="3">
+          <a:scrgbClr r="0" g="0" b="0"/>
+        </a:fillRef>
+        <a:effectRef idx="2">
+          <a:scrgbClr r="0" g="0" b="0"/>
+        </a:effectRef>
+        <a:fontRef idx="minor">
+          <a:schemeClr val="lt1"/>
+        </a:fontRef>
+      </dsp:style>
+      <dsp:txBody>
+        <a:bodyPr spcFirstLastPara="0" vert="horz" wrap="square" lIns="13970" tIns="13970" rIns="13970" bIns="13970" numCol="1" spcCol="1270" anchor="ctr" anchorCtr="0">
+          <a:noAutofit/>
+        </a:bodyPr>
+        <a:lstStyle/>
+        <a:p>
+          <a:pPr lvl="0" algn="ctr" defTabSz="977900">
+            <a:lnSpc>
+              <a:spcPct val="90000"/>
+            </a:lnSpc>
+            <a:spcBef>
+              <a:spcPct val="0"/>
+            </a:spcBef>
+            <a:spcAft>
+              <a:spcPct val="35000"/>
+            </a:spcAft>
+          </a:pPr>
+          <a:r>
+            <a:rPr lang="en-US" sz="2200" kern="1200" dirty="0" smtClean="0"/>
+            <a:t>Load Sensors Measure Weight</a:t>
+          </a:r>
+          <a:endParaRPr lang="en-US" sz="2200" kern="1200" dirty="0"/>
+        </a:p>
+      </dsp:txBody>
+      <dsp:txXfrm>
+        <a:off x="2628693" y="1983"/>
+        <a:ext cx="1688454" cy="844227"/>
+      </dsp:txXfrm>
+    </dsp:sp>
+    <dsp:sp modelId="{47E35F00-3704-3A4F-AFB3-F4FB186C5F61}">
+      <dsp:nvSpPr>
+        <dsp:cNvPr id="0" name=""/>
+        <dsp:cNvSpPr/>
+      </dsp:nvSpPr>
+      <dsp:spPr>
+        <a:xfrm>
+          <a:off x="89037" y="1200786"/>
+          <a:ext cx="1906045" cy="844227"/>
+        </a:xfrm>
+        <a:prstGeom prst="rect">
+          <a:avLst/>
+        </a:prstGeom>
+        <a:gradFill rotWithShape="0">
+          <a:gsLst>
+            <a:gs pos="0">
+              <a:schemeClr val="accent1">
+                <a:hueOff val="0"/>
+                <a:satOff val="0"/>
+                <a:lumOff val="0"/>
+                <a:alphaOff val="0"/>
+                <a:satMod val="103000"/>
+                <a:lumMod val="102000"/>
+                <a:tint val="94000"/>
+              </a:schemeClr>
+            </a:gs>
+            <a:gs pos="50000">
+              <a:schemeClr val="accent1">
+                <a:hueOff val="0"/>
+                <a:satOff val="0"/>
+                <a:lumOff val="0"/>
+                <a:alphaOff val="0"/>
+                <a:satMod val="110000"/>
+                <a:lumMod val="100000"/>
+                <a:shade val="100000"/>
+              </a:schemeClr>
+            </a:gs>
+            <a:gs pos="100000">
+              <a:schemeClr val="accent1">
+                <a:hueOff val="0"/>
+                <a:satOff val="0"/>
+                <a:lumOff val="0"/>
+                <a:alphaOff val="0"/>
+                <a:lumMod val="99000"/>
+                <a:satMod val="120000"/>
+                <a:shade val="78000"/>
+              </a:schemeClr>
+            </a:gs>
+          </a:gsLst>
+          <a:lin ang="5400000" scaled="0"/>
+        </a:gradFill>
+        <a:ln>
+          <a:noFill/>
+        </a:ln>
+        <a:effectLst/>
+      </dsp:spPr>
+      <dsp:style>
+        <a:lnRef idx="0">
+          <a:scrgbClr r="0" g="0" b="0"/>
+        </a:lnRef>
+        <a:fillRef idx="3">
+          <a:scrgbClr r="0" g="0" b="0"/>
+        </a:fillRef>
+        <a:effectRef idx="2">
+          <a:scrgbClr r="0" g="0" b="0"/>
+        </a:effectRef>
+        <a:fontRef idx="minor">
+          <a:schemeClr val="lt1"/>
+        </a:fontRef>
+      </dsp:style>
+      <dsp:txBody>
+        <a:bodyPr spcFirstLastPara="0" vert="horz" wrap="square" lIns="13970" tIns="13970" rIns="13970" bIns="13970" numCol="1" spcCol="1270" anchor="ctr" anchorCtr="0">
+          <a:noAutofit/>
+        </a:bodyPr>
+        <a:lstStyle/>
+        <a:p>
+          <a:pPr lvl="0" algn="ctr" defTabSz="977900">
+            <a:lnSpc>
+              <a:spcPct val="90000"/>
+            </a:lnSpc>
+            <a:spcBef>
+              <a:spcPct val="0"/>
+            </a:spcBef>
+            <a:spcAft>
+              <a:spcPct val="35000"/>
+            </a:spcAft>
+          </a:pPr>
+          <a:r>
+            <a:rPr lang="en-US" sz="2200" kern="1200" dirty="0" smtClean="0"/>
+            <a:t>Weight below 0 </a:t>
+          </a:r>
+          <a:r>
+            <a:rPr lang="en-US" sz="2200" kern="1200" dirty="0" err="1" smtClean="0"/>
+            <a:t>lbs</a:t>
+          </a:r>
+          <a:endParaRPr lang="en-US" sz="2200" kern="1200" dirty="0"/>
+        </a:p>
+      </dsp:txBody>
+      <dsp:txXfrm>
+        <a:off x="89037" y="1200786"/>
+        <a:ext cx="1906045" cy="844227"/>
+      </dsp:txXfrm>
+    </dsp:sp>
+    <dsp:sp modelId="{367FC038-8CD1-304B-8687-EA5EB5854621}">
+      <dsp:nvSpPr>
+        <dsp:cNvPr id="0" name=""/>
+        <dsp:cNvSpPr/>
+      </dsp:nvSpPr>
+      <dsp:spPr>
+        <a:xfrm>
+          <a:off x="292863" y="2367508"/>
+          <a:ext cx="1688454" cy="844227"/>
+        </a:xfrm>
+        <a:prstGeom prst="rect">
+          <a:avLst/>
+        </a:prstGeom>
+        <a:gradFill rotWithShape="0">
+          <a:gsLst>
+            <a:gs pos="0">
+              <a:schemeClr val="accent1">
+                <a:hueOff val="0"/>
+                <a:satOff val="0"/>
+                <a:lumOff val="0"/>
+                <a:alphaOff val="0"/>
+                <a:satMod val="103000"/>
+                <a:lumMod val="102000"/>
+                <a:tint val="94000"/>
+              </a:schemeClr>
+            </a:gs>
+            <a:gs pos="50000">
+              <a:schemeClr val="accent1">
+                <a:hueOff val="0"/>
+                <a:satOff val="0"/>
+                <a:lumOff val="0"/>
+                <a:alphaOff val="0"/>
+                <a:satMod val="110000"/>
+                <a:lumMod val="100000"/>
+                <a:shade val="100000"/>
+              </a:schemeClr>
+            </a:gs>
+            <a:gs pos="100000">
+              <a:schemeClr val="accent1">
+                <a:hueOff val="0"/>
+                <a:satOff val="0"/>
+                <a:lumOff val="0"/>
+                <a:alphaOff val="0"/>
+                <a:lumMod val="99000"/>
+                <a:satMod val="120000"/>
+                <a:shade val="78000"/>
+              </a:schemeClr>
+            </a:gs>
+          </a:gsLst>
+          <a:lin ang="5400000" scaled="0"/>
+        </a:gradFill>
+        <a:ln>
+          <a:noFill/>
+        </a:ln>
+        <a:effectLst/>
+      </dsp:spPr>
+      <dsp:style>
+        <a:lnRef idx="0">
+          <a:scrgbClr r="0" g="0" b="0"/>
+        </a:lnRef>
+        <a:fillRef idx="3">
+          <a:scrgbClr r="0" g="0" b="0"/>
+        </a:fillRef>
+        <a:effectRef idx="2">
+          <a:scrgbClr r="0" g="0" b="0"/>
+        </a:effectRef>
+        <a:fontRef idx="minor">
+          <a:schemeClr val="lt1"/>
+        </a:fontRef>
+      </dsp:style>
+      <dsp:txBody>
+        <a:bodyPr spcFirstLastPara="0" vert="horz" wrap="square" lIns="13970" tIns="13970" rIns="13970" bIns="13970" numCol="1" spcCol="1270" anchor="ctr" anchorCtr="0">
+          <a:noAutofit/>
+        </a:bodyPr>
+        <a:lstStyle/>
+        <a:p>
+          <a:pPr lvl="0" algn="ctr" defTabSz="977900">
+            <a:lnSpc>
+              <a:spcPct val="90000"/>
+            </a:lnSpc>
+            <a:spcBef>
+              <a:spcPct val="0"/>
+            </a:spcBef>
+            <a:spcAft>
+              <a:spcPct val="35000"/>
+            </a:spcAft>
+          </a:pPr>
+          <a:r>
+            <a:rPr lang="en-US" sz="2200" kern="1200" dirty="0" smtClean="0"/>
+            <a:t>Set color to red</a:t>
+          </a:r>
+          <a:endParaRPr lang="en-US" sz="2200" kern="1200" dirty="0"/>
+        </a:p>
+      </dsp:txBody>
+      <dsp:txXfrm>
+        <a:off x="292863" y="2367508"/>
+        <a:ext cx="1688454" cy="844227"/>
+      </dsp:txXfrm>
+    </dsp:sp>
+    <dsp:sp modelId="{BDCD61E5-77FF-1E42-B3EA-6598F513C4E7}">
+      <dsp:nvSpPr>
+        <dsp:cNvPr id="0" name=""/>
+        <dsp:cNvSpPr/>
+      </dsp:nvSpPr>
+      <dsp:spPr>
+        <a:xfrm>
+          <a:off x="2634854" y="1170276"/>
+          <a:ext cx="1688454" cy="844227"/>
+        </a:xfrm>
+        <a:prstGeom prst="rect">
+          <a:avLst/>
+        </a:prstGeom>
+        <a:gradFill rotWithShape="0">
+          <a:gsLst>
+            <a:gs pos="0">
+              <a:schemeClr val="accent1">
+                <a:hueOff val="0"/>
+                <a:satOff val="0"/>
+                <a:lumOff val="0"/>
+                <a:alphaOff val="0"/>
+                <a:satMod val="103000"/>
+                <a:lumMod val="102000"/>
+                <a:tint val="94000"/>
+              </a:schemeClr>
+            </a:gs>
+            <a:gs pos="50000">
+              <a:schemeClr val="accent1">
+                <a:hueOff val="0"/>
+                <a:satOff val="0"/>
+                <a:lumOff val="0"/>
+                <a:alphaOff val="0"/>
+                <a:satMod val="110000"/>
+                <a:lumMod val="100000"/>
+                <a:shade val="100000"/>
+              </a:schemeClr>
+            </a:gs>
+            <a:gs pos="100000">
+              <a:schemeClr val="accent1">
+                <a:hueOff val="0"/>
+                <a:satOff val="0"/>
+                <a:lumOff val="0"/>
+                <a:alphaOff val="0"/>
+                <a:lumMod val="99000"/>
+                <a:satMod val="120000"/>
+                <a:shade val="78000"/>
+              </a:schemeClr>
+            </a:gs>
+          </a:gsLst>
+          <a:lin ang="5400000" scaled="0"/>
+        </a:gradFill>
+        <a:ln>
+          <a:noFill/>
+        </a:ln>
+        <a:effectLst/>
+      </dsp:spPr>
+      <dsp:style>
+        <a:lnRef idx="0">
+          <a:scrgbClr r="0" g="0" b="0"/>
+        </a:lnRef>
+        <a:fillRef idx="3">
+          <a:scrgbClr r="0" g="0" b="0"/>
+        </a:fillRef>
+        <a:effectRef idx="2">
+          <a:scrgbClr r="0" g="0" b="0"/>
+        </a:effectRef>
+        <a:fontRef idx="minor">
+          <a:schemeClr val="lt1"/>
+        </a:fontRef>
+      </dsp:style>
+      <dsp:txBody>
+        <a:bodyPr spcFirstLastPara="0" vert="horz" wrap="square" lIns="13970" tIns="13970" rIns="13970" bIns="13970" numCol="1" spcCol="1270" anchor="ctr" anchorCtr="0">
+          <a:noAutofit/>
+        </a:bodyPr>
+        <a:lstStyle/>
+        <a:p>
+          <a:pPr lvl="0" algn="ctr" defTabSz="977900">
+            <a:lnSpc>
+              <a:spcPct val="90000"/>
+            </a:lnSpc>
+            <a:spcBef>
+              <a:spcPct val="0"/>
+            </a:spcBef>
+            <a:spcAft>
+              <a:spcPct val="35000"/>
+            </a:spcAft>
+          </a:pPr>
+          <a:r>
+            <a:rPr lang="en-US" sz="2200" kern="1200" dirty="0" smtClean="0"/>
+            <a:t>Weight between 0-20 </a:t>
+          </a:r>
+          <a:r>
+            <a:rPr lang="en-US" sz="2200" kern="1200" dirty="0" err="1" smtClean="0"/>
+            <a:t>lbs</a:t>
+          </a:r>
+          <a:endParaRPr lang="en-US" sz="2200" kern="1200" dirty="0"/>
+        </a:p>
+      </dsp:txBody>
+      <dsp:txXfrm>
+        <a:off x="2634854" y="1170276"/>
+        <a:ext cx="1688454" cy="844227"/>
+      </dsp:txXfrm>
+    </dsp:sp>
+    <dsp:sp modelId="{B55F7674-9DCB-ED4F-858E-2A02ED599294}">
+      <dsp:nvSpPr>
+        <dsp:cNvPr id="0" name=""/>
+        <dsp:cNvSpPr/>
+      </dsp:nvSpPr>
+      <dsp:spPr>
+        <a:xfrm>
+          <a:off x="2342751" y="2347592"/>
+          <a:ext cx="2404915" cy="844227"/>
+        </a:xfrm>
+        <a:prstGeom prst="rect">
+          <a:avLst/>
+        </a:prstGeom>
+        <a:gradFill rotWithShape="0">
+          <a:gsLst>
+            <a:gs pos="0">
+              <a:schemeClr val="accent1">
+                <a:hueOff val="0"/>
+                <a:satOff val="0"/>
+                <a:lumOff val="0"/>
+                <a:alphaOff val="0"/>
+                <a:satMod val="103000"/>
+                <a:lumMod val="102000"/>
+                <a:tint val="94000"/>
+              </a:schemeClr>
+            </a:gs>
+            <a:gs pos="50000">
+              <a:schemeClr val="accent1">
+                <a:hueOff val="0"/>
+                <a:satOff val="0"/>
+                <a:lumOff val="0"/>
+                <a:alphaOff val="0"/>
+                <a:satMod val="110000"/>
+                <a:lumMod val="100000"/>
+                <a:shade val="100000"/>
+              </a:schemeClr>
+            </a:gs>
+            <a:gs pos="100000">
+              <a:schemeClr val="accent1">
+                <a:hueOff val="0"/>
+                <a:satOff val="0"/>
+                <a:lumOff val="0"/>
+                <a:alphaOff val="0"/>
+                <a:lumMod val="99000"/>
+                <a:satMod val="120000"/>
+                <a:shade val="78000"/>
+              </a:schemeClr>
+            </a:gs>
+          </a:gsLst>
+          <a:lin ang="5400000" scaled="0"/>
+        </a:gradFill>
+        <a:ln>
+          <a:noFill/>
+        </a:ln>
+        <a:effectLst/>
+      </dsp:spPr>
+      <dsp:style>
+        <a:lnRef idx="0">
+          <a:scrgbClr r="0" g="0" b="0"/>
+        </a:lnRef>
+        <a:fillRef idx="3">
+          <a:scrgbClr r="0" g="0" b="0"/>
+        </a:fillRef>
+        <a:effectRef idx="2">
+          <a:scrgbClr r="0" g="0" b="0"/>
+        </a:effectRef>
+        <a:fontRef idx="minor">
+          <a:schemeClr val="lt1"/>
+        </a:fontRef>
+      </dsp:style>
+      <dsp:txBody>
+        <a:bodyPr spcFirstLastPara="0" vert="horz" wrap="square" lIns="13970" tIns="13970" rIns="13970" bIns="13970" numCol="1" spcCol="1270" anchor="ctr" anchorCtr="0">
+          <a:noAutofit/>
+        </a:bodyPr>
+        <a:lstStyle/>
+        <a:p>
+          <a:pPr lvl="0" algn="ctr" defTabSz="977900">
+            <a:lnSpc>
+              <a:spcPct val="90000"/>
+            </a:lnSpc>
+            <a:spcBef>
+              <a:spcPct val="0"/>
+            </a:spcBef>
+            <a:spcAft>
+              <a:spcPct val="35000"/>
+            </a:spcAft>
+          </a:pPr>
+          <a:r>
+            <a:rPr lang="en-US" sz="2200" kern="1200" dirty="0" smtClean="0"/>
+            <a:t>As weight increases: ↑green intensity ↓red intensity</a:t>
+          </a:r>
+          <a:endParaRPr lang="en-US" sz="2200" kern="1200" dirty="0"/>
+        </a:p>
+      </dsp:txBody>
+      <dsp:txXfrm>
+        <a:off x="2342751" y="2347592"/>
+        <a:ext cx="2404915" cy="844227"/>
+      </dsp:txXfrm>
+    </dsp:sp>
+    <dsp:sp modelId="{A24A5000-A4A2-D54C-B624-8109FD6E7E8E}">
+      <dsp:nvSpPr>
+        <dsp:cNvPr id="0" name=""/>
+        <dsp:cNvSpPr/>
+      </dsp:nvSpPr>
+      <dsp:spPr>
+        <a:xfrm>
+          <a:off x="5089415" y="1200786"/>
+          <a:ext cx="1767389" cy="844227"/>
+        </a:xfrm>
+        <a:prstGeom prst="rect">
+          <a:avLst/>
+        </a:prstGeom>
+        <a:gradFill rotWithShape="0">
+          <a:gsLst>
+            <a:gs pos="0">
+              <a:schemeClr val="accent1">
+                <a:hueOff val="0"/>
+                <a:satOff val="0"/>
+                <a:lumOff val="0"/>
+                <a:alphaOff val="0"/>
+                <a:satMod val="103000"/>
+                <a:lumMod val="102000"/>
+                <a:tint val="94000"/>
+              </a:schemeClr>
+            </a:gs>
+            <a:gs pos="50000">
+              <a:schemeClr val="accent1">
+                <a:hueOff val="0"/>
+                <a:satOff val="0"/>
+                <a:lumOff val="0"/>
+                <a:alphaOff val="0"/>
+                <a:satMod val="110000"/>
+                <a:lumMod val="100000"/>
+                <a:shade val="100000"/>
+              </a:schemeClr>
+            </a:gs>
+            <a:gs pos="100000">
+              <a:schemeClr val="accent1">
+                <a:hueOff val="0"/>
+                <a:satOff val="0"/>
+                <a:lumOff val="0"/>
+                <a:alphaOff val="0"/>
+                <a:lumMod val="99000"/>
+                <a:satMod val="120000"/>
+                <a:shade val="78000"/>
+              </a:schemeClr>
+            </a:gs>
+          </a:gsLst>
+          <a:lin ang="5400000" scaled="0"/>
+        </a:gradFill>
+        <a:ln>
+          <a:noFill/>
+        </a:ln>
+        <a:effectLst/>
+      </dsp:spPr>
+      <dsp:style>
+        <a:lnRef idx="0">
+          <a:scrgbClr r="0" g="0" b="0"/>
+        </a:lnRef>
+        <a:fillRef idx="3">
+          <a:scrgbClr r="0" g="0" b="0"/>
+        </a:fillRef>
+        <a:effectRef idx="2">
+          <a:scrgbClr r="0" g="0" b="0"/>
+        </a:effectRef>
+        <a:fontRef idx="minor">
+          <a:schemeClr val="lt1"/>
+        </a:fontRef>
+      </dsp:style>
+      <dsp:txBody>
+        <a:bodyPr spcFirstLastPara="0" vert="horz" wrap="square" lIns="13970" tIns="13970" rIns="13970" bIns="13970" numCol="1" spcCol="1270" anchor="ctr" anchorCtr="0">
+          <a:noAutofit/>
+        </a:bodyPr>
+        <a:lstStyle/>
+        <a:p>
+          <a:pPr lvl="0" algn="ctr" defTabSz="977900">
+            <a:lnSpc>
+              <a:spcPct val="90000"/>
+            </a:lnSpc>
+            <a:spcBef>
+              <a:spcPct val="0"/>
+            </a:spcBef>
+            <a:spcAft>
+              <a:spcPct val="35000"/>
+            </a:spcAft>
+          </a:pPr>
+          <a:r>
+            <a:rPr lang="en-US" sz="2200" kern="1200" dirty="0" smtClean="0"/>
+            <a:t>Weight above 20 </a:t>
+          </a:r>
+          <a:r>
+            <a:rPr lang="en-US" sz="2200" kern="1200" dirty="0" err="1" smtClean="0"/>
+            <a:t>lbs</a:t>
+          </a:r>
+          <a:endParaRPr lang="en-US" sz="2200" kern="1200" dirty="0"/>
+        </a:p>
+      </dsp:txBody>
+      <dsp:txXfrm>
+        <a:off x="5089415" y="1200786"/>
+        <a:ext cx="1767389" cy="844227"/>
+      </dsp:txXfrm>
+    </dsp:sp>
+    <dsp:sp modelId="{8B105FA3-B699-F34A-9CF5-B3013489DDED}">
+      <dsp:nvSpPr>
+        <dsp:cNvPr id="0" name=""/>
+        <dsp:cNvSpPr/>
+      </dsp:nvSpPr>
+      <dsp:spPr>
+        <a:xfrm>
+          <a:off x="5531262" y="2399588"/>
+          <a:ext cx="1688454" cy="844227"/>
+        </a:xfrm>
+        <a:prstGeom prst="rect">
+          <a:avLst/>
+        </a:prstGeom>
+        <a:gradFill rotWithShape="0">
+          <a:gsLst>
+            <a:gs pos="0">
+              <a:schemeClr val="accent1">
+                <a:hueOff val="0"/>
+                <a:satOff val="0"/>
+                <a:lumOff val="0"/>
+                <a:alphaOff val="0"/>
+                <a:satMod val="103000"/>
+                <a:lumMod val="102000"/>
+                <a:tint val="94000"/>
+              </a:schemeClr>
+            </a:gs>
+            <a:gs pos="50000">
+              <a:schemeClr val="accent1">
+                <a:hueOff val="0"/>
+                <a:satOff val="0"/>
+                <a:lumOff val="0"/>
+                <a:alphaOff val="0"/>
+                <a:satMod val="110000"/>
+                <a:lumMod val="100000"/>
+                <a:shade val="100000"/>
+              </a:schemeClr>
+            </a:gs>
+            <a:gs pos="100000">
+              <a:schemeClr val="accent1">
+                <a:hueOff val="0"/>
+                <a:satOff val="0"/>
+                <a:lumOff val="0"/>
+                <a:alphaOff val="0"/>
+                <a:lumMod val="99000"/>
+                <a:satMod val="120000"/>
+                <a:shade val="78000"/>
+              </a:schemeClr>
+            </a:gs>
+          </a:gsLst>
+          <a:lin ang="5400000" scaled="0"/>
+        </a:gradFill>
+        <a:ln>
+          <a:noFill/>
+        </a:ln>
+        <a:effectLst/>
+      </dsp:spPr>
+      <dsp:style>
+        <a:lnRef idx="0">
+          <a:scrgbClr r="0" g="0" b="0"/>
+        </a:lnRef>
+        <a:fillRef idx="3">
+          <a:scrgbClr r="0" g="0" b="0"/>
+        </a:fillRef>
+        <a:effectRef idx="2">
+          <a:scrgbClr r="0" g="0" b="0"/>
+        </a:effectRef>
+        <a:fontRef idx="minor">
+          <a:schemeClr val="lt1"/>
+        </a:fontRef>
+      </dsp:style>
+      <dsp:txBody>
+        <a:bodyPr spcFirstLastPara="0" vert="horz" wrap="square" lIns="13970" tIns="13970" rIns="13970" bIns="13970" numCol="1" spcCol="1270" anchor="ctr" anchorCtr="0">
+          <a:noAutofit/>
+        </a:bodyPr>
+        <a:lstStyle/>
+        <a:p>
+          <a:pPr lvl="0" algn="ctr" defTabSz="977900">
+            <a:lnSpc>
+              <a:spcPct val="90000"/>
+            </a:lnSpc>
+            <a:spcBef>
+              <a:spcPct val="0"/>
+            </a:spcBef>
+            <a:spcAft>
+              <a:spcPct val="35000"/>
+            </a:spcAft>
+          </a:pPr>
+          <a:r>
+            <a:rPr lang="en-US" sz="2200" kern="1200" dirty="0" smtClean="0"/>
+            <a:t>Set color to green</a:t>
+          </a:r>
+          <a:endParaRPr lang="en-US" sz="2200" kern="1200" dirty="0"/>
+        </a:p>
+      </dsp:txBody>
+      <dsp:txXfrm>
+        <a:off x="5531262" y="2399588"/>
+        <a:ext cx="1688454" cy="844227"/>
+      </dsp:txXfrm>
+    </dsp:sp>
+  </dsp:spTree>
+</dsp:drawing>
+</file>
+
+<file path=ppt/diagrams/layout1.xml><?xml version="1.0" encoding="utf-8"?>
+<dgm:layoutDef xmlns:dgm="http://schemas.openxmlformats.org/drawingml/2006/diagram" xmlns:a="http://schemas.openxmlformats.org/drawingml/2006/main" uniqueId="urn:microsoft.com/office/officeart/2005/8/layout/orgChart1">
+  <dgm:title val=""/>
+  <dgm:desc val=""/>
+  <dgm:catLst>
+    <dgm:cat type="hierarchy" pri="1000"/>
+    <dgm:cat type="convert" pri="6000"/>
+  </dgm:catLst>
+  <dgm:sampData>
+    <dgm:dataModel>
+      <dgm:ptLst>
+        <dgm:pt modelId="0" type="doc"/>
+        <dgm:pt modelId="1">
+          <dgm:prSet phldr="1"/>
+        </dgm:pt>
+        <dgm:pt modelId="2" type="asst">
+          <dgm:prSet phldr="1"/>
+        </dgm:pt>
+        <dgm:pt modelId="3">
+          <dgm:prSet phldr="1"/>
+        </dgm:pt>
+        <dgm:pt modelId="4">
+          <dgm:prSet phldr="1"/>
+        </dgm:pt>
+        <dgm:pt modelId="5">
+          <dgm:prSet phldr="1"/>
+        </dgm:pt>
+      </dgm:ptLst>
+      <dgm:cxnLst>
+        <dgm:cxn modelId="5" srcId="0" destId="1" srcOrd="0" destOrd="0"/>
+        <dgm:cxn modelId="6" srcId="1" destId="2" srcOrd="0" destOrd="0"/>
+        <dgm:cxn modelId="7" srcId="1" destId="3" srcOrd="1" destOrd="0"/>
+        <dgm:cxn modelId="8" srcId="1" destId="4" srcOrd="2" destOrd="0"/>
+        <dgm:cxn modelId="9" srcId="1" destId="5" srcOrd="3" destOrd="0"/>
+      </dgm:cxnLst>
+      <dgm:bg/>
+      <dgm:whole/>
+    </dgm:dataModel>
+  </dgm:sampData>
+  <dgm:styleData>
+    <dgm:dataModel>
+      <dgm:ptLst>
+        <dgm:pt modelId="0" type="doc"/>
+        <dgm:pt modelId="1"/>
+        <dgm:pt modelId="12"/>
+        <dgm:pt modelId="13"/>
+      </dgm:ptLst>
+      <dgm:cxnLst>
+        <dgm:cxn modelId="2" srcId="0" destId="1" srcOrd="0" destOrd="0"/>
+        <dgm:cxn modelId="16" srcId="1" destId="12" srcOrd="1" destOrd="0"/>
+        <dgm:cxn modelId="17" srcId="1" destId="13" srcOrd="2" destOrd="0"/>
+      </dgm:cxnLst>
+      <dgm:bg/>
+      <dgm:whole/>
+    </dgm:dataModel>
+  </dgm:styleData>
+  <dgm:clrData>
+    <dgm:dataModel>
+      <dgm:ptLst>
+        <dgm:pt modelId="0" type="doc"/>
+        <dgm:pt modelId="1"/>
+        <dgm:pt modelId="11" type="asst"/>
+        <dgm:pt modelId="12"/>
+        <dgm:pt modelId="13"/>
+        <dgm:pt modelId="14"/>
+      </dgm:ptLst>
+      <dgm:cxnLst>
+        <dgm:cxn modelId="2" srcId="0" destId="1" srcOrd="0" destOrd="0"/>
+        <dgm:cxn modelId="15" srcId="1" destId="11" srcOrd="0" destOrd="0"/>
+        <dgm:cxn modelId="16" srcId="1" destId="12" srcOrd="1" destOrd="0"/>
+        <dgm:cxn modelId="17" srcId="1" destId="13" srcOrd="2" destOrd="0"/>
+        <dgm:cxn modelId="18" srcId="1" destId="14" srcOrd="2" destOrd="0"/>
+      </dgm:cxnLst>
+      <dgm:bg/>
+      <dgm:whole/>
+    </dgm:dataModel>
+  </dgm:clrData>
+  <dgm:layoutNode name="hierChild1">
+    <dgm:varLst>
+      <dgm:orgChart val="1"/>
+      <dgm:chPref val="1"/>
+      <dgm:dir/>
+      <dgm:animOne val="branch"/>
+      <dgm:animLvl val="lvl"/>
+      <dgm:resizeHandles/>
+    </dgm:varLst>
+    <dgm:choose name="Name0">
+      <dgm:if name="Name1" func="var" arg="dir" op="equ" val="norm">
+        <dgm:alg type="hierChild">
+          <dgm:param type="linDir" val="fromL"/>
+        </dgm:alg>
+      </dgm:if>
+      <dgm:else name="Name2">
+        <dgm:alg type="hierChild">
+          <dgm:param type="linDir" val="fromR"/>
+        </dgm:alg>
+      </dgm:else>
+    </dgm:choose>
+    <dgm:shape xmlns:r="http://schemas.openxmlformats.org/officeDocument/2006/relationships" r:blip="">
+      <dgm:adjLst/>
+    </dgm:shape>
+    <dgm:presOf/>
+    <dgm:constrLst>
+      <dgm:constr type="w" for="des" forName="rootComposite1" refType="w" fact="10"/>
+      <dgm:constr type="h" for="des" forName="rootComposite1" refType="w" refFor="des" refForName="rootComposite1" fact="0.5"/>
+      <dgm:constr type="w" for="des" forName="rootComposite" refType="w" fact="10"/>
+      <dgm:constr type="h" for="des" forName="rootComposite" refType="w" refFor="des" refForName="rootComposite1" fact="0.5"/>
+      <dgm:constr type="w" for="des" forName="rootComposite3" refType="w" fact="10"/>
+      <dgm:constr type="h" for="des" forName="rootComposite3" refType="w" refFor="des" refForName="rootComposite1" fact="0.5"/>
+      <dgm:constr type="primFontSz" for="des" ptType="node" op="equ"/>
+      <dgm:constr type="sp" for="des" op="equ"/>
+      <dgm:constr type="sp" for="des" forName="hierRoot1" refType="w" refFor="des" refForName="rootComposite1" fact="0.21"/>
+      <dgm:constr type="sp" for="des" forName="hierRoot2" refType="sp" refFor="des" refForName="hierRoot1"/>
+      <dgm:constr type="sp" for="des" forName="hierRoot3" refType="sp" refFor="des" refForName="hierRoot1"/>
+      <dgm:constr type="sibSp" refType="w" refFor="des" refForName="rootComposite1" fact="0.21"/>
+      <dgm:constr type="sibSp" for="des" forName="hierChild2" refType="sibSp"/>
+      <dgm:constr type="sibSp" for="des" forName="hierChild3" refType="sibSp"/>
+      <dgm:constr type="sibSp" for="des" forName="hierChild4" refType="sibSp"/>
+      <dgm:constr type="sibSp" for="des" forName="hierChild5" refType="sibSp"/>
+      <dgm:constr type="sibSp" for="des" forName="hierChild6" refType="sibSp"/>
+      <dgm:constr type="sibSp" for="des" forName="hierChild7" refType="sibSp"/>
+      <dgm:constr type="secSibSp" refType="w" refFor="des" refForName="rootComposite1" fact="0.21"/>
+      <dgm:constr type="secSibSp" for="des" forName="hierChild2" refType="secSibSp"/>
+      <dgm:constr type="secSibSp" for="des" forName="hierChild3" refType="secSibSp"/>
+      <dgm:constr type="secSibSp" for="des" forName="hierChild4" refType="secSibSp"/>
+      <dgm:constr type="secSibSp" for="des" forName="hierChild5" refType="secSibSp"/>
+      <dgm:constr type="secSibSp" for="des" forName="hierChild6" refType="secSibSp"/>
+      <dgm:constr type="secSibSp" for="des" forName="hierChild7" refType="secSibSp"/>
+    </dgm:constrLst>
+    <dgm:ruleLst/>
+    <dgm:forEach name="Name3" axis="ch">
+      <dgm:forEach name="Name4" axis="self" ptType="node">
+        <dgm:layoutNode name="hierRoot1">
+          <dgm:varLst>
+            <dgm:hierBranch val="init"/>
+          </dgm:varLst>
+          <dgm:choose name="Name5">
+            <dgm:if name="Name6" func="var" arg="hierBranch" op="equ" val="l">
+              <dgm:choose name="Name7">
+                <dgm:if name="Name8" axis="ch" ptType="asst" func="cnt" op="gte" val="1">
+                  <dgm:alg type="hierRoot">
+                    <dgm:param type="hierAlign" val="tR"/>
+                  </dgm:alg>
+                  <dgm:constrLst>
+                    <dgm:constr type="alignOff" val="0.65"/>
+                  </dgm:constrLst>
+                </dgm:if>
+                <dgm:else name="Name9">
+                  <dgm:alg type="hierRoot">
+                    <dgm:param type="hierAlign" val="tR"/>
+                  </dgm:alg>
+                  <dgm:constrLst>
+                    <dgm:constr type="alignOff" val="0.25"/>
+                  </dgm:constrLst>
+                </dgm:else>
+              </dgm:choose>
+            </dgm:if>
+            <dgm:if name="Name10" func="var" arg="hierBranch" op="equ" val="r">
+              <dgm:choose name="Name11">
+                <dgm:if name="Name12" axis="ch" ptType="asst" func="cnt" op="gte" val="1">
+                  <dgm:alg type="hierRoot">
+                    <dgm:param type="hierAlign" val="tL"/>
+                  </dgm:alg>
+                  <dgm:constrLst>
+                    <dgm:constr type="alignOff" val="0.65"/>
+                  </dgm:constrLst>
+                </dgm:if>
+                <dgm:else name="Name13">
+                  <dgm:alg type="hierRoot">
+                    <dgm:param type="hierAlign" val="tL"/>
+                  </dgm:alg>
+                  <dgm:constrLst>
+                    <dgm:constr type="alignOff" val="0.25"/>
+                  </dgm:constrLst>
+                </dgm:else>
+              </dgm:choose>
+            </dgm:if>
+            <dgm:if name="Name14" func="var" arg="hierBranch" op="equ" val="hang">
+              <dgm:alg type="hierRoot"/>
+              <dgm:constrLst>
+                <dgm:constr type="alignOff" val="0.65"/>
+              </dgm:constrLst>
+            </dgm:if>
+            <dgm:else name="Name15">
+              <dgm:alg type="hierRoot"/>
+              <dgm:constrLst>
+                <dgm:constr type="alignOff"/>
+                <dgm:constr type="bendDist" for="des" ptType="parTrans" refType="sp" fact="0.5"/>
+              </dgm:constrLst>
+            </dgm:else>
+          </dgm:choose>
+          <dgm:shape xmlns:r="http://schemas.openxmlformats.org/officeDocument/2006/relationships" r:blip="">
+            <dgm:adjLst/>
+          </dgm:shape>
+          <dgm:presOf/>
+          <dgm:ruleLst/>
+          <dgm:layoutNode name="rootComposite1">
+            <dgm:alg type="composite"/>
+            <dgm:shape xmlns:r="http://schemas.openxmlformats.org/officeDocument/2006/relationships" r:blip="">
+              <dgm:adjLst/>
+            </dgm:shape>
+            <dgm:presOf axis="self" ptType="node" cnt="1"/>
+            <dgm:choose name="Name16">
+              <dgm:if name="Name17" func="var" arg="hierBranch" op="equ" val="init">
+                <dgm:constrLst>
+                  <dgm:constr type="l" for="ch" forName="rootText1"/>
+                  <dgm:constr type="t" for="ch" forName="rootText1"/>
+                  <dgm:constr type="w" for="ch" forName="rootText1" refType="w"/>
+                  <dgm:constr type="h" for="ch" forName="rootText1" refType="h"/>
+                  <dgm:constr type="l" for="ch" forName="rootConnector1"/>
+                  <dgm:constr type="t" for="ch" forName="rootConnector1"/>
+                  <dgm:constr type="w" for="ch" forName="rootConnector1" refType="w" refFor="ch" refForName="rootText1" fact="0.2"/>
+                  <dgm:constr type="h" for="ch" forName="rootConnector1" refType="h" refFor="ch" refForName="rootText1"/>
+                </dgm:constrLst>
+              </dgm:if>
+              <dgm:if name="Name18" func="var" arg="hierBranch" op="equ" val="l">
+                <dgm:constrLst>
+                  <dgm:constr type="l" for="ch" forName="rootText1"/>
+                  <dgm:constr type="t" for="ch" forName="rootText1"/>
+                  <dgm:constr type="w" for="ch" forName="rootText1" refType="w"/>
+                  <dgm:constr type="h" for="ch" forName="rootText1" refType="h"/>
+                  <dgm:constr type="r" for="ch" forName="rootConnector1" refType="w"/>
+                  <dgm:constr type="t" for="ch" forName="rootConnector1"/>
+                  <dgm:constr type="w" for="ch" forName="rootConnector1" refType="w" refFor="ch" refForName="rootText1" fact="0.2"/>
+                  <dgm:constr type="h" for="ch" forName="rootConnector1" refType="h" refFor="ch" refForName="rootText1"/>
+                </dgm:constrLst>
+              </dgm:if>
+              <dgm:if name="Name19" func="var" arg="hierBranch" op="equ" val="r">
+                <dgm:constrLst>
+                  <dgm:constr type="l" for="ch" forName="rootText1"/>
+                  <dgm:constr type="t" for="ch" forName="rootText1"/>
+                  <dgm:constr type="w" for="ch" forName="rootText1" refType="w"/>
+                  <dgm:constr type="h" for="ch" forName="rootText1" refType="h"/>
+                  <dgm:constr type="l" for="ch" forName="rootConnector1"/>
+                  <dgm:constr type="t" for="ch" forName="rootConnector1"/>
+                  <dgm:constr type="w" for="ch" forName="rootConnector1" refType="w" refFor="ch" refForName="rootText1" fact="0.2"/>
+                  <dgm:constr type="h" for="ch" forName="rootConnector1" refType="h" refFor="ch" refForName="rootText1"/>
+                </dgm:constrLst>
+              </dgm:if>
+              <dgm:else name="Name20">
+                <dgm:constrLst>
+                  <dgm:constr type="l" for="ch" forName="rootText1"/>
+                  <dgm:constr type="t" for="ch" forName="rootText1"/>
+                  <dgm:constr type="w" for="ch" forName="rootText1" refType="w"/>
+                  <dgm:constr type="h" for="ch" forName="rootText1" refType="h"/>
+                  <dgm:constr type="r" for="ch" forName="rootConnector1" refType="w"/>
+                  <dgm:constr type="t" for="ch" forName="rootConnector1"/>
+                  <dgm:constr type="w" for="ch" forName="rootConnector1" refType="w" refFor="ch" refForName="rootText1" fact="0.2"/>
+                  <dgm:constr type="h" for="ch" forName="rootConnector1" refType="h" refFor="ch" refForName="rootText1"/>
+                </dgm:constrLst>
+              </dgm:else>
+            </dgm:choose>
+            <dgm:ruleLst/>
+            <dgm:layoutNode name="rootText1" styleLbl="node0">
+              <dgm:varLst>
+                <dgm:chPref val="3"/>
+              </dgm:varLst>
+              <dgm:alg type="tx"/>
+              <dgm:shape xmlns:r="http://schemas.openxmlformats.org/officeDocument/2006/relationships" type="rect" r:blip="">
+                <dgm:adjLst/>
+              </dgm:shape>
+              <dgm:presOf axis="self" ptType="node" cnt="1"/>
+              <dgm:constrLst>
+                <dgm:constr type="primFontSz" val="65"/>
+                <dgm:constr type="lMarg" refType="primFontSz" fact="0.05"/>
+                <dgm:constr type="rMarg" refType="primFontSz" fact="0.05"/>
+                <dgm:constr type="tMarg" refType="primFontSz" fact="0.05"/>
+                <dgm:constr type="bMarg" refType="primFontSz" fact="0.05"/>
+              </dgm:constrLst>
+              <dgm:ruleLst>
+                <dgm:rule type="primFontSz" val="5" fact="NaN" max="NaN"/>
+              </dgm:ruleLst>
+            </dgm:layoutNode>
+            <dgm:layoutNode name="rootConnector1" moveWith="rootText1">
+              <dgm:alg type="sp"/>
+              <dgm:shape xmlns:r="http://schemas.openxmlformats.org/officeDocument/2006/relationships" type="rect" r:blip="" hideGeom="1">
+                <dgm:adjLst/>
+              </dgm:shape>
+              <dgm:presOf axis="self" ptType="node" cnt="1"/>
+              <dgm:constrLst/>
+              <dgm:ruleLst/>
+            </dgm:layoutNode>
+          </dgm:layoutNode>
+          <dgm:layoutNode name="hierChild2">
+            <dgm:choose name="Name21">
+              <dgm:if name="Name22" func="var" arg="hierBranch" op="equ" val="l">
+                <dgm:alg type="hierChild">
+                  <dgm:param type="chAlign" val="r"/>
+                  <dgm:param type="linDir" val="fromT"/>
+                </dgm:alg>
+              </dgm:if>
+              <dgm:if name="Name23" func="var" arg="hierBranch" op="equ" val="r">
+                <dgm:alg type="hierChild">
+                  <dgm:param type="chAlign" val="l"/>
+                  <dgm:param type="linDir" val="fromT"/>
+                </dgm:alg>
+              </dgm:if>
+              <dgm:if name="Name24" func="var" arg="hierBranch" op="equ" val="hang">
+                <dgm:choose name="Name25">
+                  <dgm:if name="Name26" func="var" arg="dir" op="equ" val="norm">
+                    <dgm:alg type="hierChild">
+                      <dgm:param type="chAlign" val="l"/>
+                      <dgm:param type="linDir" val="fromL"/>
+                      <dgm:param type="secChAlign" val="t"/>
+                      <dgm:param type="secLinDir" val="fromT"/>
+                    </dgm:alg>
+                  </dgm:if>
+                  <dgm:else name="Name27">
+                    <dgm:alg type="hierChild">
+                      <dgm:param type="chAlign" val="l"/>
+                      <dgm:param type="linDir" val="fromR"/>
+                      <dgm:param type="secChAlign" val="t"/>
+                      <dgm:param type="secLinDir" val="fromT"/>
+                    </dgm:alg>
+                  </dgm:else>
+                </dgm:choose>
+              </dgm:if>
+              <dgm:else name="Name28">
+                <dgm:choose name="Name29">
+                  <dgm:if name="Name30" func="var" arg="dir" op="equ" val="norm">
+                    <dgm:alg type="hierChild"/>
+                  </dgm:if>
+                  <dgm:else name="Name31">
+                    <dgm:alg type="hierChild">
+                      <dgm:param type="linDir" val="fromR"/>
+                    </dgm:alg>
+                  </dgm:else>
+                </dgm:choose>
+              </dgm:else>
+            </dgm:choose>
+            <dgm:shape xmlns:r="http://schemas.openxmlformats.org/officeDocument/2006/relationships" r:blip="">
+              <dgm:adjLst/>
+            </dgm:shape>
+            <dgm:presOf/>
+            <dgm:constrLst/>
+            <dgm:ruleLst/>
+            <dgm:forEach name="rep2a" axis="ch" ptType="nonAsst">
+              <dgm:forEach name="Name32" axis="precedSib" ptType="parTrans" st="-1" cnt="1">
+                <dgm:choose name="Name33">
+                  <dgm:if name="Name34" func="var" arg="hierBranch" op="equ" val="std">
+                    <dgm:layoutNode name="Name35">
+                      <dgm:alg type="conn">
+                        <dgm:param type="connRout" val="bend"/>
+                        <dgm:param type="dim" val="1D"/>
+                        <dgm:param type="endSty" val="noArr"/>
+                        <dgm:param type="begPts" val="bCtr"/>
+                        <dgm:param type="endPts" val="tCtr"/>
+                        <dgm:param type="bendPt" val="end"/>
+                      </dgm:alg>
+                      <dgm:shape xmlns:r="http://schemas.openxmlformats.org/officeDocument/2006/relationships" type="conn" r:blip="" zOrderOff="-99999">
+                        <dgm:adjLst/>
+                      </dgm:shape>
+                      <dgm:presOf axis="self"/>
+                      <dgm:constrLst>
+                        <dgm:constr type="begPad"/>
+                        <dgm:constr type="endPad"/>
+                      </dgm:constrLst>
+                      <dgm:ruleLst/>
+                    </dgm:layoutNode>
+                  </dgm:if>
+                  <dgm:if name="Name36" func="var" arg="hierBranch" op="equ" val="init">
+                    <dgm:layoutNode name="Name37">
+                      <dgm:choose name="Name38">
+                        <dgm:if name="Name39" axis="self" func="depth" op="lte" val="2">
+                          <dgm:alg type="conn">
+                            <dgm:param type="connRout" val="bend"/>
+                            <dgm:param type="dim" val="1D"/>
+                            <dgm:param type="endSty" val="noArr"/>
+                            <dgm:param type="begPts" val="bCtr"/>
+                            <dgm:param type="endPts" val="tCtr"/>
+                            <dgm:param type="bendPt" val="end"/>
+                          </dgm:alg>
+                        </dgm:if>
+                        <dgm:else name="Name40">
+                          <dgm:choose name="Name41">
+                            <dgm:if name="Name42" axis="par des" func="maxDepth" op="lte" val="1">
+                              <dgm:choose name="Name43">
+                                <dgm:if name="Name44" axis="par ch" ptType="node asst" func="cnt" op="gte" val="1">
+                                  <dgm:alg type="conn">
+                                    <dgm:param type="connRout" val="bend"/>
+                                    <dgm:param type="dim" val="1D"/>
+                                    <dgm:param type="endSty" val="noArr"/>
+                                    <dgm:param type="begPts" val="bCtr"/>
+                                    <dgm:param type="endPts" val="midL midR"/>
+                                  </dgm:alg>
+                                </dgm:if>
+                                <dgm:else name="Name45">
+                                  <dgm:alg type="conn">
+                                    <dgm:param type="connRout" val="bend"/>
+                                    <dgm:param type="dim" val="1D"/>
+                                    <dgm:param type="endSty" val="noArr"/>
+                                    <dgm:param type="begPts" val="bCtr"/>
+                                    <dgm:param type="endPts" val="midL midR"/>
+                                    <dgm:param type="srcNode" val="rootConnector"/>
+                                  </dgm:alg>
+                                </dgm:else>
+                              </dgm:choose>
+                            </dgm:if>
+                            <dgm:else name="Name46">
+                              <dgm:alg type="conn">
+                                <dgm:param type="connRout" val="bend"/>
+                                <dgm:param type="dim" val="1D"/>
+                                <dgm:param type="endSty" val="noArr"/>
+                                <dgm:param type="begPts" val="bCtr"/>
+                                <dgm:param type="endPts" val="tCtr"/>
+                                <dgm:param type="bendPt" val="end"/>
+                              </dgm:alg>
+                            </dgm:else>
+                          </dgm:choose>
+                        </dgm:else>
+                      </dgm:choose>
+                      <dgm:shape xmlns:r="http://schemas.openxmlformats.org/officeDocument/2006/relationships" type="conn" r:blip="" zOrderOff="-99999">
+                        <dgm:adjLst/>
+                      </dgm:shape>
+                      <dgm:presOf axis="self"/>
+                      <dgm:constrLst>
+                        <dgm:constr type="begPad"/>
+                        <dgm:constr type="endPad"/>
+                      </dgm:constrLst>
+                      <dgm:ruleLst/>
+                    </dgm:layoutNode>
+                  </dgm:if>
+                  <dgm:if name="Name47" func="var" arg="hierBranch" op="equ" val="hang">
+                    <dgm:layoutNode name="Name48">
+                      <dgm:alg type="conn">
+                        <dgm:param type="connRout" val="bend"/>
+                        <dgm:param type="dim" val="1D"/>
+                        <dgm:param type="endSty" val="noArr"/>
+                        <dgm:param type="begPts" val="bCtr"/>
+                        <dgm:param type="endPts" val="midL midR"/>
+                      </dgm:alg>
+                      <dgm:shape xmlns:r="http://schemas.openxmlformats.org/officeDocument/2006/relationships" type="conn" r:blip="" zOrderOff="-99999">
+                        <dgm:adjLst/>
+                      </dgm:shape>
+                      <dgm:presOf axis="self"/>
+                      <dgm:constrLst>
+                        <dgm:constr type="begPad"/>
+                        <dgm:constr type="endPad"/>
+                      </dgm:constrLst>
+                      <dgm:ruleLst/>
+                    </dgm:layoutNode>
+                  </dgm:if>
+                  <dgm:else name="Name49">
+                    <dgm:layoutNode name="Name50">
+                      <dgm:choose name="Name51">
+                        <dgm:if name="Name52" axis="self" func="depth" op="lte" val="2">
+                          <dgm:choose name="Name53">
+                            <dgm:if name="Name54" axis="par ch" ptType="node asst" func="cnt" op="gte" val="1">
+                              <dgm:alg type="conn">
+                                <dgm:param type="connRout" val="bend"/>
+                                <dgm:param type="dim" val="1D"/>
+                                <dgm:param type="endSty" val="noArr"/>
+                                <dgm:param type="begPts" val="bCtr"/>
+                                <dgm:param type="endPts" val="midL midR"/>
+                              </dgm:alg>
+                            </dgm:if>
+                            <dgm:else name="Name55">
+                              <dgm:alg type="conn">
+                                <dgm:param type="connRout" val="bend"/>
+                                <dgm:param type="dim" val="1D"/>
+                                <dgm:param type="endSty" val="noArr"/>
+                                <dgm:param type="begPts" val="bCtr"/>
+                                <dgm:param type="endPts" val="midL midR"/>
+                                <dgm:param type="srcNode" val="rootConnector1"/>
+                              </dgm:alg>
+                            </dgm:else>
+                          </dgm:choose>
+                        </dgm:if>
+                        <dgm:else name="Name56">
+                          <dgm:choose name="Name57">
+                            <dgm:if name="Name58" axis="par ch" ptType="node asst" func="cnt" op="gte" val="1">
+                              <dgm:alg type="conn">
+                                <dgm:param type="connRout" val="bend"/>
+                                <dgm:param type="dim" val="1D"/>
+                                <dgm:param type="endSty" val="noArr"/>
+                                <dgm:param type="begPts" val="bCtr"/>
+                                <dgm:param type="endPts" val="midL midR"/>
+                              </dgm:alg>
+                            </dgm:if>
+                            <dgm:else name="Name59">
+                              <dgm:alg type="conn">
+                                <dgm:param type="connRout" val="bend"/>
+                                <dgm:param type="dim" val="1D"/>
+                                <dgm:param type="endSty" val="noArr"/>
+                                <dgm:param type="begPts" val="bCtr"/>
+                                <dgm:param type="endPts" val="midL midR"/>
+                                <dgm:param type="srcNode" val="rootConnector"/>
+                              </dgm:alg>
+                            </dgm:else>
+                          </dgm:choose>
+                        </dgm:else>
+                      </dgm:choose>
+                      <dgm:shape xmlns:r="http://schemas.openxmlformats.org/officeDocument/2006/relationships" type="conn" r:blip="" zOrderOff="-99999">
+                        <dgm:adjLst/>
+                      </dgm:shape>
+                      <dgm:presOf axis="self"/>
+                      <dgm:constrLst>
+                        <dgm:constr type="begPad"/>
+                        <dgm:constr type="endPad"/>
+                      </dgm:constrLst>
+                      <dgm:ruleLst/>
+                    </dgm:layoutNode>
+                  </dgm:else>
+                </dgm:choose>
+              </dgm:forEach>
+              <dgm:layoutNode name="hierRoot2">
+                <dgm:varLst>
+                  <dgm:hierBranch val="init"/>
+                </dgm:varLst>
+                <dgm:choose name="Name60">
+                  <dgm:if name="Name61" func="var" arg="hierBranch" op="equ" val="l">
+                    <dgm:choose name="Name62">
+                      <dgm:if name="Name63" axis="ch" ptType="asst" func="cnt" op="gte" val="1">
+                        <dgm:alg type="hierRoot">
+                          <dgm:param type="hierAlign" val="tR"/>
+                        </dgm:alg>
+                        <dgm:shape xmlns:r="http://schemas.openxmlformats.org/officeDocument/2006/relationships" r:blip="">
+                          <dgm:adjLst/>
+                        </dgm:shape>
+                        <dgm:presOf/>
+                        <dgm:constrLst>
+                          <dgm:constr type="alignOff" val="0.65"/>
+                        </dgm:constrLst>
+                      </dgm:if>
+                      <dgm:else name="Name64">
+                        <dgm:alg type="hierRoot">
+                          <dgm:param type="hierAlign" val="tR"/>
+                        </dgm:alg>
+                        <dgm:shape xmlns:r="http://schemas.openxmlformats.org/officeDocument/2006/relationships" r:blip="">
+                          <dgm:adjLst/>
+                        </dgm:shape>
+                        <dgm:presOf/>
+                        <dgm:constrLst>
+                          <dgm:constr type="alignOff" val="0.25"/>
+                        </dgm:constrLst>
+                      </dgm:else>
+                    </dgm:choose>
+                  </dgm:if>
+                  <dgm:if name="Name65" func="var" arg="hierBranch" op="equ" val="r">
+                    <dgm:choose name="Name66">
+                      <dgm:if name="Name67" axis="ch" ptType="asst" func="cnt" op="gte" val="1">
+                        <dgm:alg type="hierRoot">
+                          <dgm:param type="hierAlign" val="tL"/>
+                        </dgm:alg>
+                        <dgm:shape xmlns:r="http://schemas.openxmlformats.org/officeDocument/2006/relationships" r:blip="">
+                          <dgm:adjLst/>
+                        </dgm:shape>
+                        <dgm:presOf/>
+                        <dgm:constrLst>
+                          <dgm:constr type="alignOff" val="0.65"/>
+                        </dgm:constrLst>
+                      </dgm:if>
+                      <dgm:else name="Name68">
+                        <dgm:alg type="hierRoot">
+                          <dgm:param type="hierAlign" val="tL"/>
+                        </dgm:alg>
+                        <dgm:shape xmlns:r="http://schemas.openxmlformats.org/officeDocument/2006/relationships" r:blip="">
+                          <dgm:adjLst/>
+                        </dgm:shape>
+                        <dgm:presOf/>
+                        <dgm:constrLst>
+                          <dgm:constr type="alignOff" val="0.25"/>
+                        </dgm:constrLst>
+                      </dgm:else>
+                    </dgm:choose>
+                  </dgm:if>
+                  <dgm:if name="Name69" func="var" arg="hierBranch" op="equ" val="std">
+                    <dgm:alg type="hierRoot"/>
+                    <dgm:shape xmlns:r="http://schemas.openxmlformats.org/officeDocument/2006/relationships" r:blip="">
+                      <dgm:adjLst/>
+                    </dgm:shape>
+                    <dgm:presOf/>
+                    <dgm:constrLst>
+                      <dgm:constr type="alignOff"/>
+                      <dgm:constr type="bendDist" for="des" ptType="parTrans" refType="sp" fact="0.5"/>
+                    </dgm:constrLst>
+                  </dgm:if>
+                  <dgm:if name="Name70" func="var" arg="hierBranch" op="equ" val="init">
+                    <dgm:choose name="Name71">
+                      <dgm:if name="Name72" axis="des" func="maxDepth" op="lte" val="1">
+                        <dgm:choose name="Name73">
+                          <dgm:if name="Name74" axis="ch" ptType="asst" func="cnt" op="gte" val="1">
+                            <dgm:alg type="hierRoot">
+                              <dgm:param type="hierAlign" val="tL"/>
+                            </dgm:alg>
+                            <dgm:shape xmlns:r="http://schemas.openxmlformats.org/officeDocument/2006/relationships" r:blip="">
+                              <dgm:adjLst/>
+                            </dgm:shape>
+                            <dgm:presOf/>
+                            <dgm:constrLst>
+                              <dgm:constr type="alignOff" val="0.65"/>
+                            </dgm:constrLst>
+                          </dgm:if>
+                          <dgm:else name="Name75">
+                            <dgm:alg type="hierRoot">
+                              <dgm:param type="hierAlign" val="tL"/>
+                            </dgm:alg>
+                            <dgm:shape xmlns:r="http://schemas.openxmlformats.org/officeDocument/2006/relationships" r:blip="">
+                              <dgm:adjLst/>
+                            </dgm:shape>
+                            <dgm:presOf/>
+                            <dgm:constrLst>
+                              <dgm:constr type="alignOff" val="0.25"/>
+                            </dgm:constrLst>
+                          </dgm:else>
+                        </dgm:choose>
+                      </dgm:if>
+                      <dgm:else name="Name76">
+                        <dgm:alg type="hierRoot"/>
+                        <dgm:shape xmlns:r="http://schemas.openxmlformats.org/officeDocument/2006/relationships" r:blip="">
+                          <dgm:adjLst/>
+                        </dgm:shape>
+                        <dgm:presOf/>
+                        <dgm:constrLst>
+                          <dgm:constr type="alignOff"/>
+                          <dgm:constr type="bendDist" for="des" ptType="parTrans" refType="sp" fact="0.5"/>
+                        </dgm:constrLst>
+                      </dgm:else>
+                    </dgm:choose>
+                  </dgm:if>
+                  <dgm:else name="Name77">
+                    <dgm:alg type="hierRoot"/>
+                    <dgm:shape xmlns:r="http://schemas.openxmlformats.org/officeDocument/2006/relationships" r:blip="">
+                      <dgm:adjLst/>
+                    </dgm:shape>
+                    <dgm:presOf/>
+                    <dgm:constrLst>
+                      <dgm:constr type="alignOff" val="0.65"/>
+                    </dgm:constrLst>
+                  </dgm:else>
+                </dgm:choose>
+                <dgm:ruleLst/>
+                <dgm:layoutNode name="rootComposite">
+                  <dgm:alg type="composite"/>
+                  <dgm:shape xmlns:r="http://schemas.openxmlformats.org/officeDocument/2006/relationships" r:blip="">
+                    <dgm:adjLst/>
+                  </dgm:shape>
+                  <dgm:presOf axis="self" ptType="node" cnt="1"/>
+                  <dgm:choose name="Name78">
+                    <dgm:if name="Name79" func="var" arg="hierBranch" op="equ" val="init">
+                      <dgm:constrLst>
+                        <dgm:constr type="l" for="ch" forName="rootText"/>
+                        <dgm:constr type="t" for="ch" forName="rootText"/>
+                        <dgm:constr type="w" for="ch" forName="rootText" refType="w"/>
+                        <dgm:constr type="h" for="ch" forName="rootText" refType="h"/>
+                        <dgm:constr type="l" for="ch" forName="rootConnector"/>
+                        <dgm:constr type="t" for="ch" forName="rootConnector"/>
+                        <dgm:constr type="w" for="ch" forName="rootConnector" refType="w" refFor="ch" refForName="rootText" fact="0.2"/>
+                        <dgm:constr type="h" for="ch" forName="rootConnector" refType="h" refFor="ch" refForName="rootText"/>
+                      </dgm:constrLst>
+                    </dgm:if>
+                    <dgm:if name="Name80" func="var" arg="hierBranch" op="equ" val="l">
+                      <dgm:constrLst>
+                        <dgm:constr type="l" for="ch" forName="rootText"/>
+                        <dgm:constr type="t" for="ch" forName="rootText"/>
+                        <dgm:constr type="w" for="ch" forName="rootText" refType="w"/>
+                        <dgm:constr type="h" for="ch" forName="rootText" refType="h"/>
+                        <dgm:constr type="r" for="ch" forName="rootConnector" refType="w"/>
+                        <dgm:constr type="t" for="ch" forName="rootConnector"/>
+                        <dgm:constr type="w" for="ch" forName="rootConnector" refType="w" refFor="ch" refForName="rootText" fact="0.2"/>
+                        <dgm:constr type="h" for="ch" forName="rootConnector" refType="h" refFor="ch" refForName="rootText"/>
+                      </dgm:constrLst>
+                    </dgm:if>
+                    <dgm:if name="Name81" func="var" arg="hierBranch" op="equ" val="r">
+                      <dgm:constrLst>
+                        <dgm:constr type="l" for="ch" forName="rootText"/>
+                        <dgm:constr type="t" for="ch" forName="rootText"/>
+                        <dgm:constr type="w" for="ch" forName="rootText" refType="w"/>
+                        <dgm:constr type="h" for="ch" forName="rootText" refType="h"/>
+                        <dgm:constr type="l" for="ch" forName="rootConnector"/>
+                        <dgm:constr type="t" for="ch" forName="rootConnector"/>
+                        <dgm:constr type="w" for="ch" forName="rootConnector" refType="w" refFor="ch" refForName="rootText" fact="0.2"/>
+                        <dgm:constr type="h" for="ch" forName="rootConnector" refType="h" refFor="ch" refForName="rootText"/>
+                      </dgm:constrLst>
+                    </dgm:if>
+                    <dgm:else name="Name82">
+                      <dgm:constrLst>
+                        <dgm:constr type="l" for="ch" forName="rootText"/>
+                        <dgm:constr type="t" for="ch" forName="rootText"/>
+                        <dgm:constr type="w" for="ch" forName="rootText" refType="w"/>
+                        <dgm:constr type="h" for="ch" forName="rootText" refType="h"/>
+                        <dgm:constr type="r" for="ch" forName="rootConnector" refType="w"/>
+                        <dgm:constr type="t" for="ch" forName="rootConnector"/>
+                        <dgm:constr type="w" for="ch" forName="rootConnector" refType="w" refFor="ch" refForName="rootText" fact="0.2"/>
+                        <dgm:constr type="h" for="ch" forName="rootConnector" refType="h" refFor="ch" refForName="rootText"/>
+                      </dgm:constrLst>
+                    </dgm:else>
+                  </dgm:choose>
+                  <dgm:ruleLst/>
+                  <dgm:layoutNode name="rootText">
+                    <dgm:varLst>
+                      <dgm:chPref val="3"/>
+                    </dgm:varLst>
+                    <dgm:alg type="tx"/>
+                    <dgm:shape xmlns:r="http://schemas.openxmlformats.org/officeDocument/2006/relationships" type="rect" r:blip="">
+                      <dgm:adjLst/>
+                    </dgm:shape>
+                    <dgm:presOf axis="self" ptType="node" cnt="1"/>
+                    <dgm:constrLst>
+                      <dgm:constr type="primFontSz" val="65"/>
+                      <dgm:constr type="lMarg" refType="primFontSz" fact="0.05"/>
+                      <dgm:constr type="rMarg" refType="primFontSz" fact="0.05"/>
+                      <dgm:constr type="tMarg" refType="primFontSz" fact="0.05"/>
+                      <dgm:constr type="bMarg" refType="primFontSz" fact="0.05"/>
+                    </dgm:constrLst>
+                    <dgm:ruleLst>
+                      <dgm:rule type="primFontSz" val="5" fact="NaN" max="NaN"/>
+                    </dgm:ruleLst>
+                  </dgm:layoutNode>
+                  <dgm:layoutNode name="rootConnector" moveWith="rootText">
+                    <dgm:alg type="sp"/>
+                    <dgm:shape xmlns:r="http://schemas.openxmlformats.org/officeDocument/2006/relationships" type="rect" r:blip="" hideGeom="1">
+                      <dgm:adjLst/>
+                    </dgm:shape>
+                    <dgm:presOf axis="self" ptType="node" cnt="1"/>
+                    <dgm:constrLst/>
+                    <dgm:ruleLst/>
+                  </dgm:layoutNode>
+                </dgm:layoutNode>
+                <dgm:layoutNode name="hierChild4">
+                  <dgm:choose name="Name83">
+                    <dgm:if name="Name84" func="var" arg="hierBranch" op="equ" val="l">
+                      <dgm:alg type="hierChild">
+                        <dgm:param type="chAlign" val="r"/>
+                        <dgm:param type="linDir" val="fromT"/>
+                      </dgm:alg>
+                    </dgm:if>
+                    <dgm:if name="Name85" func="var" arg="hierBranch" op="equ" val="r">
+                      <dgm:alg type="hierChild">
+                        <dgm:param type="chAlign" val="l"/>
+                        <dgm:param type="linDir" val="fromT"/>
+                      </dgm:alg>
+                    </dgm:if>
+                    <dgm:if name="Name86" func="var" arg="hierBranch" op="equ" val="hang">
+                      <dgm:choose name="Name87">
+                        <dgm:if name="Name88" func="var" arg="dir" op="equ" val="norm">
+                          <dgm:alg type="hierChild">
+                            <dgm:param type="chAlign" val="l"/>
+                            <dgm:param type="linDir" val="fromL"/>
+                            <dgm:param type="secChAlign" val="t"/>
+                            <dgm:param type="secLinDir" val="fromT"/>
+                          </dgm:alg>
+                        </dgm:if>
+                        <dgm:else name="Name89">
+                          <dgm:alg type="hierChild">
+                            <dgm:param type="chAlign" val="l"/>
+                            <dgm:param type="linDir" val="fromR"/>
+                            <dgm:param type="secChAlign" val="t"/>
+                            <dgm:param type="secLinDir" val="fromT"/>
+                          </dgm:alg>
+                        </dgm:else>
+                      </dgm:choose>
+                    </dgm:if>
+                    <dgm:if name="Name90" func="var" arg="hierBranch" op="equ" val="std">
+                      <dgm:choose name="Name91">
+                        <dgm:if name="Name92" func="var" arg="dir" op="equ" val="norm">
+                          <dgm:alg type="hierChild"/>
+                        </dgm:if>
+                        <dgm:else name="Name93">
+                          <dgm:alg type="hierChild">
+                            <dgm:param type="linDir" val="fromR"/>
+                          </dgm:alg>
+                        </dgm:else>
+                      </dgm:choose>
+                    </dgm:if>
+                    <dgm:if name="Name94" func="var" arg="hierBranch" op="equ" val="init">
+                      <dgm:choose name="Name95">
+                        <dgm:if name="Name96" axis="des" func="maxDepth" op="lte" val="1">
+                          <dgm:alg type="hierChild">
+                            <dgm:param type="chAlign" val="l"/>
+                            <dgm:param type="linDir" val="fromT"/>
+                          </dgm:alg>
+                        </dgm:if>
+                        <dgm:else name="Name97">
+                          <dgm:choose name="Name98">
+                            <dgm:if name="Name99" func="var" arg="dir" op="equ" val="norm">
+                              <dgm:alg type="hierChild"/>
+                            </dgm:if>
+                            <dgm:else name="Name100">
+                              <dgm:alg type="hierChild">
+                                <dgm:param type="linDir" val="fromR"/>
+                              </dgm:alg>
+                            </dgm:else>
+                          </dgm:choose>
+                        </dgm:else>
+                      </dgm:choose>
+                    </dgm:if>
+                    <dgm:else name="Name101"/>
+                  </dgm:choose>
+                  <dgm:shape xmlns:r="http://schemas.openxmlformats.org/officeDocument/2006/relationships" r:blip="">
+                    <dgm:adjLst/>
+                  </dgm:shape>
+                  <dgm:presOf/>
+                  <dgm:constrLst/>
+                  <dgm:ruleLst/>
+                  <dgm:forEach name="Name102" ref="rep2a"/>
+                </dgm:layoutNode>
+                <dgm:layoutNode name="hierChild5">
+                  <dgm:choose name="Name103">
+                    <dgm:if name="Name104" func="var" arg="dir" op="equ" val="norm">
+                      <dgm:alg type="hierChild">
+                        <dgm:param type="chAlign" val="l"/>
+                        <dgm:param type="linDir" val="fromL"/>
+                        <dgm:param type="secChAlign" val="t"/>
+                        <dgm:param type="secLinDir" val="fromT"/>
+                      </dgm:alg>
+                    </dgm:if>
+                    <dgm:else name="Name105">
+                      <dgm:alg type="hierChild">
+                        <dgm:param type="chAlign" val="l"/>
+                        <dgm:param type="linDir" val="fromR"/>
+                        <dgm:param type="secChAlign" val="t"/>
+                        <dgm:param type="secLinDir" val="fromT"/>
+                      </dgm:alg>
+                    </dgm:else>
+                  </dgm:choose>
+                  <dgm:shape xmlns:r="http://schemas.openxmlformats.org/officeDocument/2006/relationships" r:blip="">
+                    <dgm:adjLst/>
+                  </dgm:shape>
+                  <dgm:presOf/>
+                  <dgm:constrLst/>
+                  <dgm:ruleLst/>
+                  <dgm:forEach name="Name106" ref="rep2b"/>
+                </dgm:layoutNode>
+              </dgm:layoutNode>
+            </dgm:forEach>
+          </dgm:layoutNode>
+          <dgm:layoutNode name="hierChild3">
+            <dgm:choose name="Name107">
+              <dgm:if name="Name108" func="var" arg="dir" op="equ" val="norm">
+                <dgm:alg type="hierChild">
+                  <dgm:param type="chAlign" val="l"/>
+                  <dgm:param type="linDir" val="fromL"/>
+                  <dgm:param type="secChAlign" val="t"/>
+                  <dgm:param type="secLinDir" val="fromT"/>
+                </dgm:alg>
+              </dgm:if>
+              <dgm:else name="Name109">
+                <dgm:alg type="hierChild">
+                  <dgm:param type="chAlign" val="l"/>
+                  <dgm:param type="linDir" val="fromR"/>
+                  <dgm:param type="secChAlign" val="t"/>
+                  <dgm:param type="secLinDir" val="fromT"/>
+                </dgm:alg>
+              </dgm:else>
+            </dgm:choose>
+            <dgm:shape xmlns:r="http://schemas.openxmlformats.org/officeDocument/2006/relationships" r:blip="">
+              <dgm:adjLst/>
+            </dgm:shape>
+            <dgm:presOf/>
+            <dgm:constrLst/>
+            <dgm:ruleLst/>
+            <dgm:forEach name="rep2b" axis="ch" ptType="asst">
+              <dgm:forEach name="Name110" axis="precedSib" ptType="parTrans" st="-1" cnt="1">
+                <dgm:layoutNode name="Name111">
+                  <dgm:alg type="conn">
+                    <dgm:param type="connRout" val="bend"/>
+                    <dgm:param type="dim" val="1D"/>
+                    <dgm:param type="endSty" val="noArr"/>
+                    <dgm:param type="begPts" val="bCtr"/>
+                    <dgm:param type="endPts" val="midL midR"/>
+                  </dgm:alg>
+                  <dgm:shape xmlns:r="http://schemas.openxmlformats.org/officeDocument/2006/relationships" type="conn" r:blip="" zOrderOff="-99999">
+                    <dgm:adjLst/>
+                  </dgm:shape>
+                  <dgm:presOf axis="self"/>
+                  <dgm:constrLst>
+                    <dgm:constr type="begPad"/>
+                    <dgm:constr type="endPad"/>
+                  </dgm:constrLst>
+                  <dgm:ruleLst/>
+                </dgm:layoutNode>
+              </dgm:forEach>
+              <dgm:layoutNode name="hierRoot3">
+                <dgm:varLst>
+                  <dgm:hierBranch val="init"/>
+                </dgm:varLst>
+                <dgm:choose name="Name112">
+                  <dgm:if name="Name113" func="var" arg="hierBranch" op="equ" val="l">
+                    <dgm:alg type="hierRoot">
+                      <dgm:param type="hierAlign" val="tR"/>
+                    </dgm:alg>
+                    <dgm:shape xmlns:r="http://schemas.openxmlformats.org/officeDocument/2006/relationships" r:blip="">
+                      <dgm:adjLst/>
+                    </dgm:shape>
+                    <dgm:presOf/>
+                    <dgm:constrLst>
+                      <dgm:constr type="alignOff" val="0.65"/>
+                    </dgm:constrLst>
+                  </dgm:if>
+                  <dgm:if name="Name114" func="var" arg="hierBranch" op="equ" val="r">
+                    <dgm:alg type="hierRoot">
+                      <dgm:param type="hierAlign" val="tL"/>
+                    </dgm:alg>
+                    <dgm:shape xmlns:r="http://schemas.openxmlformats.org/officeDocument/2006/relationships" r:blip="">
+                      <dgm:adjLst/>
+                    </dgm:shape>
+                    <dgm:presOf/>
+                    <dgm:constrLst>
+                      <dgm:constr type="alignOff" val="0.65"/>
+                    </dgm:constrLst>
+                  </dgm:if>
+                  <dgm:if name="Name115" func="var" arg="hierBranch" op="equ" val="hang">
+                    <dgm:alg type="hierRoot"/>
+                    <dgm:shape xmlns:r="http://schemas.openxmlformats.org/officeDocument/2006/relationships" r:blip="">
+                      <dgm:adjLst/>
+                    </dgm:shape>
+                    <dgm:presOf/>
+                    <dgm:constrLst>
+                      <dgm:constr type="alignOff" val="0.65"/>
+                    </dgm:constrLst>
+                  </dgm:if>
+                  <dgm:if name="Name116" func="var" arg="hierBranch" op="equ" val="std">
+                    <dgm:alg type="hierRoot"/>
+                    <dgm:shape xmlns:r="http://schemas.openxmlformats.org/officeDocument/2006/relationships" r:blip="">
+                      <dgm:adjLst/>
+                    </dgm:shape>
+                    <dgm:presOf/>
+                    <dgm:constrLst>
+                      <dgm:constr type="alignOff"/>
+                      <dgm:constr type="bendDist" for="des" ptType="parTrans" refType="sp" fact="0.5"/>
+                    </dgm:constrLst>
+                  </dgm:if>
+                  <dgm:if name="Name117" func="var" arg="hierBranch" op="equ" val="init">
+                    <dgm:choose name="Name118">
+                      <dgm:if name="Name119" axis="des" func="maxDepth" op="lte" val="1">
+                        <dgm:alg type="hierRoot">
+                          <dgm:param type="hierAlign" val="tL"/>
+                        </dgm:alg>
+                        <dgm:shape xmlns:r="http://schemas.openxmlformats.org/officeDocument/2006/relationships" r:blip="">
+                          <dgm:adjLst/>
+                        </dgm:shape>
+                        <dgm:presOf/>
+                        <dgm:constrLst>
+                          <dgm:constr type="alignOff" val="0.65"/>
+                        </dgm:constrLst>
+                      </dgm:if>
+                      <dgm:else name="Name120">
+                        <dgm:alg type="hierRoot"/>
+                        <dgm:shape xmlns:r="http://schemas.openxmlformats.org/officeDocument/2006/relationships" r:blip="">
+                          <dgm:adjLst/>
+                        </dgm:shape>
+                        <dgm:presOf/>
+                        <dgm:constrLst>
+                          <dgm:constr type="alignOff"/>
+                          <dgm:constr type="bendDist" for="des" ptType="parTrans" refType="sp" fact="0.5"/>
+                        </dgm:constrLst>
+                      </dgm:else>
+                    </dgm:choose>
+                  </dgm:if>
+                  <dgm:else name="Name121"/>
+                </dgm:choose>
+                <dgm:ruleLst/>
+                <dgm:layoutNode name="rootComposite3">
+                  <dgm:alg type="composite"/>
+                  <dgm:shape xmlns:r="http://schemas.openxmlformats.org/officeDocument/2006/relationships" r:blip="">
+                    <dgm:adjLst/>
+                  </dgm:shape>
+                  <dgm:presOf axis="self" ptType="node" cnt="1"/>
+                  <dgm:choose name="Name122">
+                    <dgm:if name="Name123" func="var" arg="hierBranch" op="equ" val="init">
+                      <dgm:constrLst>
+                        <dgm:constr type="l" for="ch" forName="rootText3"/>
+                        <dgm:constr type="t" for="ch" forName="rootText3"/>
+                        <dgm:constr type="w" for="ch" forName="rootText3" refType="w"/>
+                        <dgm:constr type="h" for="ch" forName="rootText3" refType="h"/>
+                        <dgm:constr type="l" for="ch" forName="rootConnector3"/>
+                        <dgm:constr type="t" for="ch" forName="rootConnector3"/>
+                        <dgm:constr type="w" for="ch" forName="rootConnector3" refType="w" refFor="ch" refForName="rootText3" fact="0.2"/>
+                        <dgm:constr type="h" for="ch" forName="rootConnector3" refType="h" refFor="ch" refForName="rootText3"/>
+                      </dgm:constrLst>
+                    </dgm:if>
+                    <dgm:if name="Name124" func="var" arg="hierBranch" op="equ" val="l">
+                      <dgm:constrLst>
+                        <dgm:constr type="l" for="ch" forName="rootText3"/>
+                        <dgm:constr type="t" for="ch" forName="rootText3"/>
+                        <dgm:constr type="w" for="ch" forName="rootText3" refType="w"/>
+                        <dgm:constr type="h" for="ch" forName="rootText3" refType="h"/>
+                        <dgm:constr type="r" for="ch" forName="rootConnector3" refType="w"/>
+                        <dgm:constr type="t" for="ch" forName="rootConnector3"/>
+                        <dgm:constr type="w" for="ch" forName="rootConnector3" refType="w" refFor="ch" refForName="rootText3" fact="0.2"/>
+                        <dgm:constr type="h" for="ch" forName="rootConnector3" refType="h" refFor="ch" refForName="rootText3"/>
+                      </dgm:constrLst>
+                    </dgm:if>
+                    <dgm:if name="Name125" func="var" arg="hierBranch" op="equ" val="r">
+                      <dgm:constrLst>
+                        <dgm:constr type="l" for="ch" forName="rootText3"/>
+                        <dgm:constr type="t" for="ch" forName="rootText3"/>
+                        <dgm:constr type="w" for="ch" forName="rootText3" refType="w"/>
+                        <dgm:constr type="h" for="ch" forName="rootText3" refType="h"/>
+                        <dgm:constr type="l" for="ch" forName="rootConnector3"/>
+                        <dgm:constr type="t" for="ch" forName="rootConnector3"/>
+                        <dgm:constr type="w" for="ch" forName="rootConnector3" refType="w" refFor="ch" refForName="rootText3" fact="0.2"/>
+                        <dgm:constr type="h" for="ch" forName="rootConnector3" refType="h" refFor="ch" refForName="rootText3"/>
+                      </dgm:constrLst>
+                    </dgm:if>
+                    <dgm:else name="Name126">
+                      <dgm:constrLst>
+                        <dgm:constr type="l" for="ch" forName="rootText3"/>
+                        <dgm:constr type="t" for="ch" forName="rootText3"/>
+                        <dgm:constr type="w" for="ch" forName="rootText3" refType="w"/>
+                        <dgm:constr type="h" for="ch" forName="rootText3" refType="h"/>
+                        <dgm:constr type="r" for="ch" forName="rootConnector3" refType="w"/>
+                        <dgm:constr type="t" for="ch" forName="rootConnector3"/>
+                        <dgm:constr type="w" for="ch" forName="rootConnector3" refType="w" refFor="ch" refForName="rootText3" fact="0.2"/>
+                        <dgm:constr type="h" for="ch" forName="rootConnector3" refType="h" refFor="ch" refForName="rootText3"/>
+                      </dgm:constrLst>
+                    </dgm:else>
+                  </dgm:choose>
+                  <dgm:ruleLst/>
+                  <dgm:layoutNode name="rootText3">
+                    <dgm:varLst>
+                      <dgm:chPref val="3"/>
+                    </dgm:varLst>
+                    <dgm:alg type="tx"/>
+                    <dgm:shape xmlns:r="http://schemas.openxmlformats.org/officeDocument/2006/relationships" type="rect" r:blip="">
+                      <dgm:adjLst/>
+                    </dgm:shape>
+                    <dgm:presOf axis="self" ptType="node" cnt="1"/>
+                    <dgm:constrLst>
+                      <dgm:constr type="primFontSz" val="65"/>
+                      <dgm:constr type="lMarg" refType="primFontSz" fact="0.05"/>
+                      <dgm:constr type="rMarg" refType="primFontSz" fact="0.05"/>
+                      <dgm:constr type="tMarg" refType="primFontSz" fact="0.05"/>
+                      <dgm:constr type="bMarg" refType="primFontSz" fact="0.05"/>
+                    </dgm:constrLst>
+                    <dgm:ruleLst>
+                      <dgm:rule type="primFontSz" val="5" fact="NaN" max="NaN"/>
+                    </dgm:ruleLst>
+                  </dgm:layoutNode>
+                  <dgm:layoutNode name="rootConnector3" moveWith="rootText1">
+                    <dgm:alg type="sp"/>
+                    <dgm:shape xmlns:r="http://schemas.openxmlformats.org/officeDocument/2006/relationships" type="rect" r:blip="" hideGeom="1">
+                      <dgm:adjLst/>
+                    </dgm:shape>
+                    <dgm:presOf axis="self" ptType="node" cnt="1"/>
+                    <dgm:constrLst/>
+                    <dgm:ruleLst/>
+                  </dgm:layoutNode>
+                </dgm:layoutNode>
+                <dgm:layoutNode name="hierChild6">
+                  <dgm:choose name="Name127">
+                    <dgm:if name="Name128" func="var" arg="hierBranch" op="equ" val="l">
+                      <dgm:alg type="hierChild">
+                        <dgm:param type="chAlign" val="r"/>
+                        <dgm:param type="linDir" val="fromT"/>
+                      </dgm:alg>
+                    </dgm:if>
+                    <dgm:if name="Name129" func="var" arg="hierBranch" op="equ" val="r">
+                      <dgm:alg type="hierChild">
+                        <dgm:param type="chAlign" val="l"/>
+                        <dgm:param type="linDir" val="fromT"/>
+                      </dgm:alg>
+                    </dgm:if>
+                    <dgm:if name="Name130" func="var" arg="hierBranch" op="equ" val="hang">
+                      <dgm:choose name="Name131">
+                        <dgm:if name="Name132" func="var" arg="dir" op="equ" val="norm">
+                          <dgm:alg type="hierChild">
+                            <dgm:param type="chAlign" val="l"/>
+                            <dgm:param type="linDir" val="fromL"/>
+                            <dgm:param type="secChAlign" val="t"/>
+                            <dgm:param type="secLinDir" val="fromT"/>
+                          </dgm:alg>
+                        </dgm:if>
+                        <dgm:else name="Name133">
+                          <dgm:alg type="hierChild">
+                            <dgm:param type="chAlign" val="l"/>
+                            <dgm:param type="linDir" val="fromR"/>
+                            <dgm:param type="secChAlign" val="t"/>
+                            <dgm:param type="secLinDir" val="fromT"/>
+                          </dgm:alg>
+                        </dgm:else>
+                      </dgm:choose>
+                    </dgm:if>
+                    <dgm:if name="Name134" func="var" arg="hierBranch" op="equ" val="std">
+                      <dgm:choose name="Name135">
+                        <dgm:if name="Name136" func="var" arg="dir" op="equ" val="norm">
+                          <dgm:alg type="hierChild"/>
+                        </dgm:if>
+                        <dgm:else name="Name137">
+                          <dgm:alg type="hierChild">
+                            <dgm:param type="linDir" val="fromR"/>
+                          </dgm:alg>
+                        </dgm:else>
+                      </dgm:choose>
+                    </dgm:if>
+                    <dgm:if name="Name138" func="var" arg="hierBranch" op="equ" val="init">
+                      <dgm:choose name="Name139">
+                        <dgm:if name="Name140" axis="des" func="maxDepth" op="lte" val="1">
+                          <dgm:alg type="hierChild">
+                            <dgm:param type="chAlign" val="l"/>
+                            <dgm:param type="linDir" val="fromT"/>
+                          </dgm:alg>
+                        </dgm:if>
+                        <dgm:else name="Name141">
+                          <dgm:alg type="hierChild"/>
+                        </dgm:else>
+                      </dgm:choose>
+                    </dgm:if>
+                    <dgm:else name="Name142"/>
+                  </dgm:choose>
+                  <dgm:shape xmlns:r="http://schemas.openxmlformats.org/officeDocument/2006/relationships" r:blip="">
+                    <dgm:adjLst/>
+                  </dgm:shape>
+                  <dgm:presOf/>
+                  <dgm:constrLst/>
+                  <dgm:ruleLst/>
+                  <dgm:forEach name="Name143" ref="rep2a"/>
+                </dgm:layoutNode>
+                <dgm:layoutNode name="hierChild7">
+                  <dgm:choose name="Name144">
+                    <dgm:if name="Name145" func="var" arg="dir" op="equ" val="norm">
+                      <dgm:alg type="hierChild">
+                        <dgm:param type="chAlign" val="l"/>
+                        <dgm:param type="linDir" val="fromL"/>
+                        <dgm:param type="secChAlign" val="t"/>
+                        <dgm:param type="secLinDir" val="fromT"/>
+                      </dgm:alg>
+                    </dgm:if>
+                    <dgm:else name="Name146">
+                      <dgm:alg type="hierChild">
+                        <dgm:param type="chAlign" val="l"/>
+                        <dgm:param type="linDir" val="fromR"/>
+                        <dgm:param type="secChAlign" val="t"/>
+                        <dgm:param type="secLinDir" val="fromT"/>
+                      </dgm:alg>
+                    </dgm:else>
+                  </dgm:choose>
+                  <dgm:shape xmlns:r="http://schemas.openxmlformats.org/officeDocument/2006/relationships" r:blip="">
+                    <dgm:adjLst/>
+                  </dgm:shape>
+                  <dgm:presOf/>
+                  <dgm:constrLst/>
+                  <dgm:ruleLst/>
+                  <dgm:forEach name="Name147" ref="rep2b"/>
+                </dgm:layoutNode>
+              </dgm:layoutNode>
+            </dgm:forEach>
+          </dgm:layoutNode>
+        </dgm:layoutNode>
+      </dgm:forEach>
+    </dgm:forEach>
+  </dgm:layoutNode>
+</dgm:layoutDef>
+</file>
+
+<file path=ppt/diagrams/quickStyle1.xml><?xml version="1.0" encoding="utf-8"?>
+<dgm:styleDef xmlns:dgm="http://schemas.openxmlformats.org/drawingml/2006/diagram" xmlns:a="http://schemas.openxmlformats.org/drawingml/2006/main" uniqueId="urn:microsoft.com/office/officeart/2005/8/quickstyle/simple4">
+  <dgm:title val=""/>
+  <dgm:desc val=""/>
+  <dgm:catLst>
+    <dgm:cat type="simple" pri="10400"/>
+  </dgm:catLst>
+  <dgm:scene3d>
+    <a:camera prst="orthographicFront"/>
+    <a:lightRig rig="threePt" dir="t"/>
+  </dgm:scene3d>
+  <dgm:styleLbl name="node0">
+    <dgm:scene3d>
+      <a:camera prst="orthographicFront"/>
+      <a:lightRig rig="threePt" dir="t"/>
+    </dgm:scene3d>
+    <dgm:sp3d/>
+    <dgm:txPr/>
+    <dgm:style>
+      <a:lnRef idx="0">
+        <a:scrgbClr r="0" g="0" b="0"/>
+      </a:lnRef>
+      <a:fillRef idx="3">
+        <a:scrgbClr r="0" g="0" b="0"/>
+      </a:fillRef>
+      <a:effectRef idx="2">
+        <a:scrgbClr r="0" g="0" b="0"/>
+      </a:effectRef>
+      <a:fontRef idx="minor">
+        <a:schemeClr val="lt1"/>
+      </a:fontRef>
+    </dgm:style>
+  </dgm:styleLbl>
+  <dgm:styleLbl name="lnNode1">
+    <dgm:scene3d>
+      <a:camera prst="orthographicFront"/>
+      <a:lightRig rig="threePt" dir="t"/>
+    </dgm:scene3d>
+    <dgm:sp3d/>
+    <dgm:txPr/>
+    <dgm:style>
+      <a:lnRef idx="1">
+        <a:scrgbClr r="0" g="0" b="0"/>
+      </a:lnRef>
+      <a:fillRef idx="3">
+        <a:scrgbClr r="0" g="0" b="0"/>
+      </a:fillRef>
+      <a:effectRef idx="2">
+        <a:scrgbClr r="0" g="0" b="0"/>
+      </a:effectRef>
+      <a:fontRef idx="minor">
+        <a:schemeClr val="lt1"/>
+      </a:fontRef>
+    </dgm:style>
+  </dgm:styleLbl>
+  <dgm:styleLbl name="vennNode1">
+    <dgm:scene3d>
+      <a:camera prst="orthographicFront"/>
+      <a:lightRig rig="threePt" dir="t"/>
+    </dgm:scene3d>
+    <dgm:sp3d/>
+    <dgm:txPr/>
+    <dgm:style>
+      <a:lnRef idx="0">
+        <a:scrgbClr r="0" g="0" b="0"/>
+      </a:lnRef>
+      <a:fillRef idx="3">
+        <a:scrgbClr r="0" g="0" b="0"/>
+      </a:fillRef>
+      <a:effectRef idx="0">
+        <a:scrgbClr r="0" g="0" b="0"/>
+      </a:effectRef>
+      <a:fontRef idx="minor">
+        <a:schemeClr val="tx1"/>
+      </a:fontRef>
+    </dgm:style>
+  </dgm:styleLbl>
+  <dgm:styleLbl name="alignNode1">
+    <dgm:scene3d>
+      <a:camera prst="orthographicFront"/>
+      <a:lightRig rig="threePt" dir="t"/>
+    </dgm:scene3d>
+    <dgm:sp3d/>
+    <dgm:txPr/>
+    <dgm:style>
+      <a:lnRef idx="1">
+        <a:scrgbClr r="0" g="0" b="0"/>
+      </a:lnRef>
+      <a:fillRef idx="3">
+        <a:scrgbClr r="0" g="0" b="0"/>
+      </a:fillRef>
+      <a:effectRef idx="2">
+        <a:scrgbClr r="0" g="0" b="0"/>
+      </a:effectRef>
+      <a:fontRef idx="minor">
+        <a:schemeClr val="lt1"/>
+      </a:fontRef>
+    </dgm:style>
+  </dgm:styleLbl>
+  <dgm:styleLbl name="node1">
+    <dgm:scene3d>
+      <a:camera prst="orthographicFront"/>
+      <a:lightRig rig="threePt" dir="t"/>
+    </dgm:scene3d>
+    <dgm:sp3d/>
+    <dgm:txPr/>
+    <dgm:style>
+      <a:lnRef idx="0">
+        <a:scrgbClr r="0" g="0" b="0"/>
+      </a:lnRef>
+      <a:fillRef idx="3">
+        <a:scrgbClr r="0" g="0" b="0"/>
+      </a:fillRef>
+      <a:effectRef idx="2">
+        <a:scrgbClr r="0" g="0" b="0"/>
+      </a:effectRef>
+      <a:fontRef idx="minor">
+        <a:schemeClr val="lt1"/>
+      </a:fontRef>
+    </dgm:style>
+  </dgm:styleLbl>
+  <dgm:styleLbl name="node2">
+    <dgm:scene3d>
+      <a:camera prst="orthographicFront"/>
+      <a:lightRig rig="threePt" dir="t"/>
+    </dgm:scene3d>
+    <dgm:sp3d/>
+    <dgm:txPr/>
+    <dgm:style>
+      <a:lnRef idx="0">
+        <a:scrgbClr r="0" g="0" b="0"/>
+      </a:lnRef>
+      <a:fillRef idx="3">
+        <a:scrgbClr r="0" g="0" b="0"/>
+      </a:fillRef>
+      <a:effectRef idx="2">
+        <a:scrgbClr r="0" g="0" b="0"/>
+      </a:effectRef>
+      <a:fontRef idx="minor">
+        <a:schemeClr val="lt1"/>
+      </a:fontRef>
+    </dgm:style>
+  </dgm:styleLbl>
+  <dgm:styleLbl name="node3">
+    <dgm:scene3d>
+      <a:camera prst="orthographicFront"/>
+      <a:lightRig rig="threePt" dir="t"/>
+    </dgm:scene3d>
+    <dgm:sp3d/>
+    <dgm:txPr/>
+    <dgm:style>
+      <a:lnRef idx="0">
+        <a:scrgbClr r="0" g="0" b="0"/>
+      </a:lnRef>
+      <a:fillRef idx="3">
+        <a:scrgbClr r="0" g="0" b="0"/>
+      </a:fillRef>
+      <a:effectRef idx="2">
+        <a:scrgbClr r="0" g="0" b="0"/>
+      </a:effectRef>
+      <a:fontRef idx="minor">
+        <a:schemeClr val="lt1"/>
+      </a:fontRef>
+    </dgm:style>
+  </dgm:styleLbl>
+  <dgm:styleLbl name="node4">
+    <dgm:scene3d>
+      <a:camera prst="orthographicFront"/>
+      <a:lightRig rig="threePt" dir="t"/>
+    </dgm:scene3d>
+    <dgm:sp3d/>
+    <dgm:txPr/>
+    <dgm:style>
+      <a:lnRef idx="0">
+        <a:scrgbClr r="0" g="0" b="0"/>
+      </a:lnRef>
+      <a:fillRef idx="3">
+        <a:scrgbClr r="0" g="0" b="0"/>
+      </a:fillRef>
+      <a:effectRef idx="2">
+        <a:scrgbClr r="0" g="0" b="0"/>
+      </a:effectRef>
+      <a:fontRef idx="minor">
+        <a:schemeClr val="lt1"/>
+      </a:fontRef>
+    </dgm:style>
+  </dgm:styleLbl>
+  <dgm:styleLbl name="fgImgPlace1">
+    <dgm:scene3d>
+      <a:camera prst="orthographicFront"/>
+      <a:lightRig rig="threePt" dir="t"/>
+    </dgm:scene3d>
+    <dgm:sp3d/>
+    <dgm:txPr/>
+    <dgm:style>
+      <a:lnRef idx="0">
+        <a:scrgbClr r="0" g="0" b="0"/>
+      </a:lnRef>
+      <a:fillRef idx="1">
+        <a:scrgbClr r="0" g="0" b="0"/>
+      </a:fillRef>
+      <a:effectRef idx="2">
+        <a:scrgbClr r="0" g="0" b="0"/>
+      </a:effectRef>
+      <a:fontRef idx="minor"/>
+    </dgm:style>
+  </dgm:styleLbl>
+  <dgm:styleLbl name="alignImgPlace1">
+    <dgm:scene3d>
+      <a:camera prst="orthographicFront"/>
+      <a:lightRig rig="threePt" dir="t"/>
+    </dgm:scene3d>
+    <dgm:sp3d/>
+    <dgm:txPr/>
+    <dgm:style>
+      <a:lnRef idx="0">
+        <a:scrgbClr r="0" g="0" b="0"/>
+      </a:lnRef>
+      <a:fillRef idx="1">
+        <a:scrgbClr r="0" g="0" b="0"/>
+      </a:fillRef>
+      <a:effectRef idx="2">
+        <a:scrgbClr r="0" g="0" b="0"/>
+      </a:effectRef>
+      <a:fontRef idx="minor"/>
+    </dgm:style>
+  </dgm:styleLbl>
+  <dgm:styleLbl name="bgImgPlace1">
+    <dgm:scene3d>
+      <a:camera prst="orthographicFront"/>
+      <a:lightRig rig="threePt" dir="t"/>
+    </dgm:scene3d>
+    <dgm:sp3d/>
+    <dgm:txPr/>
+    <dgm:style>
+      <a:lnRef idx="0">
+        <a:scrgbClr r="0" g="0" b="0"/>
+      </a:lnRef>
+      <a:fillRef idx="1">
+        <a:scrgbClr r="0" g="0" b="0"/>
+      </a:fillRef>
+      <a:effectRef idx="2">
+        <a:scrgbClr r="0" g="0" b="0"/>
+      </a:effectRef>
+      <a:fontRef idx="minor"/>
+    </dgm:style>
+  </dgm:styleLbl>
+  <dgm:styleLbl name="sibTrans2D1">
+    <dgm:scene3d>
+      <a:camera prst="orthographicFront"/>
+      <a:lightRig rig="threePt" dir="t"/>
+    </dgm:scene3d>
+    <dgm:sp3d/>
+    <dgm:txPr/>
+    <dgm:style>
+      <a:lnRef idx="0">
+        <a:scrgbClr r="0" g="0" b="0"/>
+      </a:lnRef>
+      <a:fillRef idx="3">
+        <a:scrgbClr r="0" g="0" b="0"/>
+      </a:fillRef>
+      <a:effectRef idx="2">
+        <a:scrgbClr r="0" g="0" b="0"/>
+      </a:effectRef>
+      <a:fontRef idx="minor">
+        <a:schemeClr val="lt1"/>
+      </a:fontRef>
+    </dgm:style>
+  </dgm:styleLbl>
+  <dgm:styleLbl name="fgSibTrans2D1">
+    <dgm:scene3d>
+      <a:camera prst="orthographicFront"/>
+      <a:lightRig rig="threePt" dir="t"/>
+    </dgm:scene3d>
+    <dgm:sp3d/>
+    <dgm:txPr/>
+    <dgm:style>
+      <a:lnRef idx="0">
+        <a:scrgbClr r="0" g="0" b="0"/>
+      </a:lnRef>
+      <a:fillRef idx="3">
+        <a:scrgbClr r="0" g="0" b="0"/>
+      </a:fillRef>
+      <a:effectRef idx="2">
+        <a:scrgbClr r="0" g="0" b="0"/>
+      </a:effectRef>
+      <a:fontRef idx="minor">
+        <a:schemeClr val="lt1"/>
+      </a:fontRef>
+    </dgm:style>
+  </dgm:styleLbl>
+  <dgm:styleLbl name="bgSibTrans2D1">
+    <dgm:scene3d>
+      <a:camera prst="orthographicFront"/>
+      <a:lightRig rig="threePt" dir="t"/>
+    </dgm:scene3d>
+    <dgm:sp3d/>
+    <dgm:txPr/>
+    <dgm:style>
+      <a:lnRef idx="0">
+        <a:scrgbClr r="0" g="0" b="0"/>
+      </a:lnRef>
+      <a:fillRef idx="3">
+        <a:scrgbClr r="0" g="0" b="0"/>
+      </a:fillRef>
+      <a:effectRef idx="2">
+        <a:scrgbClr r="0" g="0" b="0"/>
+      </a:effectRef>
+      <a:fontRef idx="minor">
+        <a:schemeClr val="lt1"/>
+      </a:fontRef>
+    </dgm:style>
+  </dgm:styleLbl>
+  <dgm:styleLbl name="sibTrans1D1">
+    <dgm:scene3d>
+      <a:camera prst="orthographicFront"/>
+      <a:lightRig rig="threePt" dir="t"/>
+    </dgm:scene3d>
+    <dgm:sp3d/>
+    <dgm:txPr/>
+    <dgm:style>
+      <a:lnRef idx="1">
+        <a:scrgbClr r="0" g="0" b="0"/>
+      </a:lnRef>
+      <a:fillRef idx="0">
+        <a:scrgbClr r="0" g="0" b="0"/>
+      </a:fillRef>
+      <a:effectRef idx="0">
+        <a:scrgbClr r="0" g="0" b="0"/>
+      </a:effectRef>
+      <a:fontRef idx="minor"/>
+    </dgm:style>
+  </dgm:styleLbl>
+  <dgm:styleLbl name="callout">
+    <dgm:scene3d>
+      <a:camera prst="orthographicFront"/>
+      <a:lightRig rig="threePt" dir="t"/>
+    </dgm:scene3d>
+    <dgm:sp3d/>
+    <dgm:txPr/>
+    <dgm:style>
+      <a:lnRef idx="2">
+        <a:scrgbClr r="0" g="0" b="0"/>
+      </a:lnRef>
+      <a:fillRef idx="1">
+        <a:scrgbClr r="0" g="0" b="0"/>
+      </a:fillRef>
+      <a:effectRef idx="1">
+        <a:scrgbClr r="0" g="0" b="0"/>
+      </a:effectRef>
+      <a:fontRef idx="minor"/>
+    </dgm:style>
+  </dgm:styleLbl>
+  <dgm:styleLbl name="asst0">
+    <dgm:scene3d>
+      <a:camera prst="orthographicFront"/>
+      <a:lightRig rig="threePt" dir="t"/>
+    </dgm:scene3d>
+    <dgm:sp3d/>
+    <dgm:txPr/>
+    <dgm:style>
+      <a:lnRef idx="0">
+        <a:scrgbClr r="0" g="0" b="0"/>
+      </a:lnRef>
+      <a:fillRef idx="3">
+        <a:scrgbClr r="0" g="0" b="0"/>
+      </a:fillRef>
+      <a:effectRef idx="2">
+        <a:scrgbClr r="0" g="0" b="0"/>
+      </a:effectRef>
+      <a:fontRef idx="minor">
+        <a:schemeClr val="lt1"/>
+      </a:fontRef>
+    </dgm:style>
+  </dgm:styleLbl>
+  <dgm:styleLbl name="asst1">
+    <dgm:scene3d>
+      <a:camera prst="orthographicFront"/>
+      <a:lightRig rig="threePt" dir="t"/>
+    </dgm:scene3d>
+    <dgm:sp3d/>
+    <dgm:txPr/>
+    <dgm:style>
+      <a:lnRef idx="0">
+        <a:scrgbClr r="0" g="0" b="0"/>
+      </a:lnRef>
+      <a:fillRef idx="3">
+        <a:scrgbClr r="0" g="0" b="0"/>
+      </a:fillRef>
+      <a:effectRef idx="2">
+        <a:scrgbClr r="0" g="0" b="0"/>
+      </a:effectRef>
+      <a:fontRef idx="minor">
+        <a:schemeClr val="lt1"/>
+      </a:fontRef>
+    </dgm:style>
+  </dgm:styleLbl>
+  <dgm:styleLbl name="asst2">
+    <dgm:scene3d>
+      <a:camera prst="orthographicFront"/>
+      <a:lightRig rig="threePt" dir="t"/>
+    </dgm:scene3d>
+    <dgm:sp3d/>
+    <dgm:txPr/>
+    <dgm:style>
+      <a:lnRef idx="0">
+        <a:scrgbClr r="0" g="0" b="0"/>
+      </a:lnRef>
+      <a:fillRef idx="3">
+        <a:scrgbClr r="0" g="0" b="0"/>
+      </a:fillRef>
+      <a:effectRef idx="2">
+        <a:scrgbClr r="0" g="0" b="0"/>
+      </a:effectRef>
+      <a:fontRef idx="minor">
+        <a:schemeClr val="lt1"/>
+      </a:fontRef>
+    </dgm:style>
+  </dgm:styleLbl>
+  <dgm:styleLbl name="asst3">
+    <dgm:scene3d>
+      <a:camera prst="orthographicFront"/>
+      <a:lightRig rig="threePt" dir="t"/>
+    </dgm:scene3d>
+    <dgm:sp3d/>
+    <dgm:txPr/>
+    <dgm:style>
+      <a:lnRef idx="0">
+        <a:scrgbClr r="0" g="0" b="0"/>
+      </a:lnRef>
+      <a:fillRef idx="3">
+        <a:scrgbClr r="0" g="0" b="0"/>
+      </a:fillRef>
+      <a:effectRef idx="2">
+        <a:scrgbClr r="0" g="0" b="0"/>
+      </a:effectRef>
+      <a:fontRef idx="minor">
+        <a:schemeClr val="lt1"/>
+      </a:fontRef>
+    </dgm:style>
+  </dgm:styleLbl>
+  <dgm:styleLbl name="asst4">
+    <dgm:scene3d>
+      <a:camera prst="orthographicFront"/>
+      <a:lightRig rig="threePt" dir="t"/>
+    </dgm:scene3d>
+    <dgm:sp3d/>
+    <dgm:txPr/>
+    <dgm:style>
+      <a:lnRef idx="0">
+        <a:scrgbClr r="0" g="0" b="0"/>
+      </a:lnRef>
+      <a:fillRef idx="3">
+        <a:scrgbClr r="0" g="0" b="0"/>
+      </a:fillRef>
+      <a:effectRef idx="2">
+        <a:scrgbClr r="0" g="0" b="0"/>
+      </a:effectRef>
+      <a:fontRef idx="minor">
+        <a:schemeClr val="lt1"/>
+      </a:fontRef>
+    </dgm:style>
+  </dgm:styleLbl>
+  <dgm:styleLbl name="parChTrans2D1">
+    <dgm:scene3d>
+      <a:camera prst="orthographicFront"/>
+      <a:lightRig rig="threePt" dir="t"/>
+    </dgm:scene3d>
+    <dgm:sp3d/>
+    <dgm:txPr/>
+    <dgm:style>
+      <a:lnRef idx="0">
+        <a:scrgbClr r="0" g="0" b="0"/>
+      </a:lnRef>
+      <a:fillRef idx="3">
+        <a:scrgbClr r="0" g="0" b="0"/>
+      </a:fillRef>
+      <a:effectRef idx="2">
+        <a:scrgbClr r="0" g="0" b="0"/>
+      </a:effectRef>
+      <a:fontRef idx="minor">
+        <a:schemeClr val="lt1"/>
+      </a:fontRef>
+    </dgm:style>
+  </dgm:styleLbl>
+  <dgm:styleLbl name="parChTrans2D2">
+    <dgm:scene3d>
+      <a:camera prst="orthographicFront"/>
+      <a:lightRig rig="threePt" dir="t"/>
+    </dgm:scene3d>
+    <dgm:sp3d/>
+    <dgm:txPr/>
+    <dgm:style>
+      <a:lnRef idx="0">
+        <a:scrgbClr r="0" g="0" b="0"/>
+      </a:lnRef>
+      <a:fillRef idx="3">
+        <a:scrgbClr r="0" g="0" b="0"/>
+      </a:fillRef>
+      <a:effectRef idx="2">
+        <a:scrgbClr r="0" g="0" b="0"/>
+      </a:effectRef>
+      <a:fontRef idx="minor">
+        <a:schemeClr val="lt1"/>
+      </a:fontRef>
+    </dgm:style>
+  </dgm:styleLbl>
+  <dgm:styleLbl name="parChTrans2D3">
+    <dgm:scene3d>
+      <a:camera prst="orthographicFront"/>
+      <a:lightRig rig="threePt" dir="t"/>
+    </dgm:scene3d>
+    <dgm:sp3d/>
+    <dgm:txPr/>
+    <dgm:style>
+      <a:lnRef idx="1">
+        <a:scrgbClr r="0" g="0" b="0"/>
+      </a:lnRef>
+      <a:fillRef idx="3">
+        <a:scrgbClr r="0" g="0" b="0"/>
+      </a:fillRef>
+      <a:effectRef idx="2">
+        <a:scrgbClr r="0" g="0" b="0"/>
+      </a:effectRef>
+      <a:fontRef idx="minor">
+        <a:schemeClr val="lt1"/>
+      </a:fontRef>
+    </dgm:style>
+  </dgm:styleLbl>
+  <dgm:styleLbl name="parChTrans2D4">
+    <dgm:scene3d>
+      <a:camera prst="orthographicFront"/>
+      <a:lightRig rig="threePt" dir="t"/>
+    </dgm:scene3d>
+    <dgm:sp3d/>
+    <dgm:txPr/>
+    <dgm:style>
+      <a:lnRef idx="1">
+        <a:scrgbClr r="0" g="0" b="0"/>
+      </a:lnRef>
+      <a:fillRef idx="3">
+        <a:scrgbClr r="0" g="0" b="0"/>
+      </a:fillRef>
+      <a:effectRef idx="2">
+        <a:scrgbClr r="0" g="0" b="0"/>
+      </a:effectRef>
+      <a:fontRef idx="minor">
+        <a:schemeClr val="lt1"/>
+      </a:fontRef>
+    </dgm:style>
+  </dgm:styleLbl>
+  <dgm:styleLbl name="parChTrans1D1">
+    <dgm:scene3d>
+      <a:camera prst="orthographicFront"/>
+      <a:lightRig rig="threePt" dir="t"/>
+    </dgm:scene3d>
+    <dgm:sp3d/>
+    <dgm:txPr/>
+    <dgm:style>
+      <a:lnRef idx="1">
+        <a:scrgbClr r="0" g="0" b="0"/>
+      </a:lnRef>
+      <a:fillRef idx="0">
+        <a:scrgbClr r="0" g="0" b="0"/>
+      </a:fillRef>
+      <a:effectRef idx="0">
+        <a:scrgbClr r="0" g="0" b="0"/>
+      </a:effectRef>
+      <a:fontRef idx="minor"/>
+    </dgm:style>
+  </dgm:styleLbl>
+  <dgm:styleLbl name="parChTrans1D2">
+    <dgm:scene3d>
+      <a:camera prst="orthographicFront"/>
+      <a:lightRig rig="threePt" dir="t"/>
+    </dgm:scene3d>
+    <dgm:sp3d/>
+    <dgm:txPr/>
+    <dgm:style>
+      <a:lnRef idx="1">
+        <a:scrgbClr r="0" g="0" b="0"/>
+      </a:lnRef>
+      <a:fillRef idx="0">
+        <a:scrgbClr r="0" g="0" b="0"/>
+      </a:fillRef>
+      <a:effectRef idx="0">
+        <a:scrgbClr r="0" g="0" b="0"/>
+      </a:effectRef>
+      <a:fontRef idx="minor"/>
+    </dgm:style>
+  </dgm:styleLbl>
+  <dgm:styleLbl name="parChTrans1D3">
+    <dgm:scene3d>
+      <a:camera prst="orthographicFront"/>
+      <a:lightRig rig="threePt" dir="t"/>
+    </dgm:scene3d>
+    <dgm:sp3d/>
+    <dgm:txPr/>
+    <dgm:style>
+      <a:lnRef idx="1">
+        <a:scrgbClr r="0" g="0" b="0"/>
+      </a:lnRef>
+      <a:fillRef idx="0">
+        <a:scrgbClr r="0" g="0" b="0"/>
+      </a:fillRef>
+      <a:effectRef idx="0">
+        <a:scrgbClr r="0" g="0" b="0"/>
+      </a:effectRef>
+      <a:fontRef idx="minor"/>
+    </dgm:style>
+  </dgm:styleLbl>
+  <dgm:styleLbl name="parChTrans1D4">
+    <dgm:scene3d>
+      <a:camera prst="orthographicFront"/>
+      <a:lightRig rig="threePt" dir="t"/>
+    </dgm:scene3d>
+    <dgm:sp3d/>
+    <dgm:txPr/>
+    <dgm:style>
+      <a:lnRef idx="1">
+        <a:scrgbClr r="0" g="0" b="0"/>
+      </a:lnRef>
+      <a:fillRef idx="0">
+        <a:scrgbClr r="0" g="0" b="0"/>
+      </a:fillRef>
+      <a:effectRef idx="0">
+        <a:scrgbClr r="0" g="0" b="0"/>
+      </a:effectRef>
+      <a:fontRef idx="minor"/>
+    </dgm:style>
+  </dgm:styleLbl>
+  <dgm:styleLbl name="fgAcc1">
+    <dgm:scene3d>
+      <a:camera prst="orthographicFront"/>
+      <a:lightRig rig="threePt" dir="t"/>
+    </dgm:scene3d>
+    <dgm:sp3d/>
+    <dgm:txPr/>
+    <dgm:style>
+      <a:lnRef idx="1">
+        <a:scrgbClr r="0" g="0" b="0"/>
+      </a:lnRef>
+      <a:fillRef idx="1">
+        <a:scrgbClr r="0" g="0" b="0"/>
+      </a:fillRef>
+      <a:effectRef idx="0">
+        <a:scrgbClr r="0" g="0" b="0"/>
+      </a:effectRef>
+      <a:fontRef idx="minor"/>
+    </dgm:style>
+  </dgm:styleLbl>
+  <dgm:styleLbl name="conFgAcc1">
+    <dgm:scene3d>
+      <a:camera prst="orthographicFront"/>
+      <a:lightRig rig="threePt" dir="t"/>
+    </dgm:scene3d>
+    <dgm:sp3d/>
+    <dgm:txPr/>
+    <dgm:style>
+      <a:lnRef idx="1">
+        <a:scrgbClr r="0" g="0" b="0"/>
+      </a:lnRef>
+      <a:fillRef idx="1">
+        <a:scrgbClr r="0" g="0" b="0"/>
+      </a:fillRef>
+      <a:effectRef idx="0">
+        <a:scrgbClr r="0" g="0" b="0"/>
+      </a:effectRef>
+      <a:fontRef idx="minor"/>
+    </dgm:style>
+  </dgm:styleLbl>
+  <dgm:styleLbl name="alignAcc1">
+    <dgm:scene3d>
+      <a:camera prst="orthographicFront"/>
+      <a:lightRig rig="threePt" dir="t"/>
+    </dgm:scene3d>
+    <dgm:sp3d/>
+    <dgm:txPr/>
+    <dgm:style>
+      <a:lnRef idx="1">
+        <a:scrgbClr r="0" g="0" b="0"/>
+      </a:lnRef>
+      <a:fillRef idx="1">
+        <a:scrgbClr r="0" g="0" b="0"/>
+      </a:fillRef>
+      <a:effectRef idx="0">
+        <a:scrgbClr r="0" g="0" b="0"/>
+      </a:effectRef>
+      <a:fontRef idx="minor"/>
+    </dgm:style>
+  </dgm:styleLbl>
+  <dgm:styleLbl name="trAlignAcc1">
+    <dgm:scene3d>
+      <a:camera prst="orthographicFront"/>
+      <a:lightRig rig="threePt" dir="t"/>
+    </dgm:scene3d>
+    <dgm:sp3d/>
+    <dgm:txPr/>
+    <dgm:style>
+      <a:lnRef idx="1">
+        <a:scrgbClr r="0" g="0" b="0"/>
+      </a:lnRef>
+      <a:fillRef idx="1">
+        <a:scrgbClr r="0" g="0" b="0"/>
+      </a:fillRef>
+      <a:effectRef idx="0">
+        <a:scrgbClr r="0" g="0" b="0"/>
+      </a:effectRef>
+      <a:fontRef idx="minor"/>
+    </dgm:style>
+  </dgm:styleLbl>
+  <dgm:styleLbl name="bgAcc1">
+    <dgm:scene3d>
+      <a:camera prst="orthographicFront"/>
+      <a:lightRig rig="threePt" dir="t"/>
+    </dgm:scene3d>
+    <dgm:sp3d/>
+    <dgm:txPr/>
+    <dgm:style>
+      <a:lnRef idx="1">
+        <a:scrgbClr r="0" g="0" b="0"/>
+      </a:lnRef>
+      <a:fillRef idx="1">
+        <a:scrgbClr r="0" g="0" b="0"/>
+      </a:fillRef>
+      <a:effectRef idx="0">
+        <a:scrgbClr r="0" g="0" b="0"/>
+      </a:effectRef>
+      <a:fontRef idx="minor"/>
+    </dgm:style>
+  </dgm:styleLbl>
+  <dgm:styleLbl name="solidFgAcc1">
+    <dgm:scene3d>
+      <a:camera prst="orthographicFront"/>
+      <a:lightRig rig="threePt" dir="t"/>
+    </dgm:scene3d>
+    <dgm:sp3d/>
+    <dgm:txPr/>
+    <dgm:style>
+      <a:lnRef idx="1">
+        <a:scrgbClr r="0" g="0" b="0"/>
+      </a:lnRef>
+      <a:fillRef idx="1">
+        <a:scrgbClr r="0" g="0" b="0"/>
+      </a:fillRef>
+      <a:effectRef idx="0">
+        <a:scrgbClr r="0" g="0" b="0"/>
+      </a:effectRef>
+      <a:fontRef idx="minor"/>
+    </dgm:style>
+  </dgm:styleLbl>
+  <dgm:styleLbl name="solidAlignAcc1">
+    <dgm:scene3d>
+      <a:camera prst="orthographicFront"/>
+      <a:lightRig rig="threePt" dir="t"/>
+    </dgm:scene3d>
+    <dgm:sp3d/>
+    <dgm:txPr/>
+    <dgm:style>
+      <a:lnRef idx="1">
+        <a:scrgbClr r="0" g="0" b="0"/>
+      </a:lnRef>
+      <a:fillRef idx="1">
+        <a:scrgbClr r="0" g="0" b="0"/>
+      </a:fillRef>
+      <a:effectRef idx="0">
+        <a:scrgbClr r="0" g="0" b="0"/>
+      </a:effectRef>
+      <a:fontRef idx="minor"/>
+    </dgm:style>
+  </dgm:styleLbl>
+  <dgm:styleLbl name="solidBgAcc1">
+    <dgm:scene3d>
+      <a:camera prst="orthographicFront"/>
+      <a:lightRig rig="threePt" dir="t"/>
+    </dgm:scene3d>
+    <dgm:sp3d/>
+    <dgm:txPr/>
+    <dgm:style>
+      <a:lnRef idx="1">
+        <a:scrgbClr r="0" g="0" b="0"/>
+      </a:lnRef>
+      <a:fillRef idx="1">
+        <a:scrgbClr r="0" g="0" b="0"/>
+      </a:fillRef>
+      <a:effectRef idx="0">
+        <a:scrgbClr r="0" g="0" b="0"/>
+      </a:effectRef>
+      <a:fontRef idx="minor"/>
+    </dgm:style>
+  </dgm:styleLbl>
+  <dgm:styleLbl name="fgAccFollowNode1">
+    <dgm:scene3d>
+      <a:camera prst="orthographicFront"/>
+      <a:lightRig rig="threePt" dir="t"/>
+    </dgm:scene3d>
+    <dgm:sp3d/>
+    <dgm:txPr/>
+    <dgm:style>
+      <a:lnRef idx="1">
+        <a:scrgbClr r="0" g="0" b="0"/>
+      </a:lnRef>
+      <a:fillRef idx="1">
+        <a:scrgbClr r="0" g="0" b="0"/>
+      </a:fillRef>
+      <a:effectRef idx="0">
+        <a:scrgbClr r="0" g="0" b="0"/>
+      </a:effectRef>
+      <a:fontRef idx="minor"/>
+    </dgm:style>
+  </dgm:styleLbl>
+  <dgm:styleLbl name="alignAccFollowNode1">
+    <dgm:scene3d>
+      <a:camera prst="orthographicFront"/>
+      <a:lightRig rig="threePt" dir="t"/>
+    </dgm:scene3d>
+    <dgm:sp3d/>
+    <dgm:txPr/>
+    <dgm:style>
+      <a:lnRef idx="1">
+        <a:scrgbClr r="0" g="0" b="0"/>
+      </a:lnRef>
+      <a:fillRef idx="1">
+        <a:scrgbClr r="0" g="0" b="0"/>
+      </a:fillRef>
+      <a:effectRef idx="0">
+        <a:scrgbClr r="0" g="0" b="0"/>
+      </a:effectRef>
+      <a:fontRef idx="minor"/>
+    </dgm:style>
+  </dgm:styleLbl>
+  <dgm:styleLbl name="bgAccFollowNode1">
+    <dgm:scene3d>
+      <a:camera prst="orthographicFront"/>
+      <a:lightRig rig="threePt" dir="t"/>
+    </dgm:scene3d>
+    <dgm:sp3d/>
+    <dgm:txPr/>
+    <dgm:style>
+      <a:lnRef idx="1">
+        <a:scrgbClr r="0" g="0" b="0"/>
+      </a:lnRef>
+      <a:fillRef idx="1">
+        <a:scrgbClr r="0" g="0" b="0"/>
+      </a:fillRef>
+      <a:effectRef idx="0">
+        <a:scrgbClr r="0" g="0" b="0"/>
+      </a:effectRef>
+      <a:fontRef idx="minor"/>
+    </dgm:style>
+  </dgm:styleLbl>
+  <dgm:styleLbl name="fgAcc0">
+    <dgm:scene3d>
+      <a:camera prst="orthographicFront"/>
+      <a:lightRig rig="threePt" dir="t"/>
+    </dgm:scene3d>
+    <dgm:sp3d/>
+    <dgm:txPr/>
+    <dgm:style>
+      <a:lnRef idx="1">
+        <a:scrgbClr r="0" g="0" b="0"/>
+      </a:lnRef>
+      <a:fillRef idx="1">
+        <a:scrgbClr r="0" g="0" b="0"/>
+      </a:fillRef>
+      <a:effectRef idx="0">
+        <a:scrgbClr r="0" g="0" b="0"/>
+      </a:effectRef>
+      <a:fontRef idx="minor"/>
+    </dgm:style>
+  </dgm:styleLbl>
+  <dgm:styleLbl name="fgAcc2">
+    <dgm:scene3d>
+      <a:camera prst="orthographicFront"/>
+      <a:lightRig rig="threePt" dir="t"/>
+    </dgm:scene3d>
+    <dgm:sp3d/>
+    <dgm:txPr/>
+    <dgm:style>
+      <a:lnRef idx="1">
+        <a:scrgbClr r="0" g="0" b="0"/>
+      </a:lnRef>
+      <a:fillRef idx="1">
+        <a:scrgbClr r="0" g="0" b="0"/>
+      </a:fillRef>
+      <a:effectRef idx="0">
+        <a:scrgbClr r="0" g="0" b="0"/>
+      </a:effectRef>
+      <a:fontRef idx="minor"/>
+    </dgm:style>
+  </dgm:styleLbl>
+  <dgm:styleLbl name="fgAcc3">
+    <dgm:scene3d>
+      <a:camera prst="orthographicFront"/>
+      <a:lightRig rig="threePt" dir="t"/>
+    </dgm:scene3d>
+    <dgm:sp3d/>
+    <dgm:txPr/>
+    <dgm:style>
+      <a:lnRef idx="1">
+        <a:scrgbClr r="0" g="0" b="0"/>
+      </a:lnRef>
+      <a:fillRef idx="1">
+        <a:scrgbClr r="0" g="0" b="0"/>
+      </a:fillRef>
+      <a:effectRef idx="0">
+        <a:scrgbClr r="0" g="0" b="0"/>
+      </a:effectRef>
+      <a:fontRef idx="minor"/>
+    </dgm:style>
+  </dgm:styleLbl>
+  <dgm:styleLbl name="fgAcc4">
+    <dgm:scene3d>
+      <a:camera prst="orthographicFront"/>
+      <a:lightRig rig="threePt" dir="t"/>
+    </dgm:scene3d>
+    <dgm:sp3d/>
+    <dgm:txPr/>
+    <dgm:style>
+      <a:lnRef idx="1">
+        <a:scrgbClr r="0" g="0" b="0"/>
+      </a:lnRef>
+      <a:fillRef idx="1">
+        <a:scrgbClr r="0" g="0" b="0"/>
+      </a:fillRef>
+      <a:effectRef idx="0">
+        <a:scrgbClr r="0" g="0" b="0"/>
+      </a:effectRef>
+      <a:fontRef idx="minor"/>
+    </dgm:style>
+  </dgm:styleLbl>
+  <dgm:styleLbl name="bgShp">
+    <dgm:scene3d>
+      <a:camera prst="orthographicFront"/>
+      <a:lightRig rig="threePt" dir="t"/>
+    </dgm:scene3d>
+    <dgm:sp3d/>
+    <dgm:txPr/>
+    <dgm:style>
+      <a:lnRef idx="0">
+        <a:scrgbClr r="0" g="0" b="0"/>
+      </a:lnRef>
+      <a:fillRef idx="1">
+        <a:scrgbClr r="0" g="0" b="0"/>
+      </a:fillRef>
+      <a:effectRef idx="2">
+        <a:scrgbClr r="0" g="0" b="0"/>
+      </a:effectRef>
+      <a:fontRef idx="minor"/>
+    </dgm:style>
+  </dgm:styleLbl>
+  <dgm:styleLbl name="dkBgShp">
+    <dgm:scene3d>
+      <a:camera prst="orthographicFront"/>
+      <a:lightRig rig="threePt" dir="t"/>
+    </dgm:scene3d>
+    <dgm:sp3d/>
+    <dgm:txPr/>
+    <dgm:style>
+      <a:lnRef idx="0">
+        <a:scrgbClr r="0" g="0" b="0"/>
+      </a:lnRef>
+      <a:fillRef idx="1">
+        <a:scrgbClr r="0" g="0" b="0"/>
+      </a:fillRef>
+      <a:effectRef idx="2">
+        <a:scrgbClr r="0" g="0" b="0"/>
+      </a:effectRef>
+      <a:fontRef idx="minor"/>
+    </dgm:style>
+  </dgm:styleLbl>
+  <dgm:styleLbl name="trBgShp">
+    <dgm:scene3d>
+      <a:camera prst="orthographicFront"/>
+      <a:lightRig rig="threePt" dir="t"/>
+    </dgm:scene3d>
+    <dgm:sp3d/>
+    <dgm:txPr/>
+    <dgm:style>
+      <a:lnRef idx="0">
+        <a:scrgbClr r="0" g="0" b="0"/>
+      </a:lnRef>
+      <a:fillRef idx="1">
+        <a:scrgbClr r="0" g="0" b="0"/>
+      </a:fillRef>
+      <a:effectRef idx="0">
+        <a:scrgbClr r="0" g="0" b="0"/>
+      </a:effectRef>
+      <a:fontRef idx="minor"/>
+    </dgm:style>
+  </dgm:styleLbl>
+  <dgm:styleLbl name="fgShp">
+    <dgm:scene3d>
+      <a:camera prst="orthographicFront"/>
+      <a:lightRig rig="threePt" dir="t"/>
+    </dgm:scene3d>
+    <dgm:sp3d/>
+    <dgm:txPr/>
+    <dgm:style>
+      <a:lnRef idx="0">
+        <a:scrgbClr r="0" g="0" b="0"/>
+      </a:lnRef>
+      <a:fillRef idx="3">
+        <a:scrgbClr r="0" g="0" b="0"/>
+      </a:fillRef>
+      <a:effectRef idx="2">
+        <a:scrgbClr r="0" g="0" b="0"/>
+      </a:effectRef>
+      <a:fontRef idx="minor"/>
+    </dgm:style>
+  </dgm:styleLbl>
+  <dgm:styleLbl name="revTx">
+    <dgm:scene3d>
+      <a:camera prst="orthographicFront"/>
+      <a:lightRig rig="threePt" dir="t"/>
+    </dgm:scene3d>
+    <dgm:sp3d/>
+    <dgm:txPr/>
+    <dgm:style>
+      <a:lnRef idx="0">
+        <a:scrgbClr r="0" g="0" b="0"/>
+      </a:lnRef>
+      <a:fillRef idx="0">
+        <a:scrgbClr r="0" g="0" b="0"/>
+      </a:fillRef>
+      <a:effectRef idx="0">
+        <a:scrgbClr r="0" g="0" b="0"/>
+      </a:effectRef>
+      <a:fontRef idx="minor"/>
+    </dgm:style>
+  </dgm:styleLbl>
+</dgm:styleDef>
 </file>
 
 <file path=ppt/notesMasters/notesMaster1.xml><?xml version="1.0" encoding="utf-8"?>
@@ -208,7 +4875,7 @@
           <a:p>
             <a:fld id="{3150A13C-DCD4-6B42-9298-4E167B884561}" type="datetimeFigureOut">
               <a:rPr lang="en-US" smtClean="0"/>
-              <a:t>4/2/18</a:t>
+              <a:t>4/17/18</a:t>
             </a:fld>
             <a:endParaRPr lang="en-US"/>
           </a:p>
@@ -691,7 +5358,7 @@
           <a:p>
             <a:fld id="{C0440A51-E4DD-7842-B4C7-39B5796D19C0}" type="datetimeFigureOut">
               <a:rPr lang="en-US" smtClean="0"/>
-              <a:t>4/2/18</a:t>
+              <a:t>4/17/18</a:t>
             </a:fld>
             <a:endParaRPr lang="en-US"/>
           </a:p>
@@ -856,7 +5523,7 @@
           <a:p>
             <a:fld id="{C0440A51-E4DD-7842-B4C7-39B5796D19C0}" type="datetimeFigureOut">
               <a:rPr lang="en-US" smtClean="0"/>
-              <a:t>4/2/18</a:t>
+              <a:t>4/17/18</a:t>
             </a:fld>
             <a:endParaRPr lang="en-US"/>
           </a:p>
@@ -1031,7 +5698,7 @@
           <a:p>
             <a:fld id="{C0440A51-E4DD-7842-B4C7-39B5796D19C0}" type="datetimeFigureOut">
               <a:rPr lang="en-US" smtClean="0"/>
-              <a:t>4/2/18</a:t>
+              <a:t>4/17/18</a:t>
             </a:fld>
             <a:endParaRPr lang="en-US"/>
           </a:p>
@@ -1196,7 +5863,7 @@
           <a:p>
             <a:fld id="{C0440A51-E4DD-7842-B4C7-39B5796D19C0}" type="datetimeFigureOut">
               <a:rPr lang="en-US" smtClean="0"/>
-              <a:t>4/2/18</a:t>
+              <a:t>4/17/18</a:t>
             </a:fld>
             <a:endParaRPr lang="en-US"/>
           </a:p>
@@ -1435,7 +6102,7 @@
           <a:p>
             <a:fld id="{C0440A51-E4DD-7842-B4C7-39B5796D19C0}" type="datetimeFigureOut">
               <a:rPr lang="en-US" smtClean="0"/>
-              <a:t>4/2/18</a:t>
+              <a:t>4/17/18</a:t>
             </a:fld>
             <a:endParaRPr lang="en-US"/>
           </a:p>
@@ -1662,7 +6329,7 @@
           <a:p>
             <a:fld id="{C0440A51-E4DD-7842-B4C7-39B5796D19C0}" type="datetimeFigureOut">
               <a:rPr lang="en-US" smtClean="0"/>
-              <a:t>4/2/18</a:t>
+              <a:t>4/17/18</a:t>
             </a:fld>
             <a:endParaRPr lang="en-US"/>
           </a:p>
@@ -2024,7 +6691,7 @@
           <a:p>
             <a:fld id="{C0440A51-E4DD-7842-B4C7-39B5796D19C0}" type="datetimeFigureOut">
               <a:rPr lang="en-US" smtClean="0"/>
-              <a:t>4/2/18</a:t>
+              <a:t>4/17/18</a:t>
             </a:fld>
             <a:endParaRPr lang="en-US"/>
           </a:p>
@@ -2137,7 +6804,7 @@
           <a:p>
             <a:fld id="{C0440A51-E4DD-7842-B4C7-39B5796D19C0}" type="datetimeFigureOut">
               <a:rPr lang="en-US" smtClean="0"/>
-              <a:t>4/2/18</a:t>
+              <a:t>4/17/18</a:t>
             </a:fld>
             <a:endParaRPr lang="en-US"/>
           </a:p>
@@ -2227,7 +6894,7 @@
           <a:p>
             <a:fld id="{C0440A51-E4DD-7842-B4C7-39B5796D19C0}" type="datetimeFigureOut">
               <a:rPr lang="en-US" smtClean="0"/>
-              <a:t>4/2/18</a:t>
+              <a:t>4/17/18</a:t>
             </a:fld>
             <a:endParaRPr lang="en-US"/>
           </a:p>
@@ -2499,7 +7166,7 @@
           <a:p>
             <a:fld id="{C0440A51-E4DD-7842-B4C7-39B5796D19C0}" type="datetimeFigureOut">
               <a:rPr lang="en-US" smtClean="0"/>
-              <a:t>4/2/18</a:t>
+              <a:t>4/17/18</a:t>
             </a:fld>
             <a:endParaRPr lang="en-US"/>
           </a:p>
@@ -2751,7 +7418,7 @@
           <a:p>
             <a:fld id="{C0440A51-E4DD-7842-B4C7-39B5796D19C0}" type="datetimeFigureOut">
               <a:rPr lang="en-US" smtClean="0"/>
-              <a:t>4/2/18</a:t>
+              <a:t>4/17/18</a:t>
             </a:fld>
             <a:endParaRPr lang="en-US"/>
           </a:p>
@@ -2959,7 +7626,7 @@
           <a:p>
             <a:fld id="{C0440A51-E4DD-7842-B4C7-39B5796D19C0}" type="datetimeFigureOut">
               <a:rPr lang="en-US" smtClean="0"/>
-              <a:t>4/2/18</a:t>
+              <a:t>4/17/18</a:t>
             </a:fld>
             <a:endParaRPr lang="en-US"/>
           </a:p>
@@ -3480,11 +8147,7 @@
             </a:pPr>
             <a:r>
               <a:rPr lang="en-US" sz="4400" dirty="0" smtClean="0"/>
-              <a:t>Without </a:t>
-            </a:r>
-            <a:r>
-              <a:rPr lang="en-US" sz="4400" dirty="0" smtClean="0"/>
-              <a:t>a direct incentive, some people may be unwilling to put forth the effort to recycle</a:t>
+              <a:t>Without a direct incentive, some people may be unwilling to put forth the effort to recycle</a:t>
             </a:r>
           </a:p>
           <a:p>
@@ -3555,15 +8218,7 @@
           <a:p>
             <a:r>
               <a:rPr lang="en-US" sz="7200" dirty="0" smtClean="0"/>
-              <a:t>Recycling </a:t>
-            </a:r>
-            <a:r>
-              <a:rPr lang="en-US" sz="7200" dirty="0" smtClean="0"/>
-              <a:t>changed by </a:t>
-            </a:r>
-            <a:r>
-              <a:rPr lang="en-US" sz="7200" dirty="0" smtClean="0"/>
-              <a:t>X amount</a:t>
+              <a:t>Recycling changed by X amount</a:t>
             </a:r>
             <a:endParaRPr lang="en-US" sz="7200" dirty="0"/>
           </a:p>
@@ -3578,7 +8233,7 @@
         <p:spPr>
           <a:xfrm>
             <a:off x="1349830" y="12060610"/>
-            <a:ext cx="7815855" cy="5663088"/>
+            <a:ext cx="7815855" cy="5663089"/>
           </a:xfrm>
           <a:prstGeom prst="rect">
             <a:avLst/>
@@ -3609,8 +8264,13 @@
             </a:pPr>
             <a:r>
               <a:rPr lang="en-US" sz="4400" dirty="0" smtClean="0"/>
-              <a:t>A 100% recyclable, basketball-themed recycling game</a:t>
+              <a:t>A 100% recyclable, </a:t>
             </a:r>
+            <a:r>
+              <a:rPr lang="en-US" sz="4400" dirty="0" smtClean="0"/>
+              <a:t>recycling game</a:t>
+            </a:r>
+            <a:endParaRPr lang="en-US" sz="4400" dirty="0" smtClean="0"/>
           </a:p>
           <a:p>
             <a:pPr marL="571500" indent="-571500">
@@ -3622,23 +8282,7 @@
             </a:pPr>
             <a:r>
               <a:rPr lang="en-US" sz="4400" dirty="0" smtClean="0"/>
-              <a:t>Score is displayed by RGB </a:t>
-            </a:r>
-            <a:r>
-              <a:rPr lang="en-US" sz="4400" dirty="0" smtClean="0"/>
-              <a:t>LEDs gradually </a:t>
-            </a:r>
-            <a:r>
-              <a:rPr lang="en-US" sz="4400" dirty="0" smtClean="0"/>
-              <a:t>shifting </a:t>
-            </a:r>
-            <a:r>
-              <a:rPr lang="en-US" sz="4400" dirty="0" smtClean="0"/>
-              <a:t>from red to green </a:t>
-            </a:r>
-            <a:r>
-              <a:rPr lang="en-US" sz="4400" dirty="0" smtClean="0"/>
-              <a:t>as weight approaches final value</a:t>
+              <a:t>Score is displayed by RGB LEDs gradually shifting from red to green as weight approaches final value</a:t>
             </a:r>
             <a:endParaRPr lang="en-US" sz="4400" dirty="0"/>
           </a:p>
@@ -3814,50 +8458,6 @@
       </p:sp>
       <p:sp>
         <p:nvSpPr>
-          <p:cNvPr id="14" name="Rectangle 13"/>
-          <p:cNvSpPr/>
-          <p:nvPr/>
-        </p:nvSpPr>
-        <p:spPr>
-          <a:xfrm>
-            <a:off x="9875520" y="12060610"/>
-            <a:ext cx="5486400" cy="5868325"/>
-          </a:xfrm>
-          <a:prstGeom prst="rect">
-            <a:avLst/>
-          </a:prstGeom>
-        </p:spPr>
-        <p:style>
-          <a:lnRef idx="2">
-            <a:schemeClr val="accent1">
-              <a:shade val="50000"/>
-            </a:schemeClr>
-          </a:lnRef>
-          <a:fillRef idx="1">
-            <a:schemeClr val="accent1"/>
-          </a:fillRef>
-          <a:effectRef idx="0">
-            <a:schemeClr val="accent1"/>
-          </a:effectRef>
-          <a:fontRef idx="minor">
-            <a:schemeClr val="lt1"/>
-          </a:fontRef>
-        </p:style>
-        <p:txBody>
-          <a:bodyPr rtlCol="0" anchor="ctr"/>
-          <a:lstStyle/>
-          <a:p>
-            <a:pPr algn="ctr"/>
-            <a:r>
-              <a:rPr lang="en-US" dirty="0" smtClean="0"/>
-              <a:t>Image of final recycling box</a:t>
-            </a:r>
-            <a:endParaRPr lang="en-US" dirty="0"/>
-          </a:p>
-        </p:txBody>
-      </p:sp>
-      <p:sp>
-        <p:nvSpPr>
           <p:cNvPr id="15" name="Rectangle 14"/>
           <p:cNvSpPr/>
           <p:nvPr/>
@@ -4012,11 +8612,7 @@
             </a:pPr>
             <a:r>
               <a:rPr lang="en-US" sz="4400" dirty="0" smtClean="0"/>
-              <a:t>Create a more diverse line-up of recycling games that could encourage recycling </a:t>
-            </a:r>
-            <a:r>
-              <a:rPr lang="en-US" sz="4400" dirty="0" smtClean="0"/>
-              <a:t>in specific environments </a:t>
+              <a:t>Create a more diverse line-up of recycling games that could encourage recycling in specific environments </a:t>
             </a:r>
             <a:endParaRPr lang="en-US" sz="4400" dirty="0"/>
           </a:p>
@@ -4088,15 +8684,7 @@
             </a:pPr>
             <a:r>
               <a:rPr lang="en-US" sz="4400" dirty="0" smtClean="0"/>
-              <a:t>Offices and classrooms </a:t>
-            </a:r>
-            <a:r>
-              <a:rPr lang="en-US" sz="4400" dirty="0" smtClean="0"/>
-              <a:t>could </a:t>
-            </a:r>
-            <a:r>
-              <a:rPr lang="en-US" sz="4400" dirty="0" smtClean="0"/>
-              <a:t>award prizes when certain recycling goals are met</a:t>
+              <a:t>Offices and classrooms could award prizes when certain recycling goals are met</a:t>
             </a:r>
           </a:p>
           <a:p>
@@ -4147,6 +8735,102 @@
           </a:p>
         </p:txBody>
       </p:sp>
+      <p:pic>
+        <p:nvPicPr>
+          <p:cNvPr id="2" name="Picture 1"/>
+          <p:cNvPicPr>
+            <a:picLocks noChangeAspect="1"/>
+          </p:cNvPicPr>
+          <p:nvPr/>
+        </p:nvPicPr>
+        <p:blipFill>
+          <a:blip r:embed="rId5">
+            <a:extLst>
+              <a:ext uri="{28A0092B-C50C-407E-A947-70E740481C1C}">
+                <a14:useLocalDpi xmlns:a14="http://schemas.microsoft.com/office/drawing/2010/main" val="0"/>
+              </a:ext>
+            </a:extLst>
+          </a:blip>
+          <a:stretch>
+            <a:fillRect/>
+          </a:stretch>
+        </p:blipFill>
+        <p:spPr>
+          <a:xfrm>
+            <a:off x="8833748" y="15511600"/>
+            <a:ext cx="7308754" cy="3167905"/>
+          </a:xfrm>
+          <a:prstGeom prst="rect">
+            <a:avLst/>
+          </a:prstGeom>
+        </p:spPr>
+      </p:pic>
+      <p:sp>
+        <p:nvSpPr>
+          <p:cNvPr id="3" name="Rectangle 2"/>
+          <p:cNvSpPr/>
+          <p:nvPr/>
+        </p:nvSpPr>
+        <p:spPr>
+          <a:xfrm>
+            <a:off x="8833748" y="15885042"/>
+            <a:ext cx="1713750" cy="552893"/>
+          </a:xfrm>
+          <a:prstGeom prst="rect">
+            <a:avLst/>
+          </a:prstGeom>
+        </p:spPr>
+        <p:style>
+          <a:lnRef idx="2">
+            <a:schemeClr val="accent1">
+              <a:shade val="50000"/>
+            </a:schemeClr>
+          </a:lnRef>
+          <a:fillRef idx="1">
+            <a:schemeClr val="accent1"/>
+          </a:fillRef>
+          <a:effectRef idx="0">
+            <a:schemeClr val="accent1"/>
+          </a:effectRef>
+          <a:fontRef idx="minor">
+            <a:schemeClr val="lt1"/>
+          </a:fontRef>
+        </p:style>
+        <p:txBody>
+          <a:bodyPr rtlCol="0" anchor="ctr"/>
+          <a:lstStyle/>
+          <a:p>
+            <a:pPr algn="ctr"/>
+            <a:r>
+              <a:rPr lang="en-US" sz="2200" dirty="0" smtClean="0"/>
+              <a:t>To load sensors</a:t>
+            </a:r>
+            <a:endParaRPr lang="en-US" sz="2200" dirty="0"/>
+          </a:p>
+        </p:txBody>
+      </p:sp>
+      <p:graphicFrame>
+        <p:nvGraphicFramePr>
+          <p:cNvPr id="10" name="Diagram 9"/>
+          <p:cNvGraphicFramePr/>
+          <p:nvPr>
+            <p:extLst>
+              <p:ext uri="{D42A27DB-BD31-4B8C-83A1-F6EECF244321}">
+                <p14:modId xmlns:p14="http://schemas.microsoft.com/office/powerpoint/2010/main" val="1873423080"/>
+              </p:ext>
+            </p:extLst>
+          </p:nvPr>
+        </p:nvGraphicFramePr>
+        <p:xfrm>
+          <a:off x="8833749" y="12060610"/>
+          <a:ext cx="7308754" cy="3245800"/>
+        </p:xfrm>
+        <a:graphic>
+          <a:graphicData uri="http://schemas.openxmlformats.org/drawingml/2006/diagram">
+            <dgm:relIds xmlns:dgm="http://schemas.openxmlformats.org/drawingml/2006/diagram" xmlns:r="http://schemas.openxmlformats.org/officeDocument/2006/relationships" r:dm="rId6" r:lo="rId7" r:qs="rId8" r:cs="rId9"/>
+          </a:graphicData>
+        </a:graphic>
+      </p:graphicFrame>
     </p:spTree>
     <p:extLst>
       <p:ext uri="{BB962C8B-B14F-4D97-AF65-F5344CB8AC3E}">
@@ -4160,7 +8844,7 @@
   <p:timing>
     <p:tnLst>
       <p:par>
-        <p:cTn xmlns:p14="http://schemas.microsoft.com/office/powerpoint/2010/main" id="1" dur="indefinite" restart="never" nodeType="tmRoot"/>
+        <p:cTn id="1" dur="indefinite" restart="never" nodeType="tmRoot"/>
       </p:par>
     </p:tnLst>
   </p:timing>
@@ -4422,7 +9106,7 @@
   <a:extraClrSchemeLst/>
   <a:extLst>
     <a:ext uri="{05A4C25C-085E-4340-85A3-A5531E510DB2}">
-      <thm15:themeFamily xmlns:thm15="http://schemas.microsoft.com/office/thememl/2012/main" xmlns="" name="Office Theme" id="{62F939B6-93AF-4DB8-9C6B-D6C7DFDC589F}" vid="{4A3C46E8-61CC-4603-A589-7422A47A8E4A}"/>
+      <thm15:themeFamily xmlns:thm15="http://schemas.microsoft.com/office/thememl/2012/main" name="Office Theme" id="{62F939B6-93AF-4DB8-9C6B-D6C7DFDC589F}" vid="{4A3C46E8-61CC-4603-A589-7422A47A8E4A}"/>
     </a:ext>
   </a:extLst>
 </a:theme>
@@ -4683,7 +9367,7 @@
   <a:extraClrSchemeLst/>
   <a:extLst>
     <a:ext uri="{05A4C25C-085E-4340-85A3-A5531E510DB2}">
-      <thm15:themeFamily xmlns:thm15="http://schemas.microsoft.com/office/thememl/2012/main" xmlns="" name="Office Theme" id="{62F939B6-93AF-4DB8-9C6B-D6C7DFDC589F}" vid="{4A3C46E8-61CC-4603-A589-7422A47A8E4A}"/>
+      <thm15:themeFamily xmlns:thm15="http://schemas.microsoft.com/office/thememl/2012/main" name="Office Theme" id="{62F939B6-93AF-4DB8-9C6B-D6C7DFDC589F}" vid="{4A3C46E8-61CC-4603-A589-7422A47A8E4A}"/>
     </a:ext>
   </a:extLst>
 </a:theme>
